--- a/5. Your Very Own Website/Lesson 5 - Websites.pptx
+++ b/5. Your Very Own Website/Lesson 5 - Websites.pptx
@@ -4,18 +4,18 @@
   <p:sldMasterIdLst>
     <p:sldMasterId id="2147483648" r:id="rId4"/>
   </p:sldMasterIdLst>
+  <p:notesMasterIdLst>
+    <p:notesMasterId r:id="rId13"/>
+  </p:notesMasterIdLst>
   <p:sldIdLst>
     <p:sldId id="256" r:id="rId5"/>
-    <p:sldId id="259" r:id="rId6"/>
-    <p:sldId id="267" r:id="rId7"/>
+    <p:sldId id="266" r:id="rId6"/>
+    <p:sldId id="259" r:id="rId7"/>
     <p:sldId id="263" r:id="rId8"/>
-    <p:sldId id="264" r:id="rId9"/>
-    <p:sldId id="266" r:id="rId10"/>
-    <p:sldId id="265" r:id="rId11"/>
-    <p:sldId id="261" r:id="rId12"/>
-    <p:sldId id="268" r:id="rId13"/>
-    <p:sldId id="269" r:id="rId14"/>
-    <p:sldId id="262" r:id="rId15"/>
+    <p:sldId id="265" r:id="rId9"/>
+    <p:sldId id="264" r:id="rId10"/>
+    <p:sldId id="267" r:id="rId11"/>
+    <p:sldId id="262" r:id="rId12"/>
   </p:sldIdLst>
   <p:sldSz cx="12192000" cy="6858000"/>
   <p:notesSz cx="6858000" cy="9144000"/>
@@ -122,6 +122,767 @@
 </p:presentation>
 </file>
 
+<file path=ppt/notesMasters/notesMaster1.xml><?xml version="1.0" encoding="utf-8"?>
+<p:notesMaster xmlns:a="http://schemas.openxmlformats.org/drawingml/2006/main" xmlns:r="http://schemas.openxmlformats.org/officeDocument/2006/relationships" xmlns:p="http://schemas.openxmlformats.org/presentationml/2006/main">
+  <p:cSld>
+    <p:bg>
+      <p:bgRef idx="1001">
+        <a:schemeClr val="bg1"/>
+      </p:bgRef>
+    </p:bg>
+    <p:spTree>
+      <p:nvGrpSpPr>
+        <p:cNvPr id="1" name=""/>
+        <p:cNvGrpSpPr/>
+        <p:nvPr/>
+      </p:nvGrpSpPr>
+      <p:grpSpPr>
+        <a:xfrm>
+          <a:off x="0" y="0"/>
+          <a:ext cx="0" cy="0"/>
+          <a:chOff x="0" y="0"/>
+          <a:chExt cx="0" cy="0"/>
+        </a:xfrm>
+      </p:grpSpPr>
+      <p:sp>
+        <p:nvSpPr>
+          <p:cNvPr id="2" name="Header Placeholder 1"/>
+          <p:cNvSpPr>
+            <a:spLocks noGrp="1"/>
+          </p:cNvSpPr>
+          <p:nvPr>
+            <p:ph type="hdr" sz="quarter"/>
+          </p:nvPr>
+        </p:nvSpPr>
+        <p:spPr>
+          <a:xfrm>
+            <a:off x="0" y="0"/>
+            <a:ext cx="2971800" cy="458788"/>
+          </a:xfrm>
+          <a:prstGeom prst="rect">
+            <a:avLst/>
+          </a:prstGeom>
+        </p:spPr>
+        <p:txBody>
+          <a:bodyPr vert="horz" lIns="91440" tIns="45720" rIns="91440" bIns="45720" rtlCol="0"/>
+          <a:lstStyle>
+            <a:lvl1pPr algn="l">
+              <a:defRPr sz="1200"/>
+            </a:lvl1pPr>
+          </a:lstStyle>
+          <a:p>
+            <a:endParaRPr lang="en-US"/>
+          </a:p>
+        </p:txBody>
+      </p:sp>
+      <p:sp>
+        <p:nvSpPr>
+          <p:cNvPr id="3" name="Date Placeholder 2"/>
+          <p:cNvSpPr>
+            <a:spLocks noGrp="1"/>
+          </p:cNvSpPr>
+          <p:nvPr>
+            <p:ph type="dt" idx="1"/>
+          </p:nvPr>
+        </p:nvSpPr>
+        <p:spPr>
+          <a:xfrm>
+            <a:off x="3884613" y="0"/>
+            <a:ext cx="2971800" cy="458788"/>
+          </a:xfrm>
+          <a:prstGeom prst="rect">
+            <a:avLst/>
+          </a:prstGeom>
+        </p:spPr>
+        <p:txBody>
+          <a:bodyPr vert="horz" lIns="91440" tIns="45720" rIns="91440" bIns="45720" rtlCol="0"/>
+          <a:lstStyle>
+            <a:lvl1pPr algn="r">
+              <a:defRPr sz="1200"/>
+            </a:lvl1pPr>
+          </a:lstStyle>
+          <a:p>
+            <a:fld id="{269F9AFD-683B-473E-B30C-9F29F4A18A64}" type="datetimeFigureOut">
+              <a:rPr lang="en-US" smtClean="0"/>
+              <a:t>7/5/2020</a:t>
+            </a:fld>
+            <a:endParaRPr lang="en-US"/>
+          </a:p>
+        </p:txBody>
+      </p:sp>
+      <p:sp>
+        <p:nvSpPr>
+          <p:cNvPr id="4" name="Slide Image Placeholder 3"/>
+          <p:cNvSpPr>
+            <a:spLocks noGrp="1" noRot="1" noChangeAspect="1"/>
+          </p:cNvSpPr>
+          <p:nvPr>
+            <p:ph type="sldImg" idx="2"/>
+          </p:nvPr>
+        </p:nvSpPr>
+        <p:spPr>
+          <a:xfrm>
+            <a:off x="685800" y="1143000"/>
+            <a:ext cx="5486400" cy="3086100"/>
+          </a:xfrm>
+          <a:prstGeom prst="rect">
+            <a:avLst/>
+          </a:prstGeom>
+          <a:noFill/>
+          <a:ln w="12700">
+            <a:solidFill>
+              <a:prstClr val="black"/>
+            </a:solidFill>
+          </a:ln>
+        </p:spPr>
+        <p:txBody>
+          <a:bodyPr vert="horz" lIns="91440" tIns="45720" rIns="91440" bIns="45720" rtlCol="0" anchor="ctr"/>
+          <a:lstStyle/>
+          <a:p>
+            <a:endParaRPr lang="en-US"/>
+          </a:p>
+        </p:txBody>
+      </p:sp>
+      <p:sp>
+        <p:nvSpPr>
+          <p:cNvPr id="5" name="Notes Placeholder 4"/>
+          <p:cNvSpPr>
+            <a:spLocks noGrp="1"/>
+          </p:cNvSpPr>
+          <p:nvPr>
+            <p:ph type="body" sz="quarter" idx="3"/>
+          </p:nvPr>
+        </p:nvSpPr>
+        <p:spPr>
+          <a:xfrm>
+            <a:off x="685800" y="4400550"/>
+            <a:ext cx="5486400" cy="3600450"/>
+          </a:xfrm>
+          <a:prstGeom prst="rect">
+            <a:avLst/>
+          </a:prstGeom>
+        </p:spPr>
+        <p:txBody>
+          <a:bodyPr vert="horz" lIns="91440" tIns="45720" rIns="91440" bIns="45720" rtlCol="0"/>
+          <a:lstStyle/>
+          <a:p>
+            <a:pPr lvl="0"/>
+            <a:r>
+              <a:rPr lang="en-US"/>
+              <a:t>Click to edit Master text styles</a:t>
+            </a:r>
+          </a:p>
+          <a:p>
+            <a:pPr lvl="1"/>
+            <a:r>
+              <a:rPr lang="en-US"/>
+              <a:t>Second level</a:t>
+            </a:r>
+          </a:p>
+          <a:p>
+            <a:pPr lvl="2"/>
+            <a:r>
+              <a:rPr lang="en-US"/>
+              <a:t>Third level</a:t>
+            </a:r>
+          </a:p>
+          <a:p>
+            <a:pPr lvl="3"/>
+            <a:r>
+              <a:rPr lang="en-US"/>
+              <a:t>Fourth level</a:t>
+            </a:r>
+          </a:p>
+          <a:p>
+            <a:pPr lvl="4"/>
+            <a:r>
+              <a:rPr lang="en-US"/>
+              <a:t>Fifth level</a:t>
+            </a:r>
+          </a:p>
+        </p:txBody>
+      </p:sp>
+      <p:sp>
+        <p:nvSpPr>
+          <p:cNvPr id="6" name="Footer Placeholder 5"/>
+          <p:cNvSpPr>
+            <a:spLocks noGrp="1"/>
+          </p:cNvSpPr>
+          <p:nvPr>
+            <p:ph type="ftr" sz="quarter" idx="4"/>
+          </p:nvPr>
+        </p:nvSpPr>
+        <p:spPr>
+          <a:xfrm>
+            <a:off x="0" y="8685213"/>
+            <a:ext cx="2971800" cy="458787"/>
+          </a:xfrm>
+          <a:prstGeom prst="rect">
+            <a:avLst/>
+          </a:prstGeom>
+        </p:spPr>
+        <p:txBody>
+          <a:bodyPr vert="horz" lIns="91440" tIns="45720" rIns="91440" bIns="45720" rtlCol="0" anchor="b"/>
+          <a:lstStyle>
+            <a:lvl1pPr algn="l">
+              <a:defRPr sz="1200"/>
+            </a:lvl1pPr>
+          </a:lstStyle>
+          <a:p>
+            <a:endParaRPr lang="en-US"/>
+          </a:p>
+        </p:txBody>
+      </p:sp>
+      <p:sp>
+        <p:nvSpPr>
+          <p:cNvPr id="7" name="Slide Number Placeholder 6"/>
+          <p:cNvSpPr>
+            <a:spLocks noGrp="1"/>
+          </p:cNvSpPr>
+          <p:nvPr>
+            <p:ph type="sldNum" sz="quarter" idx="5"/>
+          </p:nvPr>
+        </p:nvSpPr>
+        <p:spPr>
+          <a:xfrm>
+            <a:off x="3884613" y="8685213"/>
+            <a:ext cx="2971800" cy="458787"/>
+          </a:xfrm>
+          <a:prstGeom prst="rect">
+            <a:avLst/>
+          </a:prstGeom>
+        </p:spPr>
+        <p:txBody>
+          <a:bodyPr vert="horz" lIns="91440" tIns="45720" rIns="91440" bIns="45720" rtlCol="0" anchor="b"/>
+          <a:lstStyle>
+            <a:lvl1pPr algn="r">
+              <a:defRPr sz="1200"/>
+            </a:lvl1pPr>
+          </a:lstStyle>
+          <a:p>
+            <a:fld id="{27071FB0-44EB-4E17-A60E-C5C41354761A}" type="slidenum">
+              <a:rPr lang="en-US" smtClean="0"/>
+              <a:t>‹#›</a:t>
+            </a:fld>
+            <a:endParaRPr lang="en-US"/>
+          </a:p>
+        </p:txBody>
+      </p:sp>
+    </p:spTree>
+    <p:extLst>
+      <p:ext uri="{BB962C8B-B14F-4D97-AF65-F5344CB8AC3E}">
+        <p14:creationId xmlns:p14="http://schemas.microsoft.com/office/powerpoint/2010/main" val="1572796994"/>
+      </p:ext>
+    </p:extLst>
+  </p:cSld>
+  <p:clrMap bg1="lt1" tx1="dk1" bg2="lt2" tx2="dk2" accent1="accent1" accent2="accent2" accent3="accent3" accent4="accent4" accent5="accent5" accent6="accent6" hlink="hlink" folHlink="folHlink"/>
+  <p:notesStyle>
+    <a:lvl1pPr marL="0" algn="l" defTabSz="914400" rtl="0" eaLnBrk="1" latinLnBrk="0" hangingPunct="1">
+      <a:defRPr sz="1200" kern="1200">
+        <a:solidFill>
+          <a:schemeClr val="tx1"/>
+        </a:solidFill>
+        <a:latin typeface="+mn-lt"/>
+        <a:ea typeface="+mn-ea"/>
+        <a:cs typeface="+mn-cs"/>
+      </a:defRPr>
+    </a:lvl1pPr>
+    <a:lvl2pPr marL="457200" algn="l" defTabSz="914400" rtl="0" eaLnBrk="1" latinLnBrk="0" hangingPunct="1">
+      <a:defRPr sz="1200" kern="1200">
+        <a:solidFill>
+          <a:schemeClr val="tx1"/>
+        </a:solidFill>
+        <a:latin typeface="+mn-lt"/>
+        <a:ea typeface="+mn-ea"/>
+        <a:cs typeface="+mn-cs"/>
+      </a:defRPr>
+    </a:lvl2pPr>
+    <a:lvl3pPr marL="914400" algn="l" defTabSz="914400" rtl="0" eaLnBrk="1" latinLnBrk="0" hangingPunct="1">
+      <a:defRPr sz="1200" kern="1200">
+        <a:solidFill>
+          <a:schemeClr val="tx1"/>
+        </a:solidFill>
+        <a:latin typeface="+mn-lt"/>
+        <a:ea typeface="+mn-ea"/>
+        <a:cs typeface="+mn-cs"/>
+      </a:defRPr>
+    </a:lvl3pPr>
+    <a:lvl4pPr marL="1371600" algn="l" defTabSz="914400" rtl="0" eaLnBrk="1" latinLnBrk="0" hangingPunct="1">
+      <a:defRPr sz="1200" kern="1200">
+        <a:solidFill>
+          <a:schemeClr val="tx1"/>
+        </a:solidFill>
+        <a:latin typeface="+mn-lt"/>
+        <a:ea typeface="+mn-ea"/>
+        <a:cs typeface="+mn-cs"/>
+      </a:defRPr>
+    </a:lvl4pPr>
+    <a:lvl5pPr marL="1828800" algn="l" defTabSz="914400" rtl="0" eaLnBrk="1" latinLnBrk="0" hangingPunct="1">
+      <a:defRPr sz="1200" kern="1200">
+        <a:solidFill>
+          <a:schemeClr val="tx1"/>
+        </a:solidFill>
+        <a:latin typeface="+mn-lt"/>
+        <a:ea typeface="+mn-ea"/>
+        <a:cs typeface="+mn-cs"/>
+      </a:defRPr>
+    </a:lvl5pPr>
+    <a:lvl6pPr marL="2286000" algn="l" defTabSz="914400" rtl="0" eaLnBrk="1" latinLnBrk="0" hangingPunct="1">
+      <a:defRPr sz="1200" kern="1200">
+        <a:solidFill>
+          <a:schemeClr val="tx1"/>
+        </a:solidFill>
+        <a:latin typeface="+mn-lt"/>
+        <a:ea typeface="+mn-ea"/>
+        <a:cs typeface="+mn-cs"/>
+      </a:defRPr>
+    </a:lvl6pPr>
+    <a:lvl7pPr marL="2743200" algn="l" defTabSz="914400" rtl="0" eaLnBrk="1" latinLnBrk="0" hangingPunct="1">
+      <a:defRPr sz="1200" kern="1200">
+        <a:solidFill>
+          <a:schemeClr val="tx1"/>
+        </a:solidFill>
+        <a:latin typeface="+mn-lt"/>
+        <a:ea typeface="+mn-ea"/>
+        <a:cs typeface="+mn-cs"/>
+      </a:defRPr>
+    </a:lvl7pPr>
+    <a:lvl8pPr marL="3200400" algn="l" defTabSz="914400" rtl="0" eaLnBrk="1" latinLnBrk="0" hangingPunct="1">
+      <a:defRPr sz="1200" kern="1200">
+        <a:solidFill>
+          <a:schemeClr val="tx1"/>
+        </a:solidFill>
+        <a:latin typeface="+mn-lt"/>
+        <a:ea typeface="+mn-ea"/>
+        <a:cs typeface="+mn-cs"/>
+      </a:defRPr>
+    </a:lvl8pPr>
+    <a:lvl9pPr marL="3657600" algn="l" defTabSz="914400" rtl="0" eaLnBrk="1" latinLnBrk="0" hangingPunct="1">
+      <a:defRPr sz="1200" kern="1200">
+        <a:solidFill>
+          <a:schemeClr val="tx1"/>
+        </a:solidFill>
+        <a:latin typeface="+mn-lt"/>
+        <a:ea typeface="+mn-ea"/>
+        <a:cs typeface="+mn-cs"/>
+      </a:defRPr>
+    </a:lvl9pPr>
+  </p:notesStyle>
+</p:notesMaster>
+</file>
+
+<file path=ppt/notesSlides/notesSlide1.xml><?xml version="1.0" encoding="utf-8"?>
+<p:notes xmlns:a="http://schemas.openxmlformats.org/drawingml/2006/main" xmlns:r="http://schemas.openxmlformats.org/officeDocument/2006/relationships" xmlns:p="http://schemas.openxmlformats.org/presentationml/2006/main">
+  <p:cSld>
+    <p:spTree>
+      <p:nvGrpSpPr>
+        <p:cNvPr id="1" name=""/>
+        <p:cNvGrpSpPr/>
+        <p:nvPr/>
+      </p:nvGrpSpPr>
+      <p:grpSpPr>
+        <a:xfrm>
+          <a:off x="0" y="0"/>
+          <a:ext cx="0" cy="0"/>
+          <a:chOff x="0" y="0"/>
+          <a:chExt cx="0" cy="0"/>
+        </a:xfrm>
+      </p:grpSpPr>
+      <p:sp>
+        <p:nvSpPr>
+          <p:cNvPr id="2" name="Slide Image Placeholder 1"/>
+          <p:cNvSpPr>
+            <a:spLocks noGrp="1" noRot="1" noChangeAspect="1"/>
+          </p:cNvSpPr>
+          <p:nvPr>
+            <p:ph type="sldImg"/>
+          </p:nvPr>
+        </p:nvSpPr>
+        <p:spPr/>
+      </p:sp>
+      <p:sp>
+        <p:nvSpPr>
+          <p:cNvPr id="3" name="Notes Placeholder 2"/>
+          <p:cNvSpPr>
+            <a:spLocks noGrp="1"/>
+          </p:cNvSpPr>
+          <p:nvPr>
+            <p:ph type="body" idx="1"/>
+          </p:nvPr>
+        </p:nvSpPr>
+        <p:spPr/>
+        <p:txBody>
+          <a:bodyPr/>
+          <a:lstStyle/>
+          <a:p>
+            <a:r>
+              <a:rPr lang="en-US" dirty="0"/>
+              <a:t>We’re going to first talk about what websites are. Next you are going to host your own website on localhost. That means on your computer for only yourself. And finally, we’re going to teach the basics of website design.</a:t>
+            </a:r>
+          </a:p>
+        </p:txBody>
+      </p:sp>
+      <p:sp>
+        <p:nvSpPr>
+          <p:cNvPr id="4" name="Slide Number Placeholder 3"/>
+          <p:cNvSpPr>
+            <a:spLocks noGrp="1"/>
+          </p:cNvSpPr>
+          <p:nvPr>
+            <p:ph type="sldNum" sz="quarter" idx="5"/>
+          </p:nvPr>
+        </p:nvSpPr>
+        <p:spPr/>
+        <p:txBody>
+          <a:bodyPr/>
+          <a:lstStyle/>
+          <a:p>
+            <a:fld id="{27071FB0-44EB-4E17-A60E-C5C41354761A}" type="slidenum">
+              <a:rPr lang="en-US" smtClean="0"/>
+              <a:t>3</a:t>
+            </a:fld>
+            <a:endParaRPr lang="en-US"/>
+          </a:p>
+        </p:txBody>
+      </p:sp>
+    </p:spTree>
+    <p:extLst>
+      <p:ext uri="{BB962C8B-B14F-4D97-AF65-F5344CB8AC3E}">
+        <p14:creationId xmlns:p14="http://schemas.microsoft.com/office/powerpoint/2010/main" val="2547499671"/>
+      </p:ext>
+    </p:extLst>
+  </p:cSld>
+  <p:clrMapOvr>
+    <a:masterClrMapping/>
+  </p:clrMapOvr>
+</p:notes>
+</file>
+
+<file path=ppt/notesSlides/notesSlide2.xml><?xml version="1.0" encoding="utf-8"?>
+<p:notes xmlns:a="http://schemas.openxmlformats.org/drawingml/2006/main" xmlns:r="http://schemas.openxmlformats.org/officeDocument/2006/relationships" xmlns:p="http://schemas.openxmlformats.org/presentationml/2006/main">
+  <p:cSld>
+    <p:spTree>
+      <p:nvGrpSpPr>
+        <p:cNvPr id="1" name=""/>
+        <p:cNvGrpSpPr/>
+        <p:nvPr/>
+      </p:nvGrpSpPr>
+      <p:grpSpPr>
+        <a:xfrm>
+          <a:off x="0" y="0"/>
+          <a:ext cx="0" cy="0"/>
+          <a:chOff x="0" y="0"/>
+          <a:chExt cx="0" cy="0"/>
+        </a:xfrm>
+      </p:grpSpPr>
+      <p:sp>
+        <p:nvSpPr>
+          <p:cNvPr id="2" name="Slide Image Placeholder 1"/>
+          <p:cNvSpPr>
+            <a:spLocks noGrp="1" noRot="1" noChangeAspect="1"/>
+          </p:cNvSpPr>
+          <p:nvPr>
+            <p:ph type="sldImg"/>
+          </p:nvPr>
+        </p:nvSpPr>
+        <p:spPr/>
+      </p:sp>
+      <p:sp>
+        <p:nvSpPr>
+          <p:cNvPr id="3" name="Notes Placeholder 2"/>
+          <p:cNvSpPr>
+            <a:spLocks noGrp="1"/>
+          </p:cNvSpPr>
+          <p:nvPr>
+            <p:ph type="body" idx="1"/>
+          </p:nvPr>
+        </p:nvSpPr>
+        <p:spPr/>
+        <p:txBody>
+          <a:bodyPr/>
+          <a:lstStyle/>
+          <a:p>
+            <a:r>
+              <a:rPr lang="en-US" dirty="0"/>
+              <a:t>How do you see a website?</a:t>
+            </a:r>
+          </a:p>
+          <a:p>
+            <a:r>
+              <a:rPr lang="en-US" dirty="0"/>
+              <a:t>What happens if you click youtube.com is:</a:t>
+            </a:r>
+          </a:p>
+          <a:p>
+            <a:pPr marL="228600" indent="-228600">
+              <a:buFont typeface="+mj-lt"/>
+              <a:buAutoNum type="arabicPeriod"/>
+            </a:pPr>
+            <a:r>
+              <a:rPr lang="en-US" dirty="0"/>
+              <a:t>Your web browser (Chrome, Firefox, Safari, Opera, Brave, Tor) sends a request to YouTube’s servers</a:t>
+            </a:r>
+          </a:p>
+          <a:p>
+            <a:pPr marL="685800" lvl="1" indent="-228600">
+              <a:buFont typeface="+mj-lt"/>
+              <a:buAutoNum type="arabicPeriod"/>
+            </a:pPr>
+            <a:r>
+              <a:rPr lang="en-US" dirty="0"/>
+              <a:t>A server is just another name for a computer. Your laptop is a computer, a desktop is a computer, a servers are computers that typically don’t have screens</a:t>
+            </a:r>
+          </a:p>
+          <a:p>
+            <a:pPr marL="228600" indent="-228600">
+              <a:buFont typeface="+mj-lt"/>
+              <a:buAutoNum type="arabicPeriod"/>
+            </a:pPr>
+            <a:r>
+              <a:rPr lang="en-US" dirty="0"/>
+              <a:t>The code that is found on the server is sent back to you.</a:t>
+            </a:r>
+          </a:p>
+          <a:p>
+            <a:pPr marL="228600" indent="-228600">
+              <a:buFont typeface="+mj-lt"/>
+              <a:buAutoNum type="arabicPeriod"/>
+            </a:pPr>
+            <a:r>
+              <a:rPr lang="en-US" dirty="0"/>
+              <a:t>Your web browser renders the code and shows you an text, images, videos etc.</a:t>
+            </a:r>
+          </a:p>
+        </p:txBody>
+      </p:sp>
+      <p:sp>
+        <p:nvSpPr>
+          <p:cNvPr id="4" name="Slide Number Placeholder 3"/>
+          <p:cNvSpPr>
+            <a:spLocks noGrp="1"/>
+          </p:cNvSpPr>
+          <p:nvPr>
+            <p:ph type="sldNum" sz="quarter" idx="5"/>
+          </p:nvPr>
+        </p:nvSpPr>
+        <p:spPr/>
+        <p:txBody>
+          <a:bodyPr/>
+          <a:lstStyle/>
+          <a:p>
+            <a:fld id="{27071FB0-44EB-4E17-A60E-C5C41354761A}" type="slidenum">
+              <a:rPr lang="en-US" smtClean="0"/>
+              <a:t>4</a:t>
+            </a:fld>
+            <a:endParaRPr lang="en-US"/>
+          </a:p>
+        </p:txBody>
+      </p:sp>
+    </p:spTree>
+    <p:extLst>
+      <p:ext uri="{BB962C8B-B14F-4D97-AF65-F5344CB8AC3E}">
+        <p14:creationId xmlns:p14="http://schemas.microsoft.com/office/powerpoint/2010/main" val="495355413"/>
+      </p:ext>
+    </p:extLst>
+  </p:cSld>
+  <p:clrMapOvr>
+    <a:masterClrMapping/>
+  </p:clrMapOvr>
+</p:notes>
+</file>
+
+<file path=ppt/notesSlides/notesSlide3.xml><?xml version="1.0" encoding="utf-8"?>
+<p:notes xmlns:a="http://schemas.openxmlformats.org/drawingml/2006/main" xmlns:r="http://schemas.openxmlformats.org/officeDocument/2006/relationships" xmlns:p="http://schemas.openxmlformats.org/presentationml/2006/main">
+  <p:cSld>
+    <p:spTree>
+      <p:nvGrpSpPr>
+        <p:cNvPr id="1" name=""/>
+        <p:cNvGrpSpPr/>
+        <p:nvPr/>
+      </p:nvGrpSpPr>
+      <p:grpSpPr>
+        <a:xfrm>
+          <a:off x="0" y="0"/>
+          <a:ext cx="0" cy="0"/>
+          <a:chOff x="0" y="0"/>
+          <a:chExt cx="0" cy="0"/>
+        </a:xfrm>
+      </p:grpSpPr>
+      <p:sp>
+        <p:nvSpPr>
+          <p:cNvPr id="2" name="Slide Image Placeholder 1"/>
+          <p:cNvSpPr>
+            <a:spLocks noGrp="1" noRot="1" noChangeAspect="1"/>
+          </p:cNvSpPr>
+          <p:nvPr>
+            <p:ph type="sldImg"/>
+          </p:nvPr>
+        </p:nvSpPr>
+        <p:spPr/>
+      </p:sp>
+      <p:sp>
+        <p:nvSpPr>
+          <p:cNvPr id="3" name="Notes Placeholder 2"/>
+          <p:cNvSpPr>
+            <a:spLocks noGrp="1"/>
+          </p:cNvSpPr>
+          <p:nvPr>
+            <p:ph type="body" idx="1"/>
+          </p:nvPr>
+        </p:nvSpPr>
+        <p:spPr/>
+        <p:txBody>
+          <a:bodyPr/>
+          <a:lstStyle/>
+          <a:p>
+            <a:r>
+              <a:rPr lang="en-US" dirty="0"/>
+              <a:t>Front End vs Back End</a:t>
+            </a:r>
+          </a:p>
+          <a:p>
+            <a:r>
+              <a:rPr lang="en-US" dirty="0"/>
+              <a:t>What I said earlier about the server sending its code back to you, that’s only part true.</a:t>
+            </a:r>
+          </a:p>
+          <a:p>
+            <a:r>
+              <a:rPr lang="en-US" dirty="0"/>
+              <a:t>In reality, the server will send you what is called Front End code.</a:t>
+            </a:r>
+          </a:p>
+          <a:p>
+            <a:pPr marL="228600" indent="-228600">
+              <a:buFont typeface="Arial" panose="020B0604020202020204" pitchFamily="34" charset="0"/>
+              <a:buChar char="•"/>
+            </a:pPr>
+            <a:r>
+              <a:rPr lang="en-US" dirty="0"/>
+              <a:t>HTML, CSS, </a:t>
+            </a:r>
+            <a:r>
+              <a:rPr lang="en-US" dirty="0" err="1"/>
+              <a:t>Javascript</a:t>
+            </a:r>
+            <a:endParaRPr lang="en-US" dirty="0"/>
+          </a:p>
+          <a:p>
+            <a:pPr marL="228600" indent="-228600">
+              <a:buFont typeface="Arial" panose="020B0604020202020204" pitchFamily="34" charset="0"/>
+              <a:buChar char="•"/>
+            </a:pPr>
+            <a:r>
+              <a:rPr lang="en-US" dirty="0"/>
+              <a:t>Inspect Element</a:t>
+            </a:r>
+          </a:p>
+          <a:p>
+            <a:pPr marL="0" indent="0">
+              <a:buFont typeface="Arial" panose="020B0604020202020204" pitchFamily="34" charset="0"/>
+              <a:buNone/>
+            </a:pPr>
+            <a:r>
+              <a:rPr lang="en-US" dirty="0"/>
+              <a:t>Meanwhile, there is still code that the server keeps and uses for other stuff, hence backend</a:t>
+            </a:r>
+          </a:p>
+          <a:p>
+            <a:pPr marL="171450" indent="-171450">
+              <a:buFont typeface="Arial" panose="020B0604020202020204" pitchFamily="34" charset="0"/>
+              <a:buChar char="•"/>
+            </a:pPr>
+            <a:r>
+              <a:rPr lang="en-US" dirty="0"/>
+              <a:t>Database – </a:t>
+            </a:r>
+            <a:r>
+              <a:rPr lang="en-US" dirty="0" err="1"/>
+              <a:t>mySQL</a:t>
+            </a:r>
+            <a:r>
+              <a:rPr lang="en-US" dirty="0"/>
+              <a:t>, </a:t>
+            </a:r>
+            <a:r>
+              <a:rPr lang="en-US" dirty="0" err="1"/>
+              <a:t>mongoDB</a:t>
+            </a:r>
+            <a:endParaRPr lang="en-US" dirty="0"/>
+          </a:p>
+          <a:p>
+            <a:pPr marL="171450" indent="-171450" rtl="0">
+              <a:buFont typeface="Arial" panose="020B0604020202020204" pitchFamily="34" charset="0"/>
+              <a:buChar char="•"/>
+            </a:pPr>
+            <a:r>
+              <a:rPr lang="en-US" dirty="0"/>
+              <a:t>Make the website look pretty and do stuff (interact with the database, make the website interactive) – PHP, Ruby, NodeJS, Laravel, Django</a:t>
+            </a:r>
+          </a:p>
+          <a:p>
+            <a:pPr marL="171450" indent="-171450" rtl="0">
+              <a:buFont typeface="Arial" panose="020B0604020202020204" pitchFamily="34" charset="0"/>
+              <a:buChar char="•"/>
+            </a:pPr>
+            <a:r>
+              <a:rPr lang="en-US" dirty="0"/>
+              <a:t>Package all the code (</a:t>
+            </a:r>
+            <a:r>
+              <a:rPr lang="en-US" dirty="0" err="1"/>
+              <a:t>front&amp;backend</a:t>
+            </a:r>
+            <a:r>
+              <a:rPr lang="en-US" dirty="0"/>
+              <a:t>) in one place to deliver to users – Apache, Nginx</a:t>
+            </a:r>
+          </a:p>
+          <a:p>
+            <a:pPr marL="171450" indent="-171450">
+              <a:buFont typeface="Arial" panose="020B0604020202020204" pitchFamily="34" charset="0"/>
+              <a:buChar char="•"/>
+            </a:pPr>
+            <a:endParaRPr lang="en-US" dirty="0"/>
+          </a:p>
+        </p:txBody>
+      </p:sp>
+      <p:sp>
+        <p:nvSpPr>
+          <p:cNvPr id="4" name="Slide Number Placeholder 3"/>
+          <p:cNvSpPr>
+            <a:spLocks noGrp="1"/>
+          </p:cNvSpPr>
+          <p:nvPr>
+            <p:ph type="sldNum" sz="quarter" idx="5"/>
+          </p:nvPr>
+        </p:nvSpPr>
+        <p:spPr/>
+        <p:txBody>
+          <a:bodyPr/>
+          <a:lstStyle/>
+          <a:p>
+            <a:fld id="{27071FB0-44EB-4E17-A60E-C5C41354761A}" type="slidenum">
+              <a:rPr lang="en-US" smtClean="0"/>
+              <a:t>5</a:t>
+            </a:fld>
+            <a:endParaRPr lang="en-US"/>
+          </a:p>
+        </p:txBody>
+      </p:sp>
+    </p:spTree>
+    <p:extLst>
+      <p:ext uri="{BB962C8B-B14F-4D97-AF65-F5344CB8AC3E}">
+        <p14:creationId xmlns:p14="http://schemas.microsoft.com/office/powerpoint/2010/main" val="1710437731"/>
+      </p:ext>
+    </p:extLst>
+  </p:cSld>
+  <p:clrMapOvr>
+    <a:masterClrMapping/>
+  </p:clrMapOvr>
+</p:notes>
+</file>
+
 <file path=ppt/slideLayouts/slideLayout1.xml><?xml version="1.0" encoding="utf-8"?>
 <p:sldLayout xmlns:a="http://schemas.openxmlformats.org/drawingml/2006/main" xmlns:r="http://schemas.openxmlformats.org/officeDocument/2006/relationships" xmlns:p="http://schemas.openxmlformats.org/presentationml/2006/main" type="title" preserve="1">
   <p:cSld name="Title Slide">
@@ -269,7 +1030,7 @@
           <a:p>
             <a:fld id="{2BA6943D-0FED-4008-B5F7-CF1D808C0185}" type="datetimeFigureOut">
               <a:rPr lang="en-US" smtClean="0"/>
-              <a:t>6/28/2020</a:t>
+              <a:t>7/4/2020</a:t>
             </a:fld>
             <a:endParaRPr lang="en-US"/>
           </a:p>
@@ -467,7 +1228,7 @@
           <a:p>
             <a:fld id="{2BA6943D-0FED-4008-B5F7-CF1D808C0185}" type="datetimeFigureOut">
               <a:rPr lang="en-US" smtClean="0"/>
-              <a:t>6/28/2020</a:t>
+              <a:t>7/4/2020</a:t>
             </a:fld>
             <a:endParaRPr lang="en-US"/>
           </a:p>
@@ -675,7 +1436,7 @@
           <a:p>
             <a:fld id="{2BA6943D-0FED-4008-B5F7-CF1D808C0185}" type="datetimeFigureOut">
               <a:rPr lang="en-US" smtClean="0"/>
-              <a:t>6/28/2020</a:t>
+              <a:t>7/4/2020</a:t>
             </a:fld>
             <a:endParaRPr lang="en-US"/>
           </a:p>
@@ -873,7 +1634,7 @@
           <a:p>
             <a:fld id="{2BA6943D-0FED-4008-B5F7-CF1D808C0185}" type="datetimeFigureOut">
               <a:rPr lang="en-US" smtClean="0"/>
-              <a:t>6/28/2020</a:t>
+              <a:t>7/4/2020</a:t>
             </a:fld>
             <a:endParaRPr lang="en-US"/>
           </a:p>
@@ -1148,7 +1909,7 @@
           <a:p>
             <a:fld id="{2BA6943D-0FED-4008-B5F7-CF1D808C0185}" type="datetimeFigureOut">
               <a:rPr lang="en-US" smtClean="0"/>
-              <a:t>6/28/2020</a:t>
+              <a:t>7/4/2020</a:t>
             </a:fld>
             <a:endParaRPr lang="en-US"/>
           </a:p>
@@ -1413,7 +2174,7 @@
           <a:p>
             <a:fld id="{2BA6943D-0FED-4008-B5F7-CF1D808C0185}" type="datetimeFigureOut">
               <a:rPr lang="en-US" smtClean="0"/>
-              <a:t>6/28/2020</a:t>
+              <a:t>7/4/2020</a:t>
             </a:fld>
             <a:endParaRPr lang="en-US"/>
           </a:p>
@@ -1825,7 +2586,7 @@
           <a:p>
             <a:fld id="{2BA6943D-0FED-4008-B5F7-CF1D808C0185}" type="datetimeFigureOut">
               <a:rPr lang="en-US" smtClean="0"/>
-              <a:t>6/28/2020</a:t>
+              <a:t>7/4/2020</a:t>
             </a:fld>
             <a:endParaRPr lang="en-US"/>
           </a:p>
@@ -1966,7 +2727,7 @@
           <a:p>
             <a:fld id="{2BA6943D-0FED-4008-B5F7-CF1D808C0185}" type="datetimeFigureOut">
               <a:rPr lang="en-US" smtClean="0"/>
-              <a:t>6/28/2020</a:t>
+              <a:t>7/4/2020</a:t>
             </a:fld>
             <a:endParaRPr lang="en-US"/>
           </a:p>
@@ -2079,7 +2840,7 @@
           <a:p>
             <a:fld id="{2BA6943D-0FED-4008-B5F7-CF1D808C0185}" type="datetimeFigureOut">
               <a:rPr lang="en-US" smtClean="0"/>
-              <a:t>6/28/2020</a:t>
+              <a:t>7/4/2020</a:t>
             </a:fld>
             <a:endParaRPr lang="en-US"/>
           </a:p>
@@ -2390,7 +3151,7 @@
           <a:p>
             <a:fld id="{2BA6943D-0FED-4008-B5F7-CF1D808C0185}" type="datetimeFigureOut">
               <a:rPr lang="en-US" smtClean="0"/>
-              <a:t>6/28/2020</a:t>
+              <a:t>7/4/2020</a:t>
             </a:fld>
             <a:endParaRPr lang="en-US"/>
           </a:p>
@@ -2678,7 +3439,7 @@
           <a:p>
             <a:fld id="{2BA6943D-0FED-4008-B5F7-CF1D808C0185}" type="datetimeFigureOut">
               <a:rPr lang="en-US" smtClean="0"/>
-              <a:t>6/28/2020</a:t>
+              <a:t>7/4/2020</a:t>
             </a:fld>
             <a:endParaRPr lang="en-US"/>
           </a:p>
@@ -2919,7 +3680,7 @@
           <a:p>
             <a:fld id="{2BA6943D-0FED-4008-B5F7-CF1D808C0185}" type="datetimeFigureOut">
               <a:rPr lang="en-US" smtClean="0"/>
-              <a:t>6/28/2020</a:t>
+              <a:t>7/4/2020</a:t>
             </a:fld>
             <a:endParaRPr lang="en-US"/>
           </a:p>
@@ -3697,7 +4458,7 @@
 </p:sld>
 </file>
 
-<file path=ppt/slides/slide10.xml><?xml version="1.0" encoding="utf-8"?>
+<file path=ppt/slides/slide2.xml><?xml version="1.0" encoding="utf-8"?>
 <p:sld xmlns:a="http://schemas.openxmlformats.org/drawingml/2006/main" xmlns:r="http://schemas.openxmlformats.org/officeDocument/2006/relationships" xmlns:p="http://schemas.openxmlformats.org/presentationml/2006/main">
   <p:cSld>
     <p:spTree>
@@ -3719,7 +4480,7 @@
           <p:cNvPr id="2" name="Title 1">
             <a:extLst>
               <a:ext uri="{FF2B5EF4-FFF2-40B4-BE49-F238E27FC236}">
-                <a16:creationId xmlns:a16="http://schemas.microsoft.com/office/drawing/2014/main" id="{CA0C9B41-5B22-4B54-A16F-B17AEF049D26}"/>
+                <a16:creationId xmlns:a16="http://schemas.microsoft.com/office/drawing/2014/main" id="{1CCA781E-4064-4D83-947A-B6E74A3AC4EC}"/>
               </a:ext>
             </a:extLst>
           </p:cNvPr>
@@ -3730,79 +4491,72 @@
             <p:ph type="title"/>
           </p:nvPr>
         </p:nvSpPr>
-        <p:spPr/>
-        <p:txBody>
-          <a:bodyPr/>
+        <p:spPr>
+          <a:xfrm>
+            <a:off x="804673" y="1445494"/>
+            <a:ext cx="3616856" cy="4376572"/>
+          </a:xfrm>
+        </p:spPr>
+        <p:txBody>
+          <a:bodyPr vert="horz" lIns="91440" tIns="45720" rIns="91440" bIns="45720" rtlCol="0" anchor="ctr">
+            <a:normAutofit/>
+          </a:bodyPr>
           <a:lstStyle/>
           <a:p>
             <a:r>
-              <a:rPr lang="en-US" dirty="0"/>
-              <a:t>Additional Ideas Cont’d</a:t>
-            </a:r>
-          </a:p>
-        </p:txBody>
-      </p:sp>
-      <p:sp>
-        <p:nvSpPr>
-          <p:cNvPr id="3" name="Content Placeholder 2">
-            <a:extLst>
-              <a:ext uri="{FF2B5EF4-FFF2-40B4-BE49-F238E27FC236}">
-                <a16:creationId xmlns:a16="http://schemas.microsoft.com/office/drawing/2014/main" id="{1C0F7B27-07CA-4AA3-90AB-57D15887F28F}"/>
-              </a:ext>
-            </a:extLst>
-          </p:cNvPr>
-          <p:cNvSpPr>
-            <a:spLocks noGrp="1"/>
-          </p:cNvSpPr>
-          <p:nvPr>
-            <p:ph idx="1"/>
-          </p:nvPr>
-        </p:nvSpPr>
-        <p:spPr/>
-        <p:txBody>
-          <a:bodyPr/>
+              <a:rPr lang="en-US" sz="4800" kern="1200" dirty="0">
+                <a:solidFill>
+                  <a:schemeClr val="tx1"/>
+                </a:solidFill>
+                <a:latin typeface="+mj-lt"/>
+                <a:ea typeface="+mj-ea"/>
+                <a:cs typeface="+mj-cs"/>
+              </a:rPr>
+              <a:t>Additional Resources</a:t>
+            </a:r>
+          </a:p>
+        </p:txBody>
+      </p:sp>
+      <p:sp>
+        <p:nvSpPr>
+          <p:cNvPr id="3" name="Vertical Text Placeholder 2">
+            <a:extLst>
+              <a:ext uri="{FF2B5EF4-FFF2-40B4-BE49-F238E27FC236}">
+                <a16:creationId xmlns:a16="http://schemas.microsoft.com/office/drawing/2014/main" id="{E22C2862-EA30-418A-A838-068B5D8EE2A6}"/>
+              </a:ext>
+            </a:extLst>
+          </p:cNvPr>
+          <p:cNvSpPr>
+            <a:spLocks noGrp="1"/>
+          </p:cNvSpPr>
+          <p:nvPr>
+            <p:ph type="body" orient="vert" idx="1"/>
+          </p:nvPr>
+        </p:nvSpPr>
+        <p:spPr>
+          <a:xfrm>
+            <a:off x="6096000" y="1399032"/>
+            <a:ext cx="5501834" cy="4471416"/>
+          </a:xfrm>
+        </p:spPr>
+        <p:txBody>
+          <a:bodyPr vert="horz" lIns="91440" tIns="45720" rIns="91440" bIns="45720" rtlCol="0" anchor="ctr">
+            <a:normAutofit/>
+          </a:bodyPr>
           <a:lstStyle/>
           <a:p>
-            <a:r>
-              <a:rPr lang="en-US" dirty="0"/>
-              <a:t>Look at the Cyber major content and integrate lessons</a:t>
-            </a:r>
-          </a:p>
-          <a:p>
-            <a:r>
-              <a:rPr lang="en-US" dirty="0"/>
-              <a:t>Ranger Reg BC</a:t>
-            </a:r>
-          </a:p>
-          <a:p>
-            <a:pPr lvl="1"/>
-            <a:r>
-              <a:rPr lang="en-US" dirty="0"/>
-              <a:t>EW officer</a:t>
-            </a:r>
-          </a:p>
-          <a:p>
-            <a:r>
-              <a:rPr lang="en-US" dirty="0"/>
-              <a:t>TLC Sloan worked at the NSA and can see if anyone is interested for an interview</a:t>
-            </a:r>
-          </a:p>
-          <a:p>
-            <a:pPr lvl="1"/>
-            <a:r>
-              <a:rPr lang="en-US" dirty="0"/>
-              <a:t>2-3 people who could pitch their CTLT assignment</a:t>
-            </a:r>
-          </a:p>
-          <a:p>
-            <a:endParaRPr lang="en-US" dirty="0"/>
+            <a:endParaRPr lang="en-US" sz="2200">
+              <a:solidFill>
+                <a:schemeClr val="bg1"/>
+              </a:solidFill>
+            </a:endParaRPr>
           </a:p>
         </p:txBody>
       </p:sp>
     </p:spTree>
     <p:extLst>
       <p:ext uri="{BB962C8B-B14F-4D97-AF65-F5344CB8AC3E}">
-        <p14:creationId xmlns:p14="http://schemas.microsoft.com/office/powerpoint/2010/main" val="3183619449"/>
+        <p14:creationId xmlns:p14="http://schemas.microsoft.com/office/powerpoint/2010/main" val="1989320463"/>
       </p:ext>
     </p:extLst>
   </p:cSld>
@@ -3812,8 +4566,8 @@
 </p:sld>
 </file>
 
-<file path=ppt/slides/slide11.xml><?xml version="1.0" encoding="utf-8"?>
-<p:sld xmlns:a="http://schemas.openxmlformats.org/drawingml/2006/main" xmlns:r="http://schemas.openxmlformats.org/officeDocument/2006/relationships" xmlns:p="http://schemas.openxmlformats.org/presentationml/2006/main" show="0">
+<file path=ppt/slides/slide3.xml><?xml version="1.0" encoding="utf-8"?>
+<p:sld xmlns:a="http://schemas.openxmlformats.org/drawingml/2006/main" xmlns:r="http://schemas.openxmlformats.org/officeDocument/2006/relationships" xmlns:p="http://schemas.openxmlformats.org/presentationml/2006/main">
   <p:cSld>
     <p:bg>
       <p:bgPr>
@@ -3842,10 +4596,1991 @@
       </p:grpSpPr>
       <p:sp>
         <p:nvSpPr>
+          <p:cNvPr id="33" name="Freeform: Shape 32">
+            <a:extLst>
+              <a:ext uri="{FF2B5EF4-FFF2-40B4-BE49-F238E27FC236}">
+                <a16:creationId xmlns:a16="http://schemas.microsoft.com/office/drawing/2014/main" id="{AD21898E-86C0-4C8A-A76C-DF33E844C87A}"/>
+              </a:ext>
+              <a:ext uri="{C183D7F6-B498-43B3-948B-1728B52AA6E4}">
+                <adec:decorative xmlns:adec="http://schemas.microsoft.com/office/drawing/2017/decorative" val="1"/>
+              </a:ext>
+            </a:extLst>
+          </p:cNvPr>
+          <p:cNvSpPr>
+            <a:spLocks noGrp="1" noRot="1" noChangeAspect="1" noMove="1" noResize="1" noEditPoints="1" noAdjustHandles="1" noChangeArrowheads="1" noChangeShapeType="1" noTextEdit="1"/>
+          </p:cNvSpPr>
+          <p:nvPr>
+            <p:extLst>
+              <p:ext uri="{386F3935-93C4-4BCD-93E2-E3B085C9AB24}">
+                <p16:designElem xmlns:p16="http://schemas.microsoft.com/office/powerpoint/2015/main" val="1"/>
+              </p:ext>
+            </p:extLst>
+          </p:nvPr>
+        </p:nvSpPr>
+        <p:spPr>
+          <a:xfrm>
+            <a:off x="879542" y="0"/>
+            <a:ext cx="10432916" cy="6858000"/>
+          </a:xfrm>
+          <a:custGeom>
+            <a:avLst/>
+            <a:gdLst>
+              <a:gd name="connsiteX0" fmla="*/ 1287962 w 10432916"/>
+              <a:gd name="connsiteY0" fmla="*/ 0 h 6858000"/>
+              <a:gd name="connsiteX1" fmla="*/ 9144956 w 10432916"/>
+              <a:gd name="connsiteY1" fmla="*/ 0 h 6858000"/>
+              <a:gd name="connsiteX2" fmla="*/ 9241731 w 10432916"/>
+              <a:gd name="connsiteY2" fmla="*/ 111692 h 6858000"/>
+              <a:gd name="connsiteX3" fmla="*/ 10432916 w 10432916"/>
+              <a:gd name="connsiteY3" fmla="*/ 3429001 h 6858000"/>
+              <a:gd name="connsiteX4" fmla="*/ 9241730 w 10432916"/>
+              <a:gd name="connsiteY4" fmla="*/ 6746310 h 6858000"/>
+              <a:gd name="connsiteX5" fmla="*/ 9144957 w 10432916"/>
+              <a:gd name="connsiteY5" fmla="*/ 6858000 h 6858000"/>
+              <a:gd name="connsiteX6" fmla="*/ 1287959 w 10432916"/>
+              <a:gd name="connsiteY6" fmla="*/ 6858000 h 6858000"/>
+              <a:gd name="connsiteX7" fmla="*/ 1191186 w 10432916"/>
+              <a:gd name="connsiteY7" fmla="*/ 6746310 h 6858000"/>
+              <a:gd name="connsiteX8" fmla="*/ 0 w 10432916"/>
+              <a:gd name="connsiteY8" fmla="*/ 3429001 h 6858000"/>
+              <a:gd name="connsiteX9" fmla="*/ 1191186 w 10432916"/>
+              <a:gd name="connsiteY9" fmla="*/ 111692 h 6858000"/>
+            </a:gdLst>
+            <a:ahLst/>
+            <a:cxnLst>
+              <a:cxn ang="0">
+                <a:pos x="connsiteX0" y="connsiteY0"/>
+              </a:cxn>
+              <a:cxn ang="0">
+                <a:pos x="connsiteX1" y="connsiteY1"/>
+              </a:cxn>
+              <a:cxn ang="0">
+                <a:pos x="connsiteX2" y="connsiteY2"/>
+              </a:cxn>
+              <a:cxn ang="0">
+                <a:pos x="connsiteX3" y="connsiteY3"/>
+              </a:cxn>
+              <a:cxn ang="0">
+                <a:pos x="connsiteX4" y="connsiteY4"/>
+              </a:cxn>
+              <a:cxn ang="0">
+                <a:pos x="connsiteX5" y="connsiteY5"/>
+              </a:cxn>
+              <a:cxn ang="0">
+                <a:pos x="connsiteX6" y="connsiteY6"/>
+              </a:cxn>
+              <a:cxn ang="0">
+                <a:pos x="connsiteX7" y="connsiteY7"/>
+              </a:cxn>
+              <a:cxn ang="0">
+                <a:pos x="connsiteX8" y="connsiteY8"/>
+              </a:cxn>
+              <a:cxn ang="0">
+                <a:pos x="connsiteX9" y="connsiteY9"/>
+              </a:cxn>
+            </a:cxnLst>
+            <a:rect l="l" t="t" r="r" b="b"/>
+            <a:pathLst>
+              <a:path w="10432916" h="6858000">
+                <a:moveTo>
+                  <a:pt x="1287962" y="0"/>
+                </a:moveTo>
+                <a:lnTo>
+                  <a:pt x="9144956" y="0"/>
+                </a:lnTo>
+                <a:lnTo>
+                  <a:pt x="9241731" y="111692"/>
+                </a:lnTo>
+                <a:cubicBezTo>
+                  <a:pt x="9985889" y="1013175"/>
+                  <a:pt x="10432916" y="2168897"/>
+                  <a:pt x="10432916" y="3429001"/>
+                </a:cubicBezTo>
+                <a:cubicBezTo>
+                  <a:pt x="10432916" y="4689105"/>
+                  <a:pt x="9985889" y="5844827"/>
+                  <a:pt x="9241730" y="6746310"/>
+                </a:cubicBezTo>
+                <a:lnTo>
+                  <a:pt x="9144957" y="6858000"/>
+                </a:lnTo>
+                <a:lnTo>
+                  <a:pt x="1287959" y="6858000"/>
+                </a:lnTo>
+                <a:lnTo>
+                  <a:pt x="1191186" y="6746310"/>
+                </a:lnTo>
+                <a:cubicBezTo>
+                  <a:pt x="447027" y="5844827"/>
+                  <a:pt x="0" y="4689105"/>
+                  <a:pt x="0" y="3429001"/>
+                </a:cubicBezTo>
+                <a:cubicBezTo>
+                  <a:pt x="0" y="2168897"/>
+                  <a:pt x="447027" y="1013175"/>
+                  <a:pt x="1191186" y="111692"/>
+                </a:cubicBezTo>
+                <a:close/>
+              </a:path>
+            </a:pathLst>
+          </a:custGeom>
+          <a:solidFill>
+            <a:schemeClr val="tx1">
+              <a:alpha val="80000"/>
+            </a:schemeClr>
+          </a:solidFill>
+          <a:ln>
+            <a:noFill/>
+          </a:ln>
+        </p:spPr>
+        <p:style>
+          <a:lnRef idx="2">
+            <a:schemeClr val="accent1">
+              <a:shade val="50000"/>
+            </a:schemeClr>
+          </a:lnRef>
+          <a:fillRef idx="1">
+            <a:schemeClr val="accent1"/>
+          </a:fillRef>
+          <a:effectRef idx="0">
+            <a:schemeClr val="accent1"/>
+          </a:effectRef>
+          <a:fontRef idx="minor">
+            <a:schemeClr val="lt1"/>
+          </a:fontRef>
+        </p:style>
+        <p:txBody>
+          <a:bodyPr rtlCol="0" anchor="ctr"/>
+          <a:lstStyle/>
+          <a:p>
+            <a:pPr algn="ctr"/>
+            <a:endParaRPr lang="en-US"/>
+          </a:p>
+        </p:txBody>
+      </p:sp>
+      <p:sp>
+        <p:nvSpPr>
+          <p:cNvPr id="35" name="Freeform: Shape 34">
+            <a:extLst>
+              <a:ext uri="{FF2B5EF4-FFF2-40B4-BE49-F238E27FC236}">
+                <a16:creationId xmlns:a16="http://schemas.microsoft.com/office/drawing/2014/main" id="{5C8F04BD-D093-45D0-B54C-50FDB308B4EE}"/>
+              </a:ext>
+              <a:ext uri="{C183D7F6-B498-43B3-948B-1728B52AA6E4}">
+                <adec:decorative xmlns:adec="http://schemas.microsoft.com/office/drawing/2017/decorative" val="1"/>
+              </a:ext>
+            </a:extLst>
+          </p:cNvPr>
+          <p:cNvSpPr>
+            <a:spLocks noGrp="1" noRot="1" noChangeAspect="1" noMove="1" noResize="1" noEditPoints="1" noAdjustHandles="1" noChangeArrowheads="1" noChangeShapeType="1" noTextEdit="1"/>
+          </p:cNvSpPr>
+          <p:nvPr>
+            <p:extLst>
+              <p:ext uri="{386F3935-93C4-4BCD-93E2-E3B085C9AB24}">
+                <p16:designElem xmlns:p16="http://schemas.microsoft.com/office/powerpoint/2015/main" val="1"/>
+              </p:ext>
+            </p:extLst>
+          </p:nvPr>
+        </p:nvSpPr>
+        <p:spPr>
+          <a:xfrm>
+            <a:off x="1134942" y="0"/>
+            <a:ext cx="9922116" cy="6858000"/>
+          </a:xfrm>
+          <a:custGeom>
+            <a:avLst/>
+            <a:gdLst>
+              <a:gd name="connsiteX0" fmla="*/ 1378575 w 9922116"/>
+              <a:gd name="connsiteY0" fmla="*/ 0 h 6858000"/>
+              <a:gd name="connsiteX1" fmla="*/ 8543542 w 9922116"/>
+              <a:gd name="connsiteY1" fmla="*/ 0 h 6858000"/>
+              <a:gd name="connsiteX2" fmla="*/ 8633323 w 9922116"/>
+              <a:gd name="connsiteY2" fmla="*/ 94145 h 6858000"/>
+              <a:gd name="connsiteX3" fmla="*/ 9922116 w 9922116"/>
+              <a:gd name="connsiteY3" fmla="*/ 3429001 h 6858000"/>
+              <a:gd name="connsiteX4" fmla="*/ 8633323 w 9922116"/>
+              <a:gd name="connsiteY4" fmla="*/ 6763858 h 6858000"/>
+              <a:gd name="connsiteX5" fmla="*/ 8543544 w 9922116"/>
+              <a:gd name="connsiteY5" fmla="*/ 6858000 h 6858000"/>
+              <a:gd name="connsiteX6" fmla="*/ 1378573 w 9922116"/>
+              <a:gd name="connsiteY6" fmla="*/ 6858000 h 6858000"/>
+              <a:gd name="connsiteX7" fmla="*/ 1288793 w 9922116"/>
+              <a:gd name="connsiteY7" fmla="*/ 6763858 h 6858000"/>
+              <a:gd name="connsiteX8" fmla="*/ 0 w 9922116"/>
+              <a:gd name="connsiteY8" fmla="*/ 3429001 h 6858000"/>
+              <a:gd name="connsiteX9" fmla="*/ 1288793 w 9922116"/>
+              <a:gd name="connsiteY9" fmla="*/ 94145 h 6858000"/>
+            </a:gdLst>
+            <a:ahLst/>
+            <a:cxnLst>
+              <a:cxn ang="0">
+                <a:pos x="connsiteX0" y="connsiteY0"/>
+              </a:cxn>
+              <a:cxn ang="0">
+                <a:pos x="connsiteX1" y="connsiteY1"/>
+              </a:cxn>
+              <a:cxn ang="0">
+                <a:pos x="connsiteX2" y="connsiteY2"/>
+              </a:cxn>
+              <a:cxn ang="0">
+                <a:pos x="connsiteX3" y="connsiteY3"/>
+              </a:cxn>
+              <a:cxn ang="0">
+                <a:pos x="connsiteX4" y="connsiteY4"/>
+              </a:cxn>
+              <a:cxn ang="0">
+                <a:pos x="connsiteX5" y="connsiteY5"/>
+              </a:cxn>
+              <a:cxn ang="0">
+                <a:pos x="connsiteX6" y="connsiteY6"/>
+              </a:cxn>
+              <a:cxn ang="0">
+                <a:pos x="connsiteX7" y="connsiteY7"/>
+              </a:cxn>
+              <a:cxn ang="0">
+                <a:pos x="connsiteX8" y="connsiteY8"/>
+              </a:cxn>
+              <a:cxn ang="0">
+                <a:pos x="connsiteX9" y="connsiteY9"/>
+              </a:cxn>
+            </a:cxnLst>
+            <a:rect l="l" t="t" r="r" b="b"/>
+            <a:pathLst>
+              <a:path w="9922116" h="6858000">
+                <a:moveTo>
+                  <a:pt x="1378575" y="0"/>
+                </a:moveTo>
+                <a:lnTo>
+                  <a:pt x="8543542" y="0"/>
+                </a:lnTo>
+                <a:lnTo>
+                  <a:pt x="8633323" y="94145"/>
+                </a:lnTo>
+                <a:cubicBezTo>
+                  <a:pt x="9434072" y="974941"/>
+                  <a:pt x="9922116" y="2144991"/>
+                  <a:pt x="9922116" y="3429001"/>
+                </a:cubicBezTo>
+                <a:cubicBezTo>
+                  <a:pt x="9922116" y="4713011"/>
+                  <a:pt x="9434072" y="5883061"/>
+                  <a:pt x="8633323" y="6763858"/>
+                </a:cubicBezTo>
+                <a:lnTo>
+                  <a:pt x="8543544" y="6858000"/>
+                </a:lnTo>
+                <a:lnTo>
+                  <a:pt x="1378573" y="6858000"/>
+                </a:lnTo>
+                <a:lnTo>
+                  <a:pt x="1288793" y="6763858"/>
+                </a:lnTo>
+                <a:cubicBezTo>
+                  <a:pt x="488044" y="5883061"/>
+                  <a:pt x="0" y="4713011"/>
+                  <a:pt x="0" y="3429001"/>
+                </a:cubicBezTo>
+                <a:cubicBezTo>
+                  <a:pt x="0" y="2144991"/>
+                  <a:pt x="488044" y="974941"/>
+                  <a:pt x="1288793" y="94145"/>
+                </a:cubicBezTo>
+                <a:close/>
+              </a:path>
+            </a:pathLst>
+          </a:custGeom>
+          <a:solidFill>
+            <a:schemeClr val="bg1">
+              <a:lumMod val="65000"/>
+              <a:lumOff val="35000"/>
+            </a:schemeClr>
+          </a:solidFill>
+          <a:ln>
+            <a:noFill/>
+          </a:ln>
+        </p:spPr>
+        <p:style>
+          <a:lnRef idx="2">
+            <a:schemeClr val="accent1">
+              <a:shade val="50000"/>
+            </a:schemeClr>
+          </a:lnRef>
+          <a:fillRef idx="1">
+            <a:schemeClr val="accent1"/>
+          </a:fillRef>
+          <a:effectRef idx="0">
+            <a:schemeClr val="accent1"/>
+          </a:effectRef>
+          <a:fontRef idx="minor">
+            <a:schemeClr val="lt1"/>
+          </a:fontRef>
+        </p:style>
+        <p:txBody>
+          <a:bodyPr rtlCol="0" anchor="ctr"/>
+          <a:lstStyle/>
+          <a:p>
+            <a:pPr algn="ctr"/>
+            <a:endParaRPr lang="en-US" dirty="0"/>
+          </a:p>
+        </p:txBody>
+      </p:sp>
+      <p:sp>
+        <p:nvSpPr>
           <p:cNvPr id="2" name="Title 1">
             <a:extLst>
               <a:ext uri="{FF2B5EF4-FFF2-40B4-BE49-F238E27FC236}">
-                <a16:creationId xmlns:a16="http://schemas.microsoft.com/office/drawing/2014/main" id="{96B2EC67-9441-4FB1-85EE-889DA3E9B50E}"/>
+                <a16:creationId xmlns:a16="http://schemas.microsoft.com/office/drawing/2014/main" id="{D510981B-E788-4067-9E42-5D35006E0C19}"/>
+              </a:ext>
+            </a:extLst>
+          </p:cNvPr>
+          <p:cNvSpPr>
+            <a:spLocks noGrp="1"/>
+          </p:cNvSpPr>
+          <p:nvPr>
+            <p:ph type="title"/>
+          </p:nvPr>
+        </p:nvSpPr>
+        <p:spPr>
+          <a:xfrm>
+            <a:off x="2311147" y="365760"/>
+            <a:ext cx="7569706" cy="1288238"/>
+          </a:xfrm>
+        </p:spPr>
+        <p:txBody>
+          <a:bodyPr anchor="ctr">
+            <a:normAutofit/>
+          </a:bodyPr>
+          <a:lstStyle/>
+          <a:p>
+            <a:pPr algn="ctr"/>
+            <a:r>
+              <a:rPr lang="en-US"/>
+              <a:t>Agenda</a:t>
+            </a:r>
+          </a:p>
+        </p:txBody>
+      </p:sp>
+      <p:sp>
+        <p:nvSpPr>
+          <p:cNvPr id="5" name="Content Placeholder 4">
+            <a:extLst>
+              <a:ext uri="{FF2B5EF4-FFF2-40B4-BE49-F238E27FC236}">
+                <a16:creationId xmlns:a16="http://schemas.microsoft.com/office/drawing/2014/main" id="{EAC78294-B743-4998-871C-4913672E2C85}"/>
+              </a:ext>
+            </a:extLst>
+          </p:cNvPr>
+          <p:cNvSpPr>
+            <a:spLocks noGrp="1"/>
+          </p:cNvSpPr>
+          <p:nvPr>
+            <p:ph idx="1"/>
+          </p:nvPr>
+        </p:nvSpPr>
+        <p:spPr>
+          <a:xfrm>
+            <a:off x="2165569" y="1956816"/>
+            <a:ext cx="7860863" cy="4024884"/>
+          </a:xfrm>
+        </p:spPr>
+        <p:txBody>
+          <a:bodyPr anchor="t">
+            <a:normAutofit/>
+          </a:bodyPr>
+          <a:lstStyle/>
+          <a:p>
+            <a:pPr marL="0" indent="0">
+              <a:buNone/>
+            </a:pPr>
+            <a:r>
+              <a:rPr lang="en-US" sz="5400" b="1" dirty="0"/>
+              <a:t>Lesson</a:t>
+            </a:r>
+            <a:r>
+              <a:rPr lang="en-US" sz="5400" dirty="0"/>
+              <a:t>: Websites</a:t>
+            </a:r>
+          </a:p>
+          <a:p>
+            <a:pPr marL="0" indent="0">
+              <a:buNone/>
+            </a:pPr>
+            <a:r>
+              <a:rPr lang="en-US" sz="5400" b="1" dirty="0"/>
+              <a:t>Exercise</a:t>
+            </a:r>
+            <a:r>
+              <a:rPr lang="en-US" sz="5400" dirty="0"/>
+              <a:t>: Setup your own webserver</a:t>
+            </a:r>
+          </a:p>
+          <a:p>
+            <a:pPr marL="0" indent="0">
+              <a:buNone/>
+            </a:pPr>
+            <a:r>
+              <a:rPr lang="en-US" sz="5400" b="1" dirty="0"/>
+              <a:t>Practical</a:t>
+            </a:r>
+            <a:r>
+              <a:rPr lang="en-US" sz="5400" dirty="0"/>
+              <a:t>: html/</a:t>
+            </a:r>
+            <a:r>
+              <a:rPr lang="en-US" sz="5400" dirty="0" err="1"/>
+              <a:t>css</a:t>
+            </a:r>
+            <a:endParaRPr lang="en-US" sz="5400" dirty="0"/>
+          </a:p>
+        </p:txBody>
+      </p:sp>
+    </p:spTree>
+    <p:extLst>
+      <p:ext uri="{BB962C8B-B14F-4D97-AF65-F5344CB8AC3E}">
+        <p14:creationId xmlns:p14="http://schemas.microsoft.com/office/powerpoint/2010/main" val="1475305726"/>
+      </p:ext>
+    </p:extLst>
+  </p:cSld>
+  <p:clrMapOvr>
+    <a:overrideClrMapping bg1="dk1" tx1="lt1" bg2="dk2" tx2="lt2" accent1="accent1" accent2="accent2" accent3="accent3" accent4="accent4" accent5="accent5" accent6="accent6" hlink="hlink" folHlink="folHlink"/>
+  </p:clrMapOvr>
+</p:sld>
+</file>
+
+<file path=ppt/slides/slide4.xml><?xml version="1.0" encoding="utf-8"?>
+<p:sld xmlns:a="http://schemas.openxmlformats.org/drawingml/2006/main" xmlns:r="http://schemas.openxmlformats.org/officeDocument/2006/relationships" xmlns:p="http://schemas.openxmlformats.org/presentationml/2006/main">
+  <p:cSld>
+    <p:spTree>
+      <p:nvGrpSpPr>
+        <p:cNvPr id="1" name=""/>
+        <p:cNvGrpSpPr/>
+        <p:nvPr/>
+      </p:nvGrpSpPr>
+      <p:grpSpPr>
+        <a:xfrm>
+          <a:off x="0" y="0"/>
+          <a:ext cx="0" cy="0"/>
+          <a:chOff x="0" y="0"/>
+          <a:chExt cx="0" cy="0"/>
+        </a:xfrm>
+      </p:grpSpPr>
+      <p:grpSp>
+        <p:nvGrpSpPr>
+          <p:cNvPr id="4" name="Group 3">
+            <a:extLst>
+              <a:ext uri="{FF2B5EF4-FFF2-40B4-BE49-F238E27FC236}">
+                <a16:creationId xmlns:a16="http://schemas.microsoft.com/office/drawing/2014/main" id="{07FF8027-192F-4296-A711-D89D498BF214}"/>
+              </a:ext>
+            </a:extLst>
+          </p:cNvPr>
+          <p:cNvGrpSpPr/>
+          <p:nvPr/>
+        </p:nvGrpSpPr>
+        <p:grpSpPr>
+          <a:xfrm>
+            <a:off x="0" y="0"/>
+            <a:ext cx="12192000" cy="6858000"/>
+            <a:chOff x="-1" y="0"/>
+            <a:chExt cx="12258957" cy="6858000"/>
+          </a:xfrm>
+        </p:grpSpPr>
+        <p:sp>
+          <p:nvSpPr>
+            <p:cNvPr id="45" name="Rectangle 44">
+              <a:extLst>
+                <a:ext uri="{FF2B5EF4-FFF2-40B4-BE49-F238E27FC236}">
+                  <a16:creationId xmlns:a16="http://schemas.microsoft.com/office/drawing/2014/main" id="{FE366285-5A7F-4B88-9B74-F31F33074259}"/>
+                </a:ext>
+              </a:extLst>
+            </p:cNvPr>
+            <p:cNvSpPr/>
+            <p:nvPr/>
+          </p:nvSpPr>
+          <p:spPr>
+            <a:xfrm>
+              <a:off x="-1" y="0"/>
+              <a:ext cx="6133491" cy="6858000"/>
+            </a:xfrm>
+            <a:prstGeom prst="rect">
+              <a:avLst/>
+            </a:prstGeom>
+            <a:solidFill>
+              <a:schemeClr val="accent5">
+                <a:lumMod val="20000"/>
+                <a:lumOff val="80000"/>
+                <a:alpha val="86000"/>
+              </a:schemeClr>
+            </a:solidFill>
+            <a:ln>
+              <a:solidFill>
+                <a:schemeClr val="accent5"/>
+              </a:solidFill>
+            </a:ln>
+          </p:spPr>
+          <p:style>
+            <a:lnRef idx="2">
+              <a:schemeClr val="accent1">
+                <a:shade val="50000"/>
+              </a:schemeClr>
+            </a:lnRef>
+            <a:fillRef idx="1">
+              <a:schemeClr val="accent1"/>
+            </a:fillRef>
+            <a:effectRef idx="0">
+              <a:schemeClr val="accent1"/>
+            </a:effectRef>
+            <a:fontRef idx="minor">
+              <a:schemeClr val="lt1"/>
+            </a:fontRef>
+          </p:style>
+          <p:txBody>
+            <a:bodyPr rtlCol="0" anchor="ctr"/>
+            <a:lstStyle/>
+            <a:p>
+              <a:pPr algn="ctr"/>
+              <a:endParaRPr lang="en-US"/>
+            </a:p>
+          </p:txBody>
+        </p:sp>
+        <p:sp>
+          <p:nvSpPr>
+            <p:cNvPr id="49" name="Rectangle 48">
+              <a:extLst>
+                <a:ext uri="{FF2B5EF4-FFF2-40B4-BE49-F238E27FC236}">
+                  <a16:creationId xmlns:a16="http://schemas.microsoft.com/office/drawing/2014/main" id="{65270CA5-3275-4FA2-A90B-8AC5987C6380}"/>
+                </a:ext>
+              </a:extLst>
+            </p:cNvPr>
+            <p:cNvSpPr/>
+            <p:nvPr/>
+          </p:nvSpPr>
+          <p:spPr>
+            <a:xfrm>
+              <a:off x="6133490" y="0"/>
+              <a:ext cx="6125466" cy="6858000"/>
+            </a:xfrm>
+            <a:prstGeom prst="rect">
+              <a:avLst/>
+            </a:prstGeom>
+            <a:solidFill>
+              <a:schemeClr val="accent4">
+                <a:lumMod val="20000"/>
+                <a:lumOff val="80000"/>
+                <a:alpha val="86000"/>
+              </a:schemeClr>
+            </a:solidFill>
+            <a:ln>
+              <a:solidFill>
+                <a:schemeClr val="accent4"/>
+              </a:solidFill>
+            </a:ln>
+          </p:spPr>
+          <p:style>
+            <a:lnRef idx="2">
+              <a:schemeClr val="accent1">
+                <a:shade val="50000"/>
+              </a:schemeClr>
+            </a:lnRef>
+            <a:fillRef idx="1">
+              <a:schemeClr val="accent1"/>
+            </a:fillRef>
+            <a:effectRef idx="0">
+              <a:schemeClr val="accent1"/>
+            </a:effectRef>
+            <a:fontRef idx="minor">
+              <a:schemeClr val="lt1"/>
+            </a:fontRef>
+          </p:style>
+          <p:txBody>
+            <a:bodyPr rtlCol="0" anchor="ctr"/>
+            <a:lstStyle/>
+            <a:p>
+              <a:pPr algn="ctr"/>
+              <a:endParaRPr lang="en-US"/>
+            </a:p>
+          </p:txBody>
+        </p:sp>
+      </p:grpSp>
+      <p:pic>
+        <p:nvPicPr>
+          <p:cNvPr id="17" name="Graphic 16" descr="World">
+            <a:extLst>
+              <a:ext uri="{FF2B5EF4-FFF2-40B4-BE49-F238E27FC236}">
+                <a16:creationId xmlns:a16="http://schemas.microsoft.com/office/drawing/2014/main" id="{39A24303-EC55-4114-898D-8BFEC2A8ADA0}"/>
+              </a:ext>
+            </a:extLst>
+          </p:cNvPr>
+          <p:cNvPicPr>
+            <a:picLocks noChangeAspect="1"/>
+          </p:cNvPicPr>
+          <p:nvPr/>
+        </p:nvPicPr>
+        <p:blipFill>
+          <a:blip r:embed="rId3">
+            <a:extLst>
+              <a:ext uri="{28A0092B-C50C-407E-A947-70E740481C1C}">
+                <a14:useLocalDpi xmlns:a14="http://schemas.microsoft.com/office/drawing/2010/main" val="0"/>
+              </a:ext>
+              <a:ext uri="{96DAC541-7B7A-43D3-8B79-37D633B846F1}">
+                <asvg:svgBlip xmlns:asvg="http://schemas.microsoft.com/office/drawing/2016/SVG/main" r:embed="rId4"/>
+              </a:ext>
+            </a:extLst>
+          </a:blip>
+          <a:stretch>
+            <a:fillRect/>
+          </a:stretch>
+        </p:blipFill>
+        <p:spPr>
+          <a:xfrm>
+            <a:off x="5049835" y="162323"/>
+            <a:ext cx="2159285" cy="2159285"/>
+          </a:xfrm>
+          <a:prstGeom prst="rect">
+            <a:avLst/>
+          </a:prstGeom>
+        </p:spPr>
+      </p:pic>
+      <p:sp>
+        <p:nvSpPr>
+          <p:cNvPr id="33" name="Arrow: Circular 32">
+            <a:extLst>
+              <a:ext uri="{FF2B5EF4-FFF2-40B4-BE49-F238E27FC236}">
+                <a16:creationId xmlns:a16="http://schemas.microsoft.com/office/drawing/2014/main" id="{E4B891E9-9D1B-428A-84D5-587AF731197B}"/>
+              </a:ext>
+            </a:extLst>
+          </p:cNvPr>
+          <p:cNvSpPr/>
+          <p:nvPr/>
+        </p:nvSpPr>
+        <p:spPr>
+          <a:xfrm rot="15353498">
+            <a:off x="3920140" y="630597"/>
+            <a:ext cx="2408648" cy="3855262"/>
+          </a:xfrm>
+          <a:prstGeom prst="circularArrow">
+            <a:avLst>
+              <a:gd name="adj1" fmla="val 12500"/>
+              <a:gd name="adj2" fmla="val 1142319"/>
+              <a:gd name="adj3" fmla="val 20457681"/>
+              <a:gd name="adj4" fmla="val 16535285"/>
+              <a:gd name="adj5" fmla="val 12500"/>
+            </a:avLst>
+          </a:prstGeom>
+          <a:solidFill>
+            <a:schemeClr val="accent6">
+              <a:lumMod val="60000"/>
+              <a:lumOff val="40000"/>
+            </a:schemeClr>
+          </a:solidFill>
+          <a:ln>
+            <a:solidFill>
+              <a:schemeClr val="tx1"/>
+            </a:solidFill>
+          </a:ln>
+        </p:spPr>
+        <p:style>
+          <a:lnRef idx="2">
+            <a:schemeClr val="accent1">
+              <a:shade val="50000"/>
+            </a:schemeClr>
+          </a:lnRef>
+          <a:fillRef idx="1">
+            <a:schemeClr val="accent1"/>
+          </a:fillRef>
+          <a:effectRef idx="0">
+            <a:schemeClr val="accent1"/>
+          </a:effectRef>
+          <a:fontRef idx="minor">
+            <a:schemeClr val="lt1"/>
+          </a:fontRef>
+        </p:style>
+        <p:txBody>
+          <a:bodyPr rtlCol="0" anchor="ctr"/>
+          <a:lstStyle/>
+          <a:p>
+            <a:pPr algn="ctr"/>
+            <a:endParaRPr lang="en-US">
+              <a:solidFill>
+                <a:schemeClr val="tx1"/>
+              </a:solidFill>
+            </a:endParaRPr>
+          </a:p>
+        </p:txBody>
+      </p:sp>
+      <p:sp>
+        <p:nvSpPr>
+          <p:cNvPr id="35" name="Arrow: Circular 34">
+            <a:extLst>
+              <a:ext uri="{FF2B5EF4-FFF2-40B4-BE49-F238E27FC236}">
+                <a16:creationId xmlns:a16="http://schemas.microsoft.com/office/drawing/2014/main" id="{1C6341A5-AE9E-4FB0-94B6-277D1DFDABD9}"/>
+              </a:ext>
+            </a:extLst>
+          </p:cNvPr>
+          <p:cNvSpPr/>
+          <p:nvPr/>
+        </p:nvSpPr>
+        <p:spPr>
+          <a:xfrm rot="6246502" flipH="1">
+            <a:off x="6554737" y="102476"/>
+            <a:ext cx="2408648" cy="3855262"/>
+          </a:xfrm>
+          <a:prstGeom prst="circularArrow">
+            <a:avLst>
+              <a:gd name="adj1" fmla="val 12500"/>
+              <a:gd name="adj2" fmla="val 1142319"/>
+              <a:gd name="adj3" fmla="val 20457681"/>
+              <a:gd name="adj4" fmla="val 16535285"/>
+              <a:gd name="adj5" fmla="val 12500"/>
+            </a:avLst>
+          </a:prstGeom>
+          <a:solidFill>
+            <a:schemeClr val="accent6">
+              <a:lumMod val="60000"/>
+              <a:lumOff val="40000"/>
+            </a:schemeClr>
+          </a:solidFill>
+          <a:ln>
+            <a:solidFill>
+              <a:schemeClr val="tx1"/>
+            </a:solidFill>
+          </a:ln>
+        </p:spPr>
+        <p:style>
+          <a:lnRef idx="2">
+            <a:schemeClr val="accent1">
+              <a:shade val="50000"/>
+            </a:schemeClr>
+          </a:lnRef>
+          <a:fillRef idx="1">
+            <a:schemeClr val="accent1"/>
+          </a:fillRef>
+          <a:effectRef idx="0">
+            <a:schemeClr val="accent1"/>
+          </a:effectRef>
+          <a:fontRef idx="minor">
+            <a:schemeClr val="lt1"/>
+          </a:fontRef>
+        </p:style>
+        <p:txBody>
+          <a:bodyPr rtlCol="0" anchor="ctr"/>
+          <a:lstStyle/>
+          <a:p>
+            <a:pPr algn="ctr"/>
+            <a:endParaRPr lang="en-US" dirty="0">
+              <a:solidFill>
+                <a:schemeClr val="tx1"/>
+              </a:solidFill>
+            </a:endParaRPr>
+          </a:p>
+        </p:txBody>
+      </p:sp>
+      <p:sp>
+        <p:nvSpPr>
+          <p:cNvPr id="36" name="Arrow: Circular 35">
+            <a:extLst>
+              <a:ext uri="{FF2B5EF4-FFF2-40B4-BE49-F238E27FC236}">
+                <a16:creationId xmlns:a16="http://schemas.microsoft.com/office/drawing/2014/main" id="{CD504F75-2952-43EE-B165-5AF42DDCA29F}"/>
+              </a:ext>
+            </a:extLst>
+          </p:cNvPr>
+          <p:cNvSpPr/>
+          <p:nvPr/>
+        </p:nvSpPr>
+        <p:spPr>
+          <a:xfrm rot="1467387" flipH="1">
+            <a:off x="2557729" y="717875"/>
+            <a:ext cx="2408648" cy="3855262"/>
+          </a:xfrm>
+          <a:prstGeom prst="circularArrow">
+            <a:avLst>
+              <a:gd name="adj1" fmla="val 12500"/>
+              <a:gd name="adj2" fmla="val 1142319"/>
+              <a:gd name="adj3" fmla="val 20457681"/>
+              <a:gd name="adj4" fmla="val 16535285"/>
+              <a:gd name="adj5" fmla="val 12500"/>
+            </a:avLst>
+          </a:prstGeom>
+          <a:solidFill>
+            <a:schemeClr val="accent6">
+              <a:lumMod val="60000"/>
+              <a:lumOff val="40000"/>
+            </a:schemeClr>
+          </a:solidFill>
+          <a:ln>
+            <a:solidFill>
+              <a:schemeClr val="tx1"/>
+            </a:solidFill>
+          </a:ln>
+        </p:spPr>
+        <p:style>
+          <a:lnRef idx="2">
+            <a:schemeClr val="accent1">
+              <a:shade val="50000"/>
+            </a:schemeClr>
+          </a:lnRef>
+          <a:fillRef idx="1">
+            <a:schemeClr val="accent1"/>
+          </a:fillRef>
+          <a:effectRef idx="0">
+            <a:schemeClr val="accent1"/>
+          </a:effectRef>
+          <a:fontRef idx="minor">
+            <a:schemeClr val="lt1"/>
+          </a:fontRef>
+        </p:style>
+        <p:txBody>
+          <a:bodyPr rtlCol="0" anchor="ctr"/>
+          <a:lstStyle/>
+          <a:p>
+            <a:pPr algn="ctr"/>
+            <a:endParaRPr lang="en-US" dirty="0">
+              <a:solidFill>
+                <a:schemeClr val="tx1"/>
+              </a:solidFill>
+            </a:endParaRPr>
+          </a:p>
+        </p:txBody>
+      </p:sp>
+      <p:sp>
+        <p:nvSpPr>
+          <p:cNvPr id="37" name="Arrow: Circular 36">
+            <a:extLst>
+              <a:ext uri="{FF2B5EF4-FFF2-40B4-BE49-F238E27FC236}">
+                <a16:creationId xmlns:a16="http://schemas.microsoft.com/office/drawing/2014/main" id="{3BBDF568-DEC9-4063-A92F-A7F8EAF02EC9}"/>
+              </a:ext>
+            </a:extLst>
+          </p:cNvPr>
+          <p:cNvSpPr/>
+          <p:nvPr/>
+        </p:nvSpPr>
+        <p:spPr>
+          <a:xfrm rot="20132613">
+            <a:off x="6925890" y="1296460"/>
+            <a:ext cx="2408648" cy="3855262"/>
+          </a:xfrm>
+          <a:prstGeom prst="circularArrow">
+            <a:avLst>
+              <a:gd name="adj1" fmla="val 12500"/>
+              <a:gd name="adj2" fmla="val 1142319"/>
+              <a:gd name="adj3" fmla="val 20457681"/>
+              <a:gd name="adj4" fmla="val 16535285"/>
+              <a:gd name="adj5" fmla="val 12500"/>
+            </a:avLst>
+          </a:prstGeom>
+          <a:solidFill>
+            <a:schemeClr val="accent6">
+              <a:lumMod val="60000"/>
+              <a:lumOff val="40000"/>
+            </a:schemeClr>
+          </a:solidFill>
+          <a:ln>
+            <a:solidFill>
+              <a:schemeClr val="tx1"/>
+            </a:solidFill>
+          </a:ln>
+        </p:spPr>
+        <p:style>
+          <a:lnRef idx="2">
+            <a:schemeClr val="accent1">
+              <a:shade val="50000"/>
+            </a:schemeClr>
+          </a:lnRef>
+          <a:fillRef idx="1">
+            <a:schemeClr val="accent1"/>
+          </a:fillRef>
+          <a:effectRef idx="0">
+            <a:schemeClr val="accent1"/>
+          </a:effectRef>
+          <a:fontRef idx="minor">
+            <a:schemeClr val="lt1"/>
+          </a:fontRef>
+        </p:style>
+        <p:txBody>
+          <a:bodyPr rtlCol="0" anchor="ctr"/>
+          <a:lstStyle/>
+          <a:p>
+            <a:pPr algn="ctr"/>
+            <a:endParaRPr lang="en-US" dirty="0">
+              <a:solidFill>
+                <a:schemeClr val="tx1"/>
+              </a:solidFill>
+            </a:endParaRPr>
+          </a:p>
+        </p:txBody>
+      </p:sp>
+      <p:pic>
+        <p:nvPicPr>
+          <p:cNvPr id="15" name="Graphic 14" descr="Browser window">
+            <a:extLst>
+              <a:ext uri="{FF2B5EF4-FFF2-40B4-BE49-F238E27FC236}">
+                <a16:creationId xmlns:a16="http://schemas.microsoft.com/office/drawing/2014/main" id="{7BEBC28D-DA9A-4343-B4DF-2D99343EE7DD}"/>
+              </a:ext>
+            </a:extLst>
+          </p:cNvPr>
+          <p:cNvPicPr>
+            <a:picLocks noChangeAspect="1"/>
+          </p:cNvPicPr>
+          <p:nvPr/>
+        </p:nvPicPr>
+        <p:blipFill>
+          <a:blip r:embed="rId5">
+            <a:extLst>
+              <a:ext uri="{28A0092B-C50C-407E-A947-70E740481C1C}">
+                <a14:useLocalDpi xmlns:a14="http://schemas.microsoft.com/office/drawing/2010/main" val="0"/>
+              </a:ext>
+              <a:ext uri="{96DAC541-7B7A-43D3-8B79-37D633B846F1}">
+                <asvg:svgBlip xmlns:asvg="http://schemas.microsoft.com/office/drawing/2016/SVG/main" r:embed="rId6"/>
+              </a:ext>
+            </a:extLst>
+          </a:blip>
+          <a:stretch>
+            <a:fillRect/>
+          </a:stretch>
+        </p:blipFill>
+        <p:spPr>
+          <a:xfrm>
+            <a:off x="8491984" y="3080132"/>
+            <a:ext cx="2269362" cy="2281325"/>
+          </a:xfrm>
+          <a:prstGeom prst="rect">
+            <a:avLst/>
+          </a:prstGeom>
+        </p:spPr>
+      </p:pic>
+      <p:pic>
+        <p:nvPicPr>
+          <p:cNvPr id="1026" name="Picture 2" descr="I Can Has Cheezburger Blog Leads to a Web Empire - The New York Times">
+            <a:extLst>
+              <a:ext uri="{FF2B5EF4-FFF2-40B4-BE49-F238E27FC236}">
+                <a16:creationId xmlns:a16="http://schemas.microsoft.com/office/drawing/2014/main" id="{C74E1733-5A97-46F2-AC5B-2407DEADD0D3}"/>
+              </a:ext>
+            </a:extLst>
+          </p:cNvPr>
+          <p:cNvPicPr>
+            <a:picLocks noChangeAspect="1" noChangeArrowheads="1"/>
+          </p:cNvPicPr>
+          <p:nvPr/>
+        </p:nvPicPr>
+        <p:blipFill rotWithShape="1">
+          <a:blip r:embed="rId7">
+            <a:extLst>
+              <a:ext uri="{28A0092B-C50C-407E-A947-70E740481C1C}">
+                <a14:useLocalDpi xmlns:a14="http://schemas.microsoft.com/office/drawing/2010/main" val="0"/>
+              </a:ext>
+            </a:extLst>
+          </a:blip>
+          <a:srcRect b="32625"/>
+          <a:stretch/>
+        </p:blipFill>
+        <p:spPr bwMode="auto">
+          <a:xfrm>
+            <a:off x="9151647" y="3882951"/>
+            <a:ext cx="950033" cy="933075"/>
+          </a:xfrm>
+          <a:prstGeom prst="rect">
+            <a:avLst/>
+          </a:prstGeom>
+          <a:noFill/>
+          <a:extLst>
+            <a:ext uri="{909E8E84-426E-40DD-AFC4-6F175D3DCCD1}">
+              <a14:hiddenFill xmlns:a14="http://schemas.microsoft.com/office/drawing/2010/main">
+                <a:solidFill>
+                  <a:srgbClr val="FFFFFF"/>
+                </a:solidFill>
+              </a14:hiddenFill>
+            </a:ext>
+          </a:extLst>
+        </p:spPr>
+      </p:pic>
+      <p:grpSp>
+        <p:nvGrpSpPr>
+          <p:cNvPr id="5" name="Group 4">
+            <a:extLst>
+              <a:ext uri="{FF2B5EF4-FFF2-40B4-BE49-F238E27FC236}">
+                <a16:creationId xmlns:a16="http://schemas.microsoft.com/office/drawing/2014/main" id="{A28C8041-C325-4F7C-A659-5C299E6D7570}"/>
+              </a:ext>
+            </a:extLst>
+          </p:cNvPr>
+          <p:cNvGrpSpPr/>
+          <p:nvPr/>
+        </p:nvGrpSpPr>
+        <p:grpSpPr>
+          <a:xfrm>
+            <a:off x="7921155" y="2727331"/>
+            <a:ext cx="3411019" cy="3968346"/>
+            <a:chOff x="7921155" y="2727331"/>
+            <a:chExt cx="3411019" cy="3968346"/>
+          </a:xfrm>
+        </p:grpSpPr>
+        <p:pic>
+          <p:nvPicPr>
+            <p:cNvPr id="11" name="Graphic 10" descr="Monitor">
+              <a:extLst>
+                <a:ext uri="{FF2B5EF4-FFF2-40B4-BE49-F238E27FC236}">
+                  <a16:creationId xmlns:a16="http://schemas.microsoft.com/office/drawing/2014/main" id="{09DDFC0B-EB5B-4CD0-9EB2-7DF138F624FD}"/>
+                </a:ext>
+              </a:extLst>
+            </p:cNvPr>
+            <p:cNvPicPr>
+              <a:picLocks noChangeAspect="1"/>
+            </p:cNvPicPr>
+            <p:nvPr/>
+          </p:nvPicPr>
+          <p:blipFill>
+            <a:blip r:embed="rId8">
+              <a:extLst>
+                <a:ext uri="{28A0092B-C50C-407E-A947-70E740481C1C}">
+                  <a14:useLocalDpi xmlns:a14="http://schemas.microsoft.com/office/drawing/2010/main" val="0"/>
+                </a:ext>
+                <a:ext uri="{96DAC541-7B7A-43D3-8B79-37D633B846F1}">
+                  <asvg:svgBlip xmlns:asvg="http://schemas.microsoft.com/office/drawing/2016/SVG/main" r:embed="rId9"/>
+                </a:ext>
+              </a:extLst>
+            </a:blip>
+            <a:stretch>
+              <a:fillRect/>
+            </a:stretch>
+          </p:blipFill>
+          <p:spPr>
+            <a:xfrm>
+              <a:off x="7921155" y="2727331"/>
+              <a:ext cx="3411019" cy="3429000"/>
+            </a:xfrm>
+            <a:prstGeom prst="rect">
+              <a:avLst/>
+            </a:prstGeom>
+          </p:spPr>
+        </p:pic>
+        <p:sp>
+          <p:nvSpPr>
+            <p:cNvPr id="34" name="TextBox 33">
+              <a:extLst>
+                <a:ext uri="{FF2B5EF4-FFF2-40B4-BE49-F238E27FC236}">
+                  <a16:creationId xmlns:a16="http://schemas.microsoft.com/office/drawing/2014/main" id="{3FA23277-1192-4C58-81CA-F1A9573A1A1E}"/>
+                </a:ext>
+              </a:extLst>
+            </p:cNvPr>
+            <p:cNvSpPr txBox="1"/>
+            <p:nvPr/>
+          </p:nvSpPr>
+          <p:spPr>
+            <a:xfrm>
+              <a:off x="8536402" y="5864680"/>
+              <a:ext cx="2180525" cy="830997"/>
+            </a:xfrm>
+            <a:prstGeom prst="rect">
+              <a:avLst/>
+            </a:prstGeom>
+            <a:noFill/>
+          </p:spPr>
+          <p:txBody>
+            <a:bodyPr wrap="square" rtlCol="0">
+              <a:spAutoFit/>
+            </a:bodyPr>
+            <a:lstStyle/>
+            <a:p>
+              <a:pPr algn="ctr"/>
+              <a:r>
+                <a:rPr lang="en-US" sz="4800" b="1" dirty="0">
+                  <a:latin typeface="Futura"/>
+                </a:rPr>
+                <a:t>CLIENT</a:t>
+              </a:r>
+            </a:p>
+          </p:txBody>
+        </p:sp>
+      </p:grpSp>
+      <p:pic>
+        <p:nvPicPr>
+          <p:cNvPr id="13" name="Graphic 12" descr="Web design">
+            <a:extLst>
+              <a:ext uri="{FF2B5EF4-FFF2-40B4-BE49-F238E27FC236}">
+                <a16:creationId xmlns:a16="http://schemas.microsoft.com/office/drawing/2014/main" id="{C2B03671-FD18-45FC-B832-3D7B7B891AA1}"/>
+              </a:ext>
+            </a:extLst>
+          </p:cNvPr>
+          <p:cNvPicPr>
+            <a:picLocks noChangeAspect="1"/>
+          </p:cNvPicPr>
+          <p:nvPr/>
+        </p:nvPicPr>
+        <p:blipFill>
+          <a:blip r:embed="rId10">
+            <a:extLst>
+              <a:ext uri="{28A0092B-C50C-407E-A947-70E740481C1C}">
+                <a14:useLocalDpi xmlns:a14="http://schemas.microsoft.com/office/drawing/2010/main" val="0"/>
+              </a:ext>
+              <a:ext uri="{96DAC541-7B7A-43D3-8B79-37D633B846F1}">
+                <asvg:svgBlip xmlns:asvg="http://schemas.microsoft.com/office/drawing/2016/SVG/main" r:embed="rId11"/>
+              </a:ext>
+            </a:extLst>
+          </a:blip>
+          <a:stretch>
+            <a:fillRect/>
+          </a:stretch>
+        </p:blipFill>
+        <p:spPr>
+          <a:xfrm>
+            <a:off x="288999" y="1271016"/>
+            <a:ext cx="1998144" cy="1998144"/>
+          </a:xfrm>
+          <a:prstGeom prst="rect">
+            <a:avLst/>
+          </a:prstGeom>
+        </p:spPr>
+      </p:pic>
+      <p:grpSp>
+        <p:nvGrpSpPr>
+          <p:cNvPr id="50" name="Group 49">
+            <a:extLst>
+              <a:ext uri="{FF2B5EF4-FFF2-40B4-BE49-F238E27FC236}">
+                <a16:creationId xmlns:a16="http://schemas.microsoft.com/office/drawing/2014/main" id="{036ADA3F-CEC7-47F8-8C1F-C78B3D1C044C}"/>
+              </a:ext>
+            </a:extLst>
+          </p:cNvPr>
+          <p:cNvGrpSpPr/>
+          <p:nvPr/>
+        </p:nvGrpSpPr>
+        <p:grpSpPr>
+          <a:xfrm>
+            <a:off x="859827" y="2494517"/>
+            <a:ext cx="4319704" cy="4201160"/>
+            <a:chOff x="859827" y="2494517"/>
+            <a:chExt cx="4319704" cy="4201160"/>
+          </a:xfrm>
+        </p:grpSpPr>
+        <p:pic>
+          <p:nvPicPr>
+            <p:cNvPr id="40" name="Graphic 39" descr="Computer">
+              <a:extLst>
+                <a:ext uri="{FF2B5EF4-FFF2-40B4-BE49-F238E27FC236}">
+                  <a16:creationId xmlns:a16="http://schemas.microsoft.com/office/drawing/2014/main" id="{4BC477D0-5D3E-4D5C-94FA-B70AD50B04E2}"/>
+                </a:ext>
+              </a:extLst>
+            </p:cNvPr>
+            <p:cNvPicPr>
+              <a:picLocks noChangeAspect="1"/>
+            </p:cNvPicPr>
+            <p:nvPr/>
+          </p:nvPicPr>
+          <p:blipFill>
+            <a:blip r:embed="rId12">
+              <a:extLst>
+                <a:ext uri="{28A0092B-C50C-407E-A947-70E740481C1C}">
+                  <a14:useLocalDpi xmlns:a14="http://schemas.microsoft.com/office/drawing/2010/main" val="0"/>
+                </a:ext>
+                <a:ext uri="{96DAC541-7B7A-43D3-8B79-37D633B846F1}">
+                  <asvg:svgBlip xmlns:asvg="http://schemas.microsoft.com/office/drawing/2016/SVG/main" r:embed="rId13"/>
+                </a:ext>
+              </a:extLst>
+            </a:blip>
+            <a:stretch>
+              <a:fillRect/>
+            </a:stretch>
+          </p:blipFill>
+          <p:spPr>
+            <a:xfrm>
+              <a:off x="859827" y="2494517"/>
+              <a:ext cx="4319704" cy="3964982"/>
+            </a:xfrm>
+            <a:prstGeom prst="rect">
+              <a:avLst/>
+            </a:prstGeom>
+          </p:spPr>
+        </p:pic>
+        <p:sp>
+          <p:nvSpPr>
+            <p:cNvPr id="42" name="TextBox 41">
+              <a:extLst>
+                <a:ext uri="{FF2B5EF4-FFF2-40B4-BE49-F238E27FC236}">
+                  <a16:creationId xmlns:a16="http://schemas.microsoft.com/office/drawing/2014/main" id="{F6F673EF-1135-4063-88AF-78CCA51CC363}"/>
+                </a:ext>
+              </a:extLst>
+            </p:cNvPr>
+            <p:cNvSpPr txBox="1"/>
+            <p:nvPr/>
+          </p:nvSpPr>
+          <p:spPr>
+            <a:xfrm>
+              <a:off x="1867744" y="5864680"/>
+              <a:ext cx="2303869" cy="830997"/>
+            </a:xfrm>
+            <a:prstGeom prst="rect">
+              <a:avLst/>
+            </a:prstGeom>
+            <a:noFill/>
+          </p:spPr>
+          <p:txBody>
+            <a:bodyPr wrap="square" rtlCol="0">
+              <a:spAutoFit/>
+            </a:bodyPr>
+            <a:lstStyle/>
+            <a:p>
+              <a:pPr algn="ctr"/>
+              <a:r>
+                <a:rPr lang="en-US" sz="4800" b="1" dirty="0">
+                  <a:latin typeface="Futura"/>
+                </a:rPr>
+                <a:t>SERVER</a:t>
+              </a:r>
+            </a:p>
+          </p:txBody>
+        </p:sp>
+      </p:grpSp>
+      <p:sp>
+        <p:nvSpPr>
+          <p:cNvPr id="51" name="Rectangle 50">
+            <a:extLst>
+              <a:ext uri="{FF2B5EF4-FFF2-40B4-BE49-F238E27FC236}">
+                <a16:creationId xmlns:a16="http://schemas.microsoft.com/office/drawing/2014/main" id="{91F7C806-9FD0-47C6-AC48-1D87DE17E756}"/>
+              </a:ext>
+            </a:extLst>
+          </p:cNvPr>
+          <p:cNvSpPr/>
+          <p:nvPr/>
+        </p:nvSpPr>
+        <p:spPr>
+          <a:xfrm>
+            <a:off x="451656" y="920357"/>
+            <a:ext cx="1350050" cy="584775"/>
+          </a:xfrm>
+          <a:prstGeom prst="rect">
+            <a:avLst/>
+          </a:prstGeom>
+        </p:spPr>
+        <p:txBody>
+          <a:bodyPr wrap="none">
+            <a:spAutoFit/>
+          </a:bodyPr>
+          <a:lstStyle/>
+          <a:p>
+            <a:r>
+              <a:rPr lang="en-US" sz="3200" b="1" dirty="0">
+                <a:latin typeface="Futura"/>
+              </a:rPr>
+              <a:t>CODE</a:t>
+            </a:r>
+            <a:endParaRPr lang="en-US" sz="3200" dirty="0"/>
+          </a:p>
+        </p:txBody>
+      </p:sp>
+      <p:sp>
+        <p:nvSpPr>
+          <p:cNvPr id="23" name="Rectangle 22">
+            <a:extLst>
+              <a:ext uri="{FF2B5EF4-FFF2-40B4-BE49-F238E27FC236}">
+                <a16:creationId xmlns:a16="http://schemas.microsoft.com/office/drawing/2014/main" id="{4E70A64D-0397-4400-9073-D71583F6169C}"/>
+              </a:ext>
+            </a:extLst>
+          </p:cNvPr>
+          <p:cNvSpPr/>
+          <p:nvPr/>
+        </p:nvSpPr>
+        <p:spPr>
+          <a:xfrm>
+            <a:off x="10101680" y="259463"/>
+            <a:ext cx="2040943" cy="1077218"/>
+          </a:xfrm>
+          <a:prstGeom prst="rect">
+            <a:avLst/>
+          </a:prstGeom>
+        </p:spPr>
+        <p:txBody>
+          <a:bodyPr wrap="none">
+            <a:spAutoFit/>
+          </a:bodyPr>
+          <a:lstStyle/>
+          <a:p>
+            <a:pPr algn="r"/>
+            <a:r>
+              <a:rPr lang="en-US" sz="3200" b="1" dirty="0">
+                <a:latin typeface="Futura"/>
+              </a:rPr>
+              <a:t>WEB</a:t>
+            </a:r>
+          </a:p>
+          <a:p>
+            <a:pPr algn="r"/>
+            <a:r>
+              <a:rPr lang="en-US" sz="3200" b="1" dirty="0">
+                <a:latin typeface="Futura"/>
+              </a:rPr>
+              <a:t>BROWSER</a:t>
+            </a:r>
+            <a:endParaRPr lang="en-US" sz="3200" dirty="0"/>
+          </a:p>
+        </p:txBody>
+      </p:sp>
+      <p:pic>
+        <p:nvPicPr>
+          <p:cNvPr id="25" name="Picture 24" descr="Google Chrome - Wikipedia">
+            <a:extLst>
+              <a:ext uri="{FF2B5EF4-FFF2-40B4-BE49-F238E27FC236}">
+                <a16:creationId xmlns:a16="http://schemas.microsoft.com/office/drawing/2014/main" id="{808117C4-FB33-4BCA-820F-1F2184B7825E}"/>
+              </a:ext>
+            </a:extLst>
+          </p:cNvPr>
+          <p:cNvPicPr>
+            <a:picLocks noChangeAspect="1" noChangeArrowheads="1"/>
+          </p:cNvPicPr>
+          <p:nvPr/>
+        </p:nvPicPr>
+        <p:blipFill>
+          <a:blip r:embed="rId14">
+            <a:extLst>
+              <a:ext uri="{28A0092B-C50C-407E-A947-70E740481C1C}">
+                <a14:useLocalDpi xmlns:a14="http://schemas.microsoft.com/office/drawing/2010/main" val="0"/>
+              </a:ext>
+            </a:extLst>
+          </a:blip>
+          <a:srcRect/>
+          <a:stretch>
+            <a:fillRect/>
+          </a:stretch>
+        </p:blipFill>
+        <p:spPr bwMode="auto">
+          <a:xfrm>
+            <a:off x="8910721" y="3498954"/>
+            <a:ext cx="1431883" cy="1431883"/>
+          </a:xfrm>
+          <a:prstGeom prst="rect">
+            <a:avLst/>
+          </a:prstGeom>
+          <a:noFill/>
+          <a:extLst>
+            <a:ext uri="{909E8E84-426E-40DD-AFC4-6F175D3DCCD1}">
+              <a14:hiddenFill xmlns:a14="http://schemas.microsoft.com/office/drawing/2010/main">
+                <a:solidFill>
+                  <a:srgbClr val="FFFFFF"/>
+                </a:solidFill>
+              </a14:hiddenFill>
+            </a:ext>
+          </a:extLst>
+        </p:spPr>
+      </p:pic>
+    </p:spTree>
+    <p:extLst>
+      <p:ext uri="{BB962C8B-B14F-4D97-AF65-F5344CB8AC3E}">
+        <p14:creationId xmlns:p14="http://schemas.microsoft.com/office/powerpoint/2010/main" val="2493917254"/>
+      </p:ext>
+    </p:extLst>
+  </p:cSld>
+  <p:clrMapOvr>
+    <a:masterClrMapping/>
+  </p:clrMapOvr>
+  <p:timing>
+    <p:tnLst>
+      <p:par>
+        <p:cTn id="1" dur="indefinite" restart="never" nodeType="tmRoot">
+          <p:childTnLst>
+            <p:seq concurrent="1" nextAc="seek">
+              <p:cTn id="2" dur="indefinite" nodeType="mainSeq">
+                <p:childTnLst>
+                  <p:par>
+                    <p:cTn id="3" fill="hold">
+                      <p:stCondLst>
+                        <p:cond delay="indefinite"/>
+                      </p:stCondLst>
+                      <p:childTnLst>
+                        <p:par>
+                          <p:cTn id="4" fill="hold">
+                            <p:stCondLst>
+                              <p:cond delay="0"/>
+                            </p:stCondLst>
+                            <p:childTnLst>
+                              <p:par>
+                                <p:cTn id="5" presetID="42" presetClass="path" presetSubtype="0" accel="50000" decel="50000" fill="hold" nodeType="clickEffect">
+                                  <p:stCondLst>
+                                    <p:cond delay="0"/>
+                                  </p:stCondLst>
+                                  <p:childTnLst>
+                                    <p:animMotion origin="layout" path="M -3.33333E-6 -3.33333E-6 L 0.12748 -0.3118 " pathEditMode="relative" rAng="0" ptsTypes="AA">
+                                      <p:cBhvr>
+                                        <p:cTn id="6" dur="2000" fill="hold"/>
+                                        <p:tgtEl>
+                                          <p:spTgt spid="25"/>
+                                        </p:tgtEl>
+                                        <p:attrNameLst>
+                                          <p:attrName>ppt_x</p:attrName>
+                                          <p:attrName>ppt_y</p:attrName>
+                                        </p:attrNameLst>
+                                      </p:cBhvr>
+                                      <p:rCtr x="6367" y="-15602"/>
+                                    </p:animMotion>
+                                  </p:childTnLst>
+                                </p:cTn>
+                              </p:par>
+                              <p:par>
+                                <p:cTn id="7" presetID="10" presetClass="entr" presetSubtype="0" fill="hold" grpId="0" nodeType="withEffect">
+                                  <p:stCondLst>
+                                    <p:cond delay="1000"/>
+                                  </p:stCondLst>
+                                  <p:childTnLst>
+                                    <p:set>
+                                      <p:cBhvr>
+                                        <p:cTn id="8" dur="1" fill="hold">
+                                          <p:stCondLst>
+                                            <p:cond delay="0"/>
+                                          </p:stCondLst>
+                                        </p:cTn>
+                                        <p:tgtEl>
+                                          <p:spTgt spid="23"/>
+                                        </p:tgtEl>
+                                        <p:attrNameLst>
+                                          <p:attrName>style.visibility</p:attrName>
+                                        </p:attrNameLst>
+                                      </p:cBhvr>
+                                      <p:to>
+                                        <p:strVal val="visible"/>
+                                      </p:to>
+                                    </p:set>
+                                    <p:animEffect transition="in" filter="fade">
+                                      <p:cBhvr>
+                                        <p:cTn id="9" dur="1000"/>
+                                        <p:tgtEl>
+                                          <p:spTgt spid="23"/>
+                                        </p:tgtEl>
+                                      </p:cBhvr>
+                                    </p:animEffect>
+                                  </p:childTnLst>
+                                </p:cTn>
+                              </p:par>
+                            </p:childTnLst>
+                          </p:cTn>
+                        </p:par>
+                      </p:childTnLst>
+                    </p:cTn>
+                  </p:par>
+                  <p:par>
+                    <p:cTn id="10" fill="hold">
+                      <p:stCondLst>
+                        <p:cond delay="indefinite"/>
+                      </p:stCondLst>
+                      <p:childTnLst>
+                        <p:par>
+                          <p:cTn id="11" fill="hold">
+                            <p:stCondLst>
+                              <p:cond delay="0"/>
+                            </p:stCondLst>
+                            <p:childTnLst>
+                              <p:par>
+                                <p:cTn id="12" presetID="1" presetClass="entr" presetSubtype="0" fill="hold" grpId="0" nodeType="clickEffect">
+                                  <p:stCondLst>
+                                    <p:cond delay="0"/>
+                                  </p:stCondLst>
+                                  <p:childTnLst>
+                                    <p:set>
+                                      <p:cBhvr>
+                                        <p:cTn id="13" dur="1" fill="hold">
+                                          <p:stCondLst>
+                                            <p:cond delay="0"/>
+                                          </p:stCondLst>
+                                        </p:cTn>
+                                        <p:tgtEl>
+                                          <p:spTgt spid="35"/>
+                                        </p:tgtEl>
+                                        <p:attrNameLst>
+                                          <p:attrName>style.visibility</p:attrName>
+                                        </p:attrNameLst>
+                                      </p:cBhvr>
+                                      <p:to>
+                                        <p:strVal val="visible"/>
+                                      </p:to>
+                                    </p:set>
+                                  </p:childTnLst>
+                                </p:cTn>
+                              </p:par>
+                              <p:par>
+                                <p:cTn id="14" presetID="1" presetClass="entr" presetSubtype="0" fill="hold" grpId="0" nodeType="withEffect">
+                                  <p:stCondLst>
+                                    <p:cond delay="500"/>
+                                  </p:stCondLst>
+                                  <p:childTnLst>
+                                    <p:set>
+                                      <p:cBhvr>
+                                        <p:cTn id="15" dur="1" fill="hold">
+                                          <p:stCondLst>
+                                            <p:cond delay="0"/>
+                                          </p:stCondLst>
+                                        </p:cTn>
+                                        <p:tgtEl>
+                                          <p:spTgt spid="36"/>
+                                        </p:tgtEl>
+                                        <p:attrNameLst>
+                                          <p:attrName>style.visibility</p:attrName>
+                                        </p:attrNameLst>
+                                      </p:cBhvr>
+                                      <p:to>
+                                        <p:strVal val="visible"/>
+                                      </p:to>
+                                    </p:set>
+                                  </p:childTnLst>
+                                </p:cTn>
+                              </p:par>
+                            </p:childTnLst>
+                          </p:cTn>
+                        </p:par>
+                      </p:childTnLst>
+                    </p:cTn>
+                  </p:par>
+                  <p:par>
+                    <p:cTn id="16" fill="hold">
+                      <p:stCondLst>
+                        <p:cond delay="indefinite"/>
+                      </p:stCondLst>
+                      <p:childTnLst>
+                        <p:par>
+                          <p:cTn id="17" fill="hold">
+                            <p:stCondLst>
+                              <p:cond delay="0"/>
+                            </p:stCondLst>
+                            <p:childTnLst>
+                              <p:par>
+                                <p:cTn id="18" presetID="10" presetClass="exit" presetSubtype="0" fill="hold" grpId="0" nodeType="clickEffect">
+                                  <p:stCondLst>
+                                    <p:cond delay="0"/>
+                                  </p:stCondLst>
+                                  <p:childTnLst>
+                                    <p:animEffect transition="out" filter="fade">
+                                      <p:cBhvr>
+                                        <p:cTn id="19" dur="500"/>
+                                        <p:tgtEl>
+                                          <p:spTgt spid="51"/>
+                                        </p:tgtEl>
+                                      </p:cBhvr>
+                                    </p:animEffect>
+                                    <p:set>
+                                      <p:cBhvr>
+                                        <p:cTn id="20" dur="1" fill="hold">
+                                          <p:stCondLst>
+                                            <p:cond delay="499"/>
+                                          </p:stCondLst>
+                                        </p:cTn>
+                                        <p:tgtEl>
+                                          <p:spTgt spid="51"/>
+                                        </p:tgtEl>
+                                        <p:attrNameLst>
+                                          <p:attrName>style.visibility</p:attrName>
+                                        </p:attrNameLst>
+                                      </p:cBhvr>
+                                      <p:to>
+                                        <p:strVal val="hidden"/>
+                                      </p:to>
+                                    </p:set>
+                                  </p:childTnLst>
+                                </p:cTn>
+                              </p:par>
+                              <p:par>
+                                <p:cTn id="21" presetID="42" presetClass="path" presetSubtype="0" accel="50000" decel="50000" fill="hold" nodeType="withEffect">
+                                  <p:stCondLst>
+                                    <p:cond delay="0"/>
+                                  </p:stCondLst>
+                                  <p:childTnLst>
+                                    <p:animMotion origin="layout" path="M 1.04167E-6 1.48148E-6 L 0.08203 0.28657 " pathEditMode="relative" rAng="0" ptsTypes="AA">
+                                      <p:cBhvr>
+                                        <p:cTn id="22" dur="2000" fill="hold"/>
+                                        <p:tgtEl>
+                                          <p:spTgt spid="13"/>
+                                        </p:tgtEl>
+                                        <p:attrNameLst>
+                                          <p:attrName>ppt_x</p:attrName>
+                                          <p:attrName>ppt_y</p:attrName>
+                                        </p:attrNameLst>
+                                      </p:cBhvr>
+                                      <p:rCtr x="4102" y="14329"/>
+                                    </p:animMotion>
+                                  </p:childTnLst>
+                                </p:cTn>
+                              </p:par>
+                            </p:childTnLst>
+                          </p:cTn>
+                        </p:par>
+                      </p:childTnLst>
+                    </p:cTn>
+                  </p:par>
+                  <p:par>
+                    <p:cTn id="23" fill="hold">
+                      <p:stCondLst>
+                        <p:cond delay="indefinite"/>
+                      </p:stCondLst>
+                      <p:childTnLst>
+                        <p:par>
+                          <p:cTn id="24" fill="hold">
+                            <p:stCondLst>
+                              <p:cond delay="0"/>
+                            </p:stCondLst>
+                            <p:childTnLst>
+                              <p:par>
+                                <p:cTn id="25" presetID="1" presetClass="entr" presetSubtype="0" fill="hold" grpId="0" nodeType="clickEffect">
+                                  <p:stCondLst>
+                                    <p:cond delay="0"/>
+                                  </p:stCondLst>
+                                  <p:childTnLst>
+                                    <p:set>
+                                      <p:cBhvr>
+                                        <p:cTn id="26" dur="1" fill="hold">
+                                          <p:stCondLst>
+                                            <p:cond delay="0"/>
+                                          </p:stCondLst>
+                                        </p:cTn>
+                                        <p:tgtEl>
+                                          <p:spTgt spid="33"/>
+                                        </p:tgtEl>
+                                        <p:attrNameLst>
+                                          <p:attrName>style.visibility</p:attrName>
+                                        </p:attrNameLst>
+                                      </p:cBhvr>
+                                      <p:to>
+                                        <p:strVal val="visible"/>
+                                      </p:to>
+                                    </p:set>
+                                  </p:childTnLst>
+                                </p:cTn>
+                              </p:par>
+                              <p:par>
+                                <p:cTn id="27" presetID="1" presetClass="entr" presetSubtype="0" fill="hold" grpId="0" nodeType="withEffect">
+                                  <p:stCondLst>
+                                    <p:cond delay="500"/>
+                                  </p:stCondLst>
+                                  <p:childTnLst>
+                                    <p:set>
+                                      <p:cBhvr>
+                                        <p:cTn id="28" dur="1" fill="hold">
+                                          <p:stCondLst>
+                                            <p:cond delay="0"/>
+                                          </p:stCondLst>
+                                        </p:cTn>
+                                        <p:tgtEl>
+                                          <p:spTgt spid="37"/>
+                                        </p:tgtEl>
+                                        <p:attrNameLst>
+                                          <p:attrName>style.visibility</p:attrName>
+                                        </p:attrNameLst>
+                                      </p:cBhvr>
+                                      <p:to>
+                                        <p:strVal val="visible"/>
+                                      </p:to>
+                                    </p:set>
+                                  </p:childTnLst>
+                                </p:cTn>
+                              </p:par>
+                              <p:par>
+                                <p:cTn id="29" presetID="1" presetClass="entr" presetSubtype="0" fill="hold" nodeType="withEffect">
+                                  <p:stCondLst>
+                                    <p:cond delay="1000"/>
+                                  </p:stCondLst>
+                                  <p:childTnLst>
+                                    <p:set>
+                                      <p:cBhvr>
+                                        <p:cTn id="30" dur="1" fill="hold">
+                                          <p:stCondLst>
+                                            <p:cond delay="0"/>
+                                          </p:stCondLst>
+                                        </p:cTn>
+                                        <p:tgtEl>
+                                          <p:spTgt spid="15"/>
+                                        </p:tgtEl>
+                                        <p:attrNameLst>
+                                          <p:attrName>style.visibility</p:attrName>
+                                        </p:attrNameLst>
+                                      </p:cBhvr>
+                                      <p:to>
+                                        <p:strVal val="visible"/>
+                                      </p:to>
+                                    </p:set>
+                                  </p:childTnLst>
+                                </p:cTn>
+                              </p:par>
+                              <p:par>
+                                <p:cTn id="31" presetID="10" presetClass="entr" presetSubtype="0" fill="hold" nodeType="withEffect">
+                                  <p:stCondLst>
+                                    <p:cond delay="1000"/>
+                                  </p:stCondLst>
+                                  <p:childTnLst>
+                                    <p:set>
+                                      <p:cBhvr>
+                                        <p:cTn id="32" dur="1" fill="hold">
+                                          <p:stCondLst>
+                                            <p:cond delay="0"/>
+                                          </p:stCondLst>
+                                        </p:cTn>
+                                        <p:tgtEl>
+                                          <p:spTgt spid="1026"/>
+                                        </p:tgtEl>
+                                        <p:attrNameLst>
+                                          <p:attrName>style.visibility</p:attrName>
+                                        </p:attrNameLst>
+                                      </p:cBhvr>
+                                      <p:to>
+                                        <p:strVal val="visible"/>
+                                      </p:to>
+                                    </p:set>
+                                    <p:animEffect transition="in" filter="fade">
+                                      <p:cBhvr>
+                                        <p:cTn id="33" dur="500"/>
+                                        <p:tgtEl>
+                                          <p:spTgt spid="1026"/>
+                                        </p:tgtEl>
+                                      </p:cBhvr>
+                                    </p:animEffect>
+                                  </p:childTnLst>
+                                </p:cTn>
+                              </p:par>
+                            </p:childTnLst>
+                          </p:cTn>
+                        </p:par>
+                      </p:childTnLst>
+                    </p:cTn>
+                  </p:par>
+                </p:childTnLst>
+              </p:cTn>
+              <p:prevCondLst>
+                <p:cond evt="onPrev" delay="0">
+                  <p:tgtEl>
+                    <p:sldTgt/>
+                  </p:tgtEl>
+                </p:cond>
+              </p:prevCondLst>
+              <p:nextCondLst>
+                <p:cond evt="onNext" delay="0">
+                  <p:tgtEl>
+                    <p:sldTgt/>
+                  </p:tgtEl>
+                </p:cond>
+              </p:nextCondLst>
+            </p:seq>
+          </p:childTnLst>
+        </p:cTn>
+      </p:par>
+    </p:tnLst>
+    <p:bldLst>
+      <p:bldP spid="33" grpId="0" animBg="1"/>
+      <p:bldP spid="35" grpId="0" animBg="1"/>
+      <p:bldP spid="36" grpId="0" animBg="1"/>
+      <p:bldP spid="37" grpId="0" animBg="1"/>
+      <p:bldP spid="51" grpId="0"/>
+      <p:bldP spid="23" grpId="0"/>
+    </p:bldLst>
+  </p:timing>
+</p:sld>
+</file>
+
+<file path=ppt/slides/slide5.xml><?xml version="1.0" encoding="utf-8"?>
+<p:sld xmlns:a="http://schemas.openxmlformats.org/drawingml/2006/main" xmlns:r="http://schemas.openxmlformats.org/officeDocument/2006/relationships" xmlns:p="http://schemas.openxmlformats.org/presentationml/2006/main">
+  <p:cSld>
+    <p:spTree>
+      <p:nvGrpSpPr>
+        <p:cNvPr id="1" name=""/>
+        <p:cNvGrpSpPr/>
+        <p:nvPr/>
+      </p:nvGrpSpPr>
+      <p:grpSpPr>
+        <a:xfrm>
+          <a:off x="0" y="0"/>
+          <a:ext cx="0" cy="0"/>
+          <a:chOff x="0" y="0"/>
+          <a:chExt cx="0" cy="0"/>
+        </a:xfrm>
+      </p:grpSpPr>
+      <p:pic>
+        <p:nvPicPr>
+          <p:cNvPr id="5" name="Graphic 4" descr="Monitor">
+            <a:extLst>
+              <a:ext uri="{FF2B5EF4-FFF2-40B4-BE49-F238E27FC236}">
+                <a16:creationId xmlns:a16="http://schemas.microsoft.com/office/drawing/2014/main" id="{16B5978C-7DC9-40E2-88B0-7703C67CD22D}"/>
+              </a:ext>
+            </a:extLst>
+          </p:cNvPr>
+          <p:cNvPicPr>
+            <a:picLocks noChangeAspect="1"/>
+          </p:cNvPicPr>
+          <p:nvPr/>
+        </p:nvPicPr>
+        <p:blipFill>
+          <a:blip r:embed="rId3">
+            <a:extLst>
+              <a:ext uri="{28A0092B-C50C-407E-A947-70E740481C1C}">
+                <a14:useLocalDpi xmlns:a14="http://schemas.microsoft.com/office/drawing/2010/main" val="0"/>
+              </a:ext>
+              <a:ext uri="{96DAC541-7B7A-43D3-8B79-37D633B846F1}">
+                <asvg:svgBlip xmlns:asvg="http://schemas.microsoft.com/office/drawing/2016/SVG/main" r:embed="rId4"/>
+              </a:ext>
+            </a:extLst>
+          </a:blip>
+          <a:stretch>
+            <a:fillRect/>
+          </a:stretch>
+        </p:blipFill>
+        <p:spPr>
+          <a:xfrm>
+            <a:off x="7921155" y="2727331"/>
+            <a:ext cx="3411019" cy="3429000"/>
+          </a:xfrm>
+          <a:prstGeom prst="rect">
+            <a:avLst/>
+          </a:prstGeom>
+        </p:spPr>
+      </p:pic>
+      <p:sp>
+        <p:nvSpPr>
+          <p:cNvPr id="6" name="TextBox 5">
+            <a:extLst>
+              <a:ext uri="{FF2B5EF4-FFF2-40B4-BE49-F238E27FC236}">
+                <a16:creationId xmlns:a16="http://schemas.microsoft.com/office/drawing/2014/main" id="{BFE6266C-F4CE-435D-8963-BB184F3C3BD5}"/>
+              </a:ext>
+            </a:extLst>
+          </p:cNvPr>
+          <p:cNvSpPr txBox="1"/>
+          <p:nvPr/>
+        </p:nvSpPr>
+        <p:spPr>
+          <a:xfrm>
+            <a:off x="8536402" y="5864680"/>
+            <a:ext cx="2180525" cy="830997"/>
+          </a:xfrm>
+          <a:prstGeom prst="rect">
+            <a:avLst/>
+          </a:prstGeom>
+          <a:noFill/>
+        </p:spPr>
+        <p:txBody>
+          <a:bodyPr wrap="square" rtlCol="0">
+            <a:spAutoFit/>
+          </a:bodyPr>
+          <a:lstStyle/>
+          <a:p>
+            <a:pPr algn="ctr"/>
+            <a:r>
+              <a:rPr lang="en-US" sz="4800" b="1" dirty="0">
+                <a:latin typeface="Futura"/>
+              </a:rPr>
+              <a:t>CLIENT</a:t>
+            </a:r>
+          </a:p>
+        </p:txBody>
+      </p:sp>
+      <p:pic>
+        <p:nvPicPr>
+          <p:cNvPr id="8" name="Graphic 7" descr="Computer">
+            <a:extLst>
+              <a:ext uri="{FF2B5EF4-FFF2-40B4-BE49-F238E27FC236}">
+                <a16:creationId xmlns:a16="http://schemas.microsoft.com/office/drawing/2014/main" id="{B634BC15-0D51-48BF-A06D-0C9A24B1AFB7}"/>
+              </a:ext>
+            </a:extLst>
+          </p:cNvPr>
+          <p:cNvPicPr>
+            <a:picLocks noChangeAspect="1"/>
+          </p:cNvPicPr>
+          <p:nvPr/>
+        </p:nvPicPr>
+        <p:blipFill>
+          <a:blip r:embed="rId5">
+            <a:extLst>
+              <a:ext uri="{28A0092B-C50C-407E-A947-70E740481C1C}">
+                <a14:useLocalDpi xmlns:a14="http://schemas.microsoft.com/office/drawing/2010/main" val="0"/>
+              </a:ext>
+              <a:ext uri="{96DAC541-7B7A-43D3-8B79-37D633B846F1}">
+                <asvg:svgBlip xmlns:asvg="http://schemas.microsoft.com/office/drawing/2016/SVG/main" r:embed="rId6"/>
+              </a:ext>
+            </a:extLst>
+          </a:blip>
+          <a:stretch>
+            <a:fillRect/>
+          </a:stretch>
+        </p:blipFill>
+        <p:spPr>
+          <a:xfrm>
+            <a:off x="859827" y="2494517"/>
+            <a:ext cx="4319704" cy="3964982"/>
+          </a:xfrm>
+          <a:prstGeom prst="rect">
+            <a:avLst/>
+          </a:prstGeom>
+        </p:spPr>
+      </p:pic>
+      <p:sp>
+        <p:nvSpPr>
+          <p:cNvPr id="9" name="TextBox 8">
+            <a:extLst>
+              <a:ext uri="{FF2B5EF4-FFF2-40B4-BE49-F238E27FC236}">
+                <a16:creationId xmlns:a16="http://schemas.microsoft.com/office/drawing/2014/main" id="{4173D1F6-F637-4F67-82D4-5EE8697E660B}"/>
+              </a:ext>
+            </a:extLst>
+          </p:cNvPr>
+          <p:cNvSpPr txBox="1"/>
+          <p:nvPr/>
+        </p:nvSpPr>
+        <p:spPr>
+          <a:xfrm>
+            <a:off x="1867744" y="5864680"/>
+            <a:ext cx="2303869" cy="830997"/>
+          </a:xfrm>
+          <a:prstGeom prst="rect">
+            <a:avLst/>
+          </a:prstGeom>
+          <a:noFill/>
+        </p:spPr>
+        <p:txBody>
+          <a:bodyPr wrap="square" rtlCol="0">
+            <a:spAutoFit/>
+          </a:bodyPr>
+          <a:lstStyle/>
+          <a:p>
+            <a:pPr algn="ctr"/>
+            <a:r>
+              <a:rPr lang="en-US" sz="4800" b="1" dirty="0">
+                <a:latin typeface="Futura"/>
+              </a:rPr>
+              <a:t>SERVER</a:t>
+            </a:r>
+          </a:p>
+        </p:txBody>
+      </p:sp>
+    </p:spTree>
+    <p:extLst>
+      <p:ext uri="{BB962C8B-B14F-4D97-AF65-F5344CB8AC3E}">
+        <p14:creationId xmlns:p14="http://schemas.microsoft.com/office/powerpoint/2010/main" val="1862280495"/>
+      </p:ext>
+    </p:extLst>
+  </p:cSld>
+  <p:clrMapOvr>
+    <a:masterClrMapping/>
+  </p:clrMapOvr>
+</p:sld>
+</file>
+
+<file path=ppt/slides/slide6.xml><?xml version="1.0" encoding="utf-8"?>
+<p:sld xmlns:a="http://schemas.openxmlformats.org/drawingml/2006/main" xmlns:r="http://schemas.openxmlformats.org/officeDocument/2006/relationships" xmlns:p="http://schemas.openxmlformats.org/presentationml/2006/main">
+  <p:cSld>
+    <p:bg>
+      <p:bgPr>
+        <a:solidFill>
+          <a:schemeClr val="bg1">
+            <a:tint val="95000"/>
+            <a:satMod val="170000"/>
+          </a:schemeClr>
+        </a:solidFill>
+        <a:effectLst/>
+      </p:bgPr>
+    </p:bg>
+    <p:spTree>
+      <p:nvGrpSpPr>
+        <p:cNvPr id="1" name=""/>
+        <p:cNvGrpSpPr/>
+        <p:nvPr/>
+      </p:nvGrpSpPr>
+      <p:grpSpPr>
+        <a:xfrm>
+          <a:off x="0" y="0"/>
+          <a:ext cx="0" cy="0"/>
+          <a:chOff x="0" y="0"/>
+          <a:chExt cx="0" cy="0"/>
+        </a:xfrm>
+      </p:grpSpPr>
+      <p:sp>
+        <p:nvSpPr>
+          <p:cNvPr id="2" name="Title 1">
+            <a:extLst>
+              <a:ext uri="{FF2B5EF4-FFF2-40B4-BE49-F238E27FC236}">
+                <a16:creationId xmlns:a16="http://schemas.microsoft.com/office/drawing/2014/main" id="{1CCA781E-4064-4D83-947A-B6E74A3AC4EC}"/>
               </a:ext>
             </a:extLst>
           </p:cNvPr>
@@ -3863,14 +6598,21 @@
           </a:xfrm>
         </p:spPr>
         <p:txBody>
-          <a:bodyPr anchor="ctr">
+          <a:bodyPr vert="horz" lIns="91440" tIns="45720" rIns="91440" bIns="45720" rtlCol="0" anchor="ctr">
             <a:normAutofit/>
           </a:bodyPr>
           <a:lstStyle/>
           <a:p>
             <a:r>
-              <a:rPr lang="en-US" sz="4800"/>
-              <a:t>Lessons</a:t>
+              <a:rPr lang="en-US" sz="4800" kern="1200" dirty="0">
+                <a:solidFill>
+                  <a:schemeClr val="tx1"/>
+                </a:solidFill>
+                <a:latin typeface="+mj-lt"/>
+                <a:ea typeface="+mj-ea"/>
+                <a:cs typeface="+mj-cs"/>
+              </a:rPr>
+              <a:t>Additional Resources</a:t>
             </a:r>
           </a:p>
         </p:txBody>
@@ -4129,18 +6871,18 @@
       </p:sp>
       <p:sp>
         <p:nvSpPr>
-          <p:cNvPr id="3" name="Content Placeholder 2">
-            <a:extLst>
-              <a:ext uri="{FF2B5EF4-FFF2-40B4-BE49-F238E27FC236}">
-                <a16:creationId xmlns:a16="http://schemas.microsoft.com/office/drawing/2014/main" id="{BEC1F758-E39A-4B4E-BBCD-6BEA902E48D4}"/>
-              </a:ext>
-            </a:extLst>
-          </p:cNvPr>
-          <p:cNvSpPr>
-            <a:spLocks noGrp="1"/>
-          </p:cNvSpPr>
-          <p:nvPr>
-            <p:ph idx="1"/>
+          <p:cNvPr id="3" name="Vertical Text Placeholder 2">
+            <a:extLst>
+              <a:ext uri="{FF2B5EF4-FFF2-40B4-BE49-F238E27FC236}">
+                <a16:creationId xmlns:a16="http://schemas.microsoft.com/office/drawing/2014/main" id="{E22C2862-EA30-418A-A838-068B5D8EE2A6}"/>
+              </a:ext>
+            </a:extLst>
+          </p:cNvPr>
+          <p:cNvSpPr>
+            <a:spLocks noGrp="1"/>
+          </p:cNvSpPr>
+          <p:nvPr>
+            <p:ph type="body" orient="vert" idx="1"/>
           </p:nvPr>
         </p:nvSpPr>
         <p:spPr>
@@ -4150,105 +6892,85 @@
           </a:xfrm>
         </p:spPr>
         <p:txBody>
-          <a:bodyPr anchor="ctr">
-            <a:normAutofit fontScale="92500" lnSpcReduction="10000"/>
+          <a:bodyPr vert="horz" lIns="91440" tIns="45720" rIns="91440" bIns="45720" rtlCol="0" anchor="ctr">
+            <a:normAutofit/>
           </a:bodyPr>
           <a:lstStyle/>
           <a:p>
             <a:r>
-              <a:rPr lang="en-US" sz="3200" dirty="0">
+              <a:rPr lang="en-US" sz="2200" dirty="0">
                 <a:solidFill>
                   <a:schemeClr val="bg1"/>
                 </a:solidFill>
               </a:rPr>
-              <a:t>Website</a:t>
-            </a:r>
-          </a:p>
-          <a:p>
-            <a:pPr lvl="1"/>
-            <a:r>
-              <a:rPr lang="en-US" sz="3200" dirty="0">
+              <a:t>w3schools.com – Everything you need to know about html/</a:t>
+            </a:r>
+            <a:r>
+              <a:rPr lang="en-US" sz="2200" dirty="0" err="1">
                 <a:solidFill>
                   <a:schemeClr val="bg1"/>
                 </a:solidFill>
               </a:rPr>
-              <a:t>Lessons</a:t>
-            </a:r>
-          </a:p>
-          <a:p>
-            <a:pPr lvl="1"/>
-            <a:r>
-              <a:rPr lang="en-US" sz="3200" dirty="0">
+              <a:t>css</a:t>
+            </a:r>
+            <a:endParaRPr lang="en-US" sz="2200" dirty="0">
+              <a:solidFill>
+                <a:schemeClr val="bg1"/>
+              </a:solidFill>
+            </a:endParaRPr>
+          </a:p>
+          <a:p>
+            <a:r>
+              <a:rPr lang="en-US" sz="2200" dirty="0">
                 <a:solidFill>
                   <a:schemeClr val="bg1"/>
                 </a:solidFill>
               </a:rPr>
-              <a:t>Photos about SIGSAC</a:t>
+              <a:t>Frameworks</a:t>
             </a:r>
           </a:p>
           <a:p>
             <a:pPr lvl="1"/>
             <a:r>
-              <a:rPr lang="en-US" sz="3200" dirty="0">
+              <a:rPr lang="en-US" sz="1800" dirty="0">
                 <a:solidFill>
                   <a:schemeClr val="bg1"/>
                 </a:solidFill>
               </a:rPr>
-              <a:t>Videos about SIGSAC</a:t>
+              <a:t>Meteor – You will learn this for CY355</a:t>
             </a:r>
           </a:p>
           <a:p>
             <a:pPr lvl="1"/>
             <a:r>
-              <a:rPr lang="en-US" sz="3200" dirty="0">
+              <a:rPr lang="en-US" sz="1800" dirty="0">
                 <a:solidFill>
                   <a:schemeClr val="bg1"/>
                 </a:solidFill>
               </a:rPr>
-              <a:t>Logo</a:t>
-            </a:r>
-          </a:p>
-          <a:p>
-            <a:r>
-              <a:rPr lang="en-US" sz="3200" dirty="0">
+              <a:t>Django – You will learn this for IT392</a:t>
+            </a:r>
+          </a:p>
+          <a:p>
+            <a:pPr lvl="1"/>
+            <a:r>
+              <a:rPr lang="en-US" sz="1800" dirty="0">
                 <a:solidFill>
                   <a:schemeClr val="bg1"/>
                 </a:solidFill>
               </a:rPr>
-              <a:t>Meeting</a:t>
+              <a:t>Angular</a:t>
             </a:r>
           </a:p>
           <a:p>
             <a:pPr lvl="1"/>
             <a:r>
-              <a:rPr lang="en-US" sz="3200" dirty="0">
+              <a:rPr lang="en-US" sz="1800" dirty="0">
                 <a:solidFill>
                   <a:schemeClr val="bg1"/>
                 </a:solidFill>
               </a:rPr>
-              <a:t>Presentation – 10 minutes</a:t>
-            </a:r>
-          </a:p>
-          <a:p>
-            <a:pPr lvl="1"/>
-            <a:r>
-              <a:rPr lang="en-US" sz="3200" dirty="0">
-                <a:solidFill>
-                  <a:schemeClr val="bg1"/>
-                </a:solidFill>
-              </a:rPr>
-              <a:t>Exercise – 35 minutes</a:t>
-            </a:r>
-          </a:p>
-          <a:p>
-            <a:pPr lvl="1"/>
-            <a:r>
-              <a:rPr lang="en-US" sz="3200" dirty="0">
-                <a:solidFill>
-                  <a:schemeClr val="bg1"/>
-                </a:solidFill>
-              </a:rPr>
-              <a:t>Practicable Application – 15 minutes</a:t>
+              <a:t>Laravel</a:t>
             </a:r>
           </a:p>
         </p:txBody>
@@ -4256,7 +6978,7 @@
     </p:spTree>
     <p:extLst>
       <p:ext uri="{BB962C8B-B14F-4D97-AF65-F5344CB8AC3E}">
-        <p14:creationId xmlns:p14="http://schemas.microsoft.com/office/powerpoint/2010/main" val="3428270124"/>
+        <p14:creationId xmlns:p14="http://schemas.microsoft.com/office/powerpoint/2010/main" val="3252760868"/>
       </p:ext>
     </p:extLst>
   </p:cSld>
@@ -4266,17 +6988,9 @@
 </p:sld>
 </file>
 
-<file path=ppt/slides/slide2.xml><?xml version="1.0" encoding="utf-8"?>
+<file path=ppt/slides/slide7.xml><?xml version="1.0" encoding="utf-8"?>
 <p:sld xmlns:a="http://schemas.openxmlformats.org/drawingml/2006/main" xmlns:r="http://schemas.openxmlformats.org/officeDocument/2006/relationships" xmlns:p="http://schemas.openxmlformats.org/presentationml/2006/main">
   <p:cSld>
-    <p:bg>
-      <p:bgPr>
-        <a:solidFill>
-          <a:schemeClr val="bg1"/>
-        </a:solidFill>
-        <a:effectLst/>
-      </p:bgPr>
-    </p:bg>
     <p:spTree>
       <p:nvGrpSpPr>
         <p:cNvPr id="1" name=""/>
@@ -4291,625 +7005,95 @@
           <a:chExt cx="0" cy="0"/>
         </a:xfrm>
       </p:grpSpPr>
-      <p:sp useBgFill="1">
-        <p:nvSpPr>
-          <p:cNvPr id="22" name="Rectangle 21">
-            <a:extLst>
-              <a:ext uri="{FF2B5EF4-FFF2-40B4-BE49-F238E27FC236}">
-                <a16:creationId xmlns:a16="http://schemas.microsoft.com/office/drawing/2014/main" id="{33CD251C-A887-4D2F-925B-FC097198538B}"/>
-              </a:ext>
-              <a:ext uri="{C183D7F6-B498-43B3-948B-1728B52AA6E4}">
-                <adec:decorative xmlns:adec="http://schemas.microsoft.com/office/drawing/2017/decorative" val="1"/>
-              </a:ext>
-            </a:extLst>
-          </p:cNvPr>
-          <p:cNvSpPr>
-            <a:spLocks noGrp="1" noRot="1" noChangeAspect="1" noMove="1" noResize="1" noEditPoints="1" noAdjustHandles="1" noChangeArrowheads="1" noChangeShapeType="1" noTextEdit="1"/>
-          </p:cNvSpPr>
-          <p:nvPr>
-            <p:extLst>
-              <p:ext uri="{386F3935-93C4-4BCD-93E2-E3B085C9AB24}">
-                <p16:designElem xmlns:p16="http://schemas.microsoft.com/office/powerpoint/2015/main" val="1"/>
-              </p:ext>
-            </p:extLst>
+      <p:sp>
+        <p:nvSpPr>
+          <p:cNvPr id="2" name="Title 1">
+            <a:extLst>
+              <a:ext uri="{FF2B5EF4-FFF2-40B4-BE49-F238E27FC236}">
+                <a16:creationId xmlns:a16="http://schemas.microsoft.com/office/drawing/2014/main" id="{1CCA781E-4064-4D83-947A-B6E74A3AC4EC}"/>
+              </a:ext>
+            </a:extLst>
+          </p:cNvPr>
+          <p:cNvSpPr>
+            <a:spLocks noGrp="1"/>
+          </p:cNvSpPr>
+          <p:nvPr>
+            <p:ph type="title"/>
           </p:nvPr>
         </p:nvSpPr>
         <p:spPr>
           <a:xfrm>
-            <a:off x="0" y="0"/>
-            <a:ext cx="12192000" cy="6858000"/>
+            <a:off x="804673" y="1445494"/>
+            <a:ext cx="3616856" cy="4376572"/>
           </a:xfrm>
-          <a:prstGeom prst="rect">
-            <a:avLst/>
-          </a:prstGeom>
-          <a:ln>
-            <a:noFill/>
-          </a:ln>
         </p:spPr>
-        <p:style>
-          <a:lnRef idx="2">
-            <a:schemeClr val="accent1">
-              <a:shade val="50000"/>
-            </a:schemeClr>
-          </a:lnRef>
-          <a:fillRef idx="1">
-            <a:schemeClr val="accent1"/>
-          </a:fillRef>
-          <a:effectRef idx="0">
-            <a:schemeClr val="accent1"/>
-          </a:effectRef>
-          <a:fontRef idx="minor">
-            <a:schemeClr val="lt1"/>
-          </a:fontRef>
-        </p:style>
-        <p:txBody>
-          <a:bodyPr rtlCol="0" anchor="ctr"/>
+        <p:txBody>
+          <a:bodyPr vert="horz" lIns="91440" tIns="45720" rIns="91440" bIns="45720" rtlCol="0" anchor="ctr">
+            <a:normAutofit/>
+          </a:bodyPr>
           <a:lstStyle/>
           <a:p>
-            <a:pPr algn="ctr"/>
-            <a:endParaRPr lang="en-US"/>
-          </a:p>
-        </p:txBody>
-      </p:sp>
-      <p:sp>
-        <p:nvSpPr>
-          <p:cNvPr id="24" name="Rectangle 23">
-            <a:extLst>
-              <a:ext uri="{FF2B5EF4-FFF2-40B4-BE49-F238E27FC236}">
-                <a16:creationId xmlns:a16="http://schemas.microsoft.com/office/drawing/2014/main" id="{B19D093C-27FB-4032-B282-42C4563F257C}"/>
-              </a:ext>
-              <a:ext uri="{C183D7F6-B498-43B3-948B-1728B52AA6E4}">
-                <adec:decorative xmlns:adec="http://schemas.microsoft.com/office/drawing/2017/decorative" val="1"/>
-              </a:ext>
-            </a:extLst>
-          </p:cNvPr>
-          <p:cNvSpPr>
-            <a:spLocks noGrp="1" noRot="1" noChangeAspect="1" noMove="1" noResize="1" noEditPoints="1" noAdjustHandles="1" noChangeArrowheads="1" noChangeShapeType="1" noTextEdit="1"/>
-          </p:cNvSpPr>
-          <p:nvPr>
-            <p:extLst>
-              <p:ext uri="{386F3935-93C4-4BCD-93E2-E3B085C9AB24}">
-                <p16:designElem xmlns:p16="http://schemas.microsoft.com/office/powerpoint/2015/main" val="1"/>
-              </p:ext>
-            </p:extLst>
+            <a:r>
+              <a:rPr lang="en-US" sz="4800" dirty="0"/>
+              <a:t>Works Cited</a:t>
+            </a:r>
+            <a:endParaRPr lang="en-US" sz="4800" kern="1200" dirty="0">
+              <a:solidFill>
+                <a:schemeClr val="tx1"/>
+              </a:solidFill>
+              <a:latin typeface="+mj-lt"/>
+              <a:ea typeface="+mj-ea"/>
+              <a:cs typeface="+mj-cs"/>
+            </a:endParaRPr>
+          </a:p>
+        </p:txBody>
+      </p:sp>
+      <p:sp>
+        <p:nvSpPr>
+          <p:cNvPr id="3" name="Vertical Text Placeholder 2">
+            <a:extLst>
+              <a:ext uri="{FF2B5EF4-FFF2-40B4-BE49-F238E27FC236}">
+                <a16:creationId xmlns:a16="http://schemas.microsoft.com/office/drawing/2014/main" id="{E22C2862-EA30-418A-A838-068B5D8EE2A6}"/>
+              </a:ext>
+            </a:extLst>
+          </p:cNvPr>
+          <p:cNvSpPr>
+            <a:spLocks noGrp="1"/>
+          </p:cNvSpPr>
+          <p:nvPr>
+            <p:ph type="body" orient="vert" idx="1"/>
           </p:nvPr>
         </p:nvSpPr>
         <p:spPr>
           <a:xfrm>
-            <a:off x="0" y="0"/>
-            <a:ext cx="4694548" cy="6858000"/>
+            <a:off x="6096000" y="1399032"/>
+            <a:ext cx="5501834" cy="4471416"/>
           </a:xfrm>
-          <a:prstGeom prst="rect">
-            <a:avLst/>
-          </a:prstGeom>
-          <a:solidFill>
-            <a:schemeClr val="tx1"/>
-          </a:solidFill>
-          <a:ln>
-            <a:noFill/>
-          </a:ln>
         </p:spPr>
-        <p:style>
-          <a:lnRef idx="2">
-            <a:schemeClr val="accent1">
-              <a:shade val="50000"/>
-            </a:schemeClr>
-          </a:lnRef>
-          <a:fillRef idx="1">
-            <a:schemeClr val="accent1"/>
-          </a:fillRef>
-          <a:effectRef idx="0">
-            <a:schemeClr val="accent1"/>
-          </a:effectRef>
-          <a:fontRef idx="minor">
-            <a:schemeClr val="lt1"/>
-          </a:fontRef>
-        </p:style>
-        <p:txBody>
-          <a:bodyPr rtlCol="0" anchor="ctr"/>
+        <p:txBody>
+          <a:bodyPr vert="horz" lIns="91440" tIns="45720" rIns="91440" bIns="45720" rtlCol="0" anchor="ctr">
+            <a:normAutofit/>
+          </a:bodyPr>
           <a:lstStyle/>
           <a:p>
-            <a:pPr algn="ctr"/>
-            <a:endParaRPr lang="en-US"/>
-          </a:p>
-        </p:txBody>
-      </p:sp>
-      <p:grpSp>
-        <p:nvGrpSpPr>
-          <p:cNvPr id="26" name="Group 25">
-            <a:extLst>
-              <a:ext uri="{FF2B5EF4-FFF2-40B4-BE49-F238E27FC236}">
-                <a16:creationId xmlns:a16="http://schemas.microsoft.com/office/drawing/2014/main" id="{35EE815E-1BD3-4777-B652-6D98825BF66B}"/>
-              </a:ext>
-              <a:ext uri="{C183D7F6-B498-43B3-948B-1728B52AA6E4}">
-                <adec:decorative xmlns:adec="http://schemas.microsoft.com/office/drawing/2017/decorative" val="1"/>
-              </a:ext>
-            </a:extLst>
-          </p:cNvPr>
-          <p:cNvGrpSpPr>
-            <a:grpSpLocks noGrp="1" noUngrp="1" noRot="1" noChangeAspect="1" noMove="1" noResize="1"/>
-          </p:cNvGrpSpPr>
-          <p:nvPr>
-            <p:extLst>
-              <p:ext uri="{386F3935-93C4-4BCD-93E2-E3B085C9AB24}">
-                <p16:designElem xmlns:p16="http://schemas.microsoft.com/office/powerpoint/2015/main" val="1"/>
-              </p:ext>
-            </p:extLst>
-          </p:nvPr>
-        </p:nvGrpSpPr>
-        <p:grpSpPr>
-          <a:xfrm>
-            <a:off x="767290" y="681628"/>
-            <a:ext cx="1128382" cy="847206"/>
-            <a:chOff x="668003" y="1684057"/>
-            <a:chExt cx="1128382" cy="847206"/>
-          </a:xfrm>
-        </p:grpSpPr>
-        <p:sp>
-          <p:nvSpPr>
-            <p:cNvPr id="27" name="Freeform 5">
-              <a:extLst>
-                <a:ext uri="{FF2B5EF4-FFF2-40B4-BE49-F238E27FC236}">
-                  <a16:creationId xmlns:a16="http://schemas.microsoft.com/office/drawing/2014/main" id="{E6692982-4A7D-4392-87CD-F0CD4B027DDE}"/>
-                </a:ext>
-                <a:ext uri="{C183D7F6-B498-43B3-948B-1728B52AA6E4}">
-                  <adec:decorative xmlns:adec="http://schemas.microsoft.com/office/drawing/2017/decorative" val="1"/>
-                </a:ext>
-              </a:extLst>
-            </p:cNvPr>
-            <p:cNvSpPr>
-              <a:spLocks/>
-            </p:cNvSpPr>
-            <p:nvPr>
-              <p:extLst>
-                <p:ext uri="{386F3935-93C4-4BCD-93E2-E3B085C9AB24}">
-                  <p16:designElem xmlns:p16="http://schemas.microsoft.com/office/powerpoint/2015/main" val="1"/>
-                </p:ext>
-              </p:extLst>
-            </p:nvPr>
-          </p:nvSpPr>
-          <p:spPr bwMode="auto">
-            <a:xfrm>
-              <a:off x="668003" y="1935883"/>
-              <a:ext cx="675351" cy="595380"/>
-            </a:xfrm>
-            <a:custGeom>
-              <a:avLst/>
-              <a:gdLst>
-                <a:gd name="T0" fmla="*/ 225 w 785"/>
-                <a:gd name="T1" fmla="*/ 692 h 692"/>
-                <a:gd name="T2" fmla="*/ 177 w 785"/>
-                <a:gd name="T3" fmla="*/ 665 h 692"/>
-                <a:gd name="T4" fmla="*/ 9 w 785"/>
-                <a:gd name="T5" fmla="*/ 374 h 692"/>
-                <a:gd name="T6" fmla="*/ 9 w 785"/>
-                <a:gd name="T7" fmla="*/ 318 h 692"/>
-                <a:gd name="T8" fmla="*/ 177 w 785"/>
-                <a:gd name="T9" fmla="*/ 27 h 692"/>
-                <a:gd name="T10" fmla="*/ 225 w 785"/>
-                <a:gd name="T11" fmla="*/ 0 h 692"/>
-                <a:gd name="T12" fmla="*/ 561 w 785"/>
-                <a:gd name="T13" fmla="*/ 0 h 692"/>
-                <a:gd name="T14" fmla="*/ 609 w 785"/>
-                <a:gd name="T15" fmla="*/ 27 h 692"/>
-                <a:gd name="T16" fmla="*/ 777 w 785"/>
-                <a:gd name="T17" fmla="*/ 318 h 692"/>
-                <a:gd name="T18" fmla="*/ 777 w 785"/>
-                <a:gd name="T19" fmla="*/ 374 h 692"/>
-                <a:gd name="T20" fmla="*/ 609 w 785"/>
-                <a:gd name="T21" fmla="*/ 665 h 692"/>
-                <a:gd name="T22" fmla="*/ 561 w 785"/>
-                <a:gd name="T23" fmla="*/ 692 h 692"/>
-                <a:gd name="T24" fmla="*/ 225 w 785"/>
-                <a:gd name="T25" fmla="*/ 692 h 692"/>
-              </a:gdLst>
-              <a:ahLst/>
-              <a:cxnLst>
-                <a:cxn ang="0">
-                  <a:pos x="T0" y="T1"/>
-                </a:cxn>
-                <a:cxn ang="0">
-                  <a:pos x="T2" y="T3"/>
-                </a:cxn>
-                <a:cxn ang="0">
-                  <a:pos x="T4" y="T5"/>
-                </a:cxn>
-                <a:cxn ang="0">
-                  <a:pos x="T6" y="T7"/>
-                </a:cxn>
-                <a:cxn ang="0">
-                  <a:pos x="T8" y="T9"/>
-                </a:cxn>
-                <a:cxn ang="0">
-                  <a:pos x="T10" y="T11"/>
-                </a:cxn>
-                <a:cxn ang="0">
-                  <a:pos x="T12" y="T13"/>
-                </a:cxn>
-                <a:cxn ang="0">
-                  <a:pos x="T14" y="T15"/>
-                </a:cxn>
-                <a:cxn ang="0">
-                  <a:pos x="T16" y="T17"/>
-                </a:cxn>
-                <a:cxn ang="0">
-                  <a:pos x="T18" y="T19"/>
-                </a:cxn>
-                <a:cxn ang="0">
-                  <a:pos x="T20" y="T21"/>
-                </a:cxn>
-                <a:cxn ang="0">
-                  <a:pos x="T22" y="T23"/>
-                </a:cxn>
-                <a:cxn ang="0">
-                  <a:pos x="T24" y="T25"/>
-                </a:cxn>
-              </a:cxnLst>
-              <a:rect l="0" t="0" r="r" b="b"/>
-              <a:pathLst>
-                <a:path w="785" h="692">
-                  <a:moveTo>
-                    <a:pt x="225" y="692"/>
-                  </a:moveTo>
-                  <a:cubicBezTo>
-                    <a:pt x="207" y="692"/>
-                    <a:pt x="185" y="680"/>
-                    <a:pt x="177" y="665"/>
-                  </a:cubicBezTo>
-                  <a:cubicBezTo>
-                    <a:pt x="9" y="374"/>
-                    <a:pt x="9" y="374"/>
-                    <a:pt x="9" y="374"/>
-                  </a:cubicBezTo>
-                  <a:cubicBezTo>
-                    <a:pt x="0" y="358"/>
-                    <a:pt x="0" y="334"/>
-                    <a:pt x="9" y="318"/>
-                  </a:cubicBezTo>
-                  <a:cubicBezTo>
-                    <a:pt x="177" y="27"/>
-                    <a:pt x="177" y="27"/>
-                    <a:pt x="177" y="27"/>
-                  </a:cubicBezTo>
-                  <a:cubicBezTo>
-                    <a:pt x="185" y="12"/>
-                    <a:pt x="207" y="0"/>
-                    <a:pt x="225" y="0"/>
-                  </a:cubicBezTo>
-                  <a:cubicBezTo>
-                    <a:pt x="561" y="0"/>
-                    <a:pt x="561" y="0"/>
-                    <a:pt x="561" y="0"/>
-                  </a:cubicBezTo>
-                  <a:cubicBezTo>
-                    <a:pt x="578" y="0"/>
-                    <a:pt x="600" y="12"/>
-                    <a:pt x="609" y="27"/>
-                  </a:cubicBezTo>
-                  <a:cubicBezTo>
-                    <a:pt x="777" y="318"/>
-                    <a:pt x="777" y="318"/>
-                    <a:pt x="777" y="318"/>
-                  </a:cubicBezTo>
-                  <a:cubicBezTo>
-                    <a:pt x="785" y="334"/>
-                    <a:pt x="785" y="358"/>
-                    <a:pt x="777" y="374"/>
-                  </a:cubicBezTo>
-                  <a:cubicBezTo>
-                    <a:pt x="609" y="665"/>
-                    <a:pt x="609" y="665"/>
-                    <a:pt x="609" y="665"/>
-                  </a:cubicBezTo>
-                  <a:cubicBezTo>
-                    <a:pt x="600" y="680"/>
-                    <a:pt x="578" y="692"/>
-                    <a:pt x="561" y="692"/>
-                  </a:cubicBezTo>
-                  <a:lnTo>
-                    <a:pt x="225" y="692"/>
-                  </a:lnTo>
-                  <a:close/>
-                </a:path>
-              </a:pathLst>
-            </a:custGeom>
-            <a:noFill/>
-            <a:ln w="28575" cmpd="sng">
+            <a:r>
+              <a:rPr lang="en-US" sz="2400" dirty="0">
+                <a:hlinkClick r:id="rId2"/>
+              </a:rPr>
+              <a:t>https://medium.com/@sagarajkt/the-fundamentals-of-front-end-and-back-end-development-5973ac0910cf#:~:text=Front%2Dend%20is%20also%20referred,HTML%2C%20CSS%2C%20and%20JavaScript.</a:t>
+            </a:r>
+            <a:endParaRPr lang="en-US" sz="1800" dirty="0">
               <a:solidFill>
                 <a:schemeClr val="bg1"/>
               </a:solidFill>
-            </a:ln>
-          </p:spPr>
-          <p:txBody>
-            <a:bodyPr vert="horz" wrap="square" lIns="91440" tIns="45720" rIns="91440" bIns="45720" numCol="1" anchor="t" anchorCtr="0" compatLnSpc="1">
-              <a:prstTxWarp prst="textNoShape">
-                <a:avLst/>
-              </a:prstTxWarp>
-            </a:bodyPr>
-            <a:lstStyle/>
-            <a:p>
-              <a:endParaRPr lang="en-US"/>
-            </a:p>
-          </p:txBody>
-        </p:sp>
-        <p:sp>
-          <p:nvSpPr>
-            <p:cNvPr id="28" name="Freeform 5">
-              <a:extLst>
-                <a:ext uri="{FF2B5EF4-FFF2-40B4-BE49-F238E27FC236}">
-                  <a16:creationId xmlns:a16="http://schemas.microsoft.com/office/drawing/2014/main" id="{196485F7-F277-4123-AC53-98EA4C858774}"/>
-                </a:ext>
-                <a:ext uri="{C183D7F6-B498-43B3-948B-1728B52AA6E4}">
-                  <adec:decorative xmlns:adec="http://schemas.microsoft.com/office/drawing/2017/decorative" val="1"/>
-                </a:ext>
-              </a:extLst>
-            </p:cNvPr>
-            <p:cNvSpPr>
-              <a:spLocks/>
-            </p:cNvSpPr>
-            <p:nvPr>
-              <p:extLst>
-                <p:ext uri="{386F3935-93C4-4BCD-93E2-E3B085C9AB24}">
-                  <p16:designElem xmlns:p16="http://schemas.microsoft.com/office/powerpoint/2015/main" val="1"/>
-                </p:ext>
-              </p:extLst>
-            </p:nvPr>
-          </p:nvSpPr>
-          <p:spPr bwMode="auto">
-            <a:xfrm>
-              <a:off x="1245893" y="1684057"/>
-              <a:ext cx="550492" cy="485306"/>
-            </a:xfrm>
-            <a:custGeom>
-              <a:avLst/>
-              <a:gdLst>
-                <a:gd name="T0" fmla="*/ 225 w 785"/>
-                <a:gd name="T1" fmla="*/ 692 h 692"/>
-                <a:gd name="T2" fmla="*/ 177 w 785"/>
-                <a:gd name="T3" fmla="*/ 665 h 692"/>
-                <a:gd name="T4" fmla="*/ 9 w 785"/>
-                <a:gd name="T5" fmla="*/ 374 h 692"/>
-                <a:gd name="T6" fmla="*/ 9 w 785"/>
-                <a:gd name="T7" fmla="*/ 318 h 692"/>
-                <a:gd name="T8" fmla="*/ 177 w 785"/>
-                <a:gd name="T9" fmla="*/ 27 h 692"/>
-                <a:gd name="T10" fmla="*/ 225 w 785"/>
-                <a:gd name="T11" fmla="*/ 0 h 692"/>
-                <a:gd name="T12" fmla="*/ 561 w 785"/>
-                <a:gd name="T13" fmla="*/ 0 h 692"/>
-                <a:gd name="T14" fmla="*/ 609 w 785"/>
-                <a:gd name="T15" fmla="*/ 27 h 692"/>
-                <a:gd name="T16" fmla="*/ 777 w 785"/>
-                <a:gd name="T17" fmla="*/ 318 h 692"/>
-                <a:gd name="T18" fmla="*/ 777 w 785"/>
-                <a:gd name="T19" fmla="*/ 374 h 692"/>
-                <a:gd name="T20" fmla="*/ 609 w 785"/>
-                <a:gd name="T21" fmla="*/ 665 h 692"/>
-                <a:gd name="T22" fmla="*/ 561 w 785"/>
-                <a:gd name="T23" fmla="*/ 692 h 692"/>
-                <a:gd name="T24" fmla="*/ 225 w 785"/>
-                <a:gd name="T25" fmla="*/ 692 h 692"/>
-              </a:gdLst>
-              <a:ahLst/>
-              <a:cxnLst>
-                <a:cxn ang="0">
-                  <a:pos x="T0" y="T1"/>
-                </a:cxn>
-                <a:cxn ang="0">
-                  <a:pos x="T2" y="T3"/>
-                </a:cxn>
-                <a:cxn ang="0">
-                  <a:pos x="T4" y="T5"/>
-                </a:cxn>
-                <a:cxn ang="0">
-                  <a:pos x="T6" y="T7"/>
-                </a:cxn>
-                <a:cxn ang="0">
-                  <a:pos x="T8" y="T9"/>
-                </a:cxn>
-                <a:cxn ang="0">
-                  <a:pos x="T10" y="T11"/>
-                </a:cxn>
-                <a:cxn ang="0">
-                  <a:pos x="T12" y="T13"/>
-                </a:cxn>
-                <a:cxn ang="0">
-                  <a:pos x="T14" y="T15"/>
-                </a:cxn>
-                <a:cxn ang="0">
-                  <a:pos x="T16" y="T17"/>
-                </a:cxn>
-                <a:cxn ang="0">
-                  <a:pos x="T18" y="T19"/>
-                </a:cxn>
-                <a:cxn ang="0">
-                  <a:pos x="T20" y="T21"/>
-                </a:cxn>
-                <a:cxn ang="0">
-                  <a:pos x="T22" y="T23"/>
-                </a:cxn>
-                <a:cxn ang="0">
-                  <a:pos x="T24" y="T25"/>
-                </a:cxn>
-              </a:cxnLst>
-              <a:rect l="0" t="0" r="r" b="b"/>
-              <a:pathLst>
-                <a:path w="785" h="692">
-                  <a:moveTo>
-                    <a:pt x="225" y="692"/>
-                  </a:moveTo>
-                  <a:cubicBezTo>
-                    <a:pt x="207" y="692"/>
-                    <a:pt x="185" y="680"/>
-                    <a:pt x="177" y="665"/>
-                  </a:cubicBezTo>
-                  <a:cubicBezTo>
-                    <a:pt x="9" y="374"/>
-                    <a:pt x="9" y="374"/>
-                    <a:pt x="9" y="374"/>
-                  </a:cubicBezTo>
-                  <a:cubicBezTo>
-                    <a:pt x="0" y="358"/>
-                    <a:pt x="0" y="334"/>
-                    <a:pt x="9" y="318"/>
-                  </a:cubicBezTo>
-                  <a:cubicBezTo>
-                    <a:pt x="177" y="27"/>
-                    <a:pt x="177" y="27"/>
-                    <a:pt x="177" y="27"/>
-                  </a:cubicBezTo>
-                  <a:cubicBezTo>
-                    <a:pt x="185" y="12"/>
-                    <a:pt x="207" y="0"/>
-                    <a:pt x="225" y="0"/>
-                  </a:cubicBezTo>
-                  <a:cubicBezTo>
-                    <a:pt x="561" y="0"/>
-                    <a:pt x="561" y="0"/>
-                    <a:pt x="561" y="0"/>
-                  </a:cubicBezTo>
-                  <a:cubicBezTo>
-                    <a:pt x="578" y="0"/>
-                    <a:pt x="600" y="12"/>
-                    <a:pt x="609" y="27"/>
-                  </a:cubicBezTo>
-                  <a:cubicBezTo>
-                    <a:pt x="777" y="318"/>
-                    <a:pt x="777" y="318"/>
-                    <a:pt x="777" y="318"/>
-                  </a:cubicBezTo>
-                  <a:cubicBezTo>
-                    <a:pt x="785" y="334"/>
-                    <a:pt x="785" y="358"/>
-                    <a:pt x="777" y="374"/>
-                  </a:cubicBezTo>
-                  <a:cubicBezTo>
-                    <a:pt x="609" y="665"/>
-                    <a:pt x="609" y="665"/>
-                    <a:pt x="609" y="665"/>
-                  </a:cubicBezTo>
-                  <a:cubicBezTo>
-                    <a:pt x="600" y="680"/>
-                    <a:pt x="578" y="692"/>
-                    <a:pt x="561" y="692"/>
-                  </a:cubicBezTo>
-                  <a:lnTo>
-                    <a:pt x="225" y="692"/>
-                  </a:lnTo>
-                  <a:close/>
-                </a:path>
-              </a:pathLst>
-            </a:custGeom>
-            <a:noFill/>
-            <a:ln w="28575" cmpd="sng">
-              <a:solidFill>
-                <a:schemeClr val="bg1"/>
-              </a:solidFill>
-            </a:ln>
-          </p:spPr>
-          <p:txBody>
-            <a:bodyPr vert="horz" wrap="square" lIns="91440" tIns="45720" rIns="91440" bIns="45720" numCol="1" anchor="t" anchorCtr="0" compatLnSpc="1">
-              <a:prstTxWarp prst="textNoShape">
-                <a:avLst/>
-              </a:prstTxWarp>
-            </a:bodyPr>
-            <a:lstStyle/>
-            <a:p>
-              <a:endParaRPr lang="en-US"/>
-            </a:p>
-          </p:txBody>
-        </p:sp>
-      </p:grpSp>
-      <p:sp>
-        <p:nvSpPr>
-          <p:cNvPr id="2" name="Title 1">
-            <a:extLst>
-              <a:ext uri="{FF2B5EF4-FFF2-40B4-BE49-F238E27FC236}">
-                <a16:creationId xmlns:a16="http://schemas.microsoft.com/office/drawing/2014/main" id="{D510981B-E788-4067-9E42-5D35006E0C19}"/>
-              </a:ext>
-            </a:extLst>
-          </p:cNvPr>
-          <p:cNvSpPr>
-            <a:spLocks noGrp="1"/>
-          </p:cNvSpPr>
-          <p:nvPr>
-            <p:ph type="title"/>
-          </p:nvPr>
-        </p:nvSpPr>
-        <p:spPr>
-          <a:xfrm>
-            <a:off x="767290" y="1166932"/>
-            <a:ext cx="3582073" cy="4279709"/>
-          </a:xfrm>
-        </p:spPr>
-        <p:txBody>
-          <a:bodyPr anchor="ctr">
-            <a:normAutofit/>
-          </a:bodyPr>
-          <a:lstStyle/>
-          <a:p>
-            <a:r>
-              <a:rPr lang="en-US" sz="4800">
-                <a:solidFill>
-                  <a:schemeClr val="bg1"/>
-                </a:solidFill>
-              </a:rPr>
-              <a:t>Agenda</a:t>
-            </a:r>
-          </a:p>
-        </p:txBody>
-      </p:sp>
-      <p:sp>
-        <p:nvSpPr>
-          <p:cNvPr id="5" name="Content Placeholder 4">
-            <a:extLst>
-              <a:ext uri="{FF2B5EF4-FFF2-40B4-BE49-F238E27FC236}">
-                <a16:creationId xmlns:a16="http://schemas.microsoft.com/office/drawing/2014/main" id="{EAC78294-B743-4998-871C-4913672E2C85}"/>
-              </a:ext>
-            </a:extLst>
-          </p:cNvPr>
-          <p:cNvSpPr>
-            <a:spLocks noGrp="1"/>
-          </p:cNvSpPr>
-          <p:nvPr>
-            <p:ph idx="1"/>
-          </p:nvPr>
-        </p:nvSpPr>
-        <p:spPr>
-          <a:xfrm>
-            <a:off x="5573864" y="1166933"/>
-            <a:ext cx="5716988" cy="4279709"/>
-          </a:xfrm>
-        </p:spPr>
-        <p:txBody>
-          <a:bodyPr anchor="ctr">
-            <a:normAutofit/>
-          </a:bodyPr>
-          <a:lstStyle/>
-          <a:p>
-            <a:r>
-              <a:rPr lang="en-US" sz="2400" dirty="0"/>
-              <a:t>Lesson – Websites</a:t>
-            </a:r>
-          </a:p>
-          <a:p>
-            <a:r>
-              <a:rPr lang="en-US" sz="2400" dirty="0"/>
-              <a:t>Exercise – Setup your own webserver</a:t>
-            </a:r>
-          </a:p>
-          <a:p>
-            <a:r>
-              <a:rPr lang="en-US" sz="2400" dirty="0"/>
-              <a:t>Practical - </a:t>
-            </a:r>
+            </a:endParaRPr>
           </a:p>
         </p:txBody>
       </p:sp>
     </p:spTree>
     <p:extLst>
       <p:ext uri="{BB962C8B-B14F-4D97-AF65-F5344CB8AC3E}">
-        <p14:creationId xmlns:p14="http://schemas.microsoft.com/office/powerpoint/2010/main" val="1475305726"/>
+        <p14:creationId xmlns:p14="http://schemas.microsoft.com/office/powerpoint/2010/main" val="542968107"/>
       </p:ext>
     </p:extLst>
   </p:cSld>
@@ -4919,8 +7103,8 @@
 </p:sld>
 </file>
 
-<file path=ppt/slides/slide3.xml><?xml version="1.0" encoding="utf-8"?>
-<p:sld xmlns:a="http://schemas.openxmlformats.org/drawingml/2006/main" xmlns:r="http://schemas.openxmlformats.org/officeDocument/2006/relationships" xmlns:p="http://schemas.openxmlformats.org/presentationml/2006/main">
+<file path=ppt/slides/slide8.xml><?xml version="1.0" encoding="utf-8"?>
+<p:sld xmlns:a="http://schemas.openxmlformats.org/drawingml/2006/main" xmlns:r="http://schemas.openxmlformats.org/officeDocument/2006/relationships" xmlns:p="http://schemas.openxmlformats.org/presentationml/2006/main" show="0">
   <p:cSld>
     <p:bg>
       <p:bgPr>
@@ -4965,476 +7149,6 @@
         </p:nvSpPr>
         <p:spPr>
           <a:xfrm>
-            <a:off x="762001" y="803325"/>
-            <a:ext cx="5314536" cy="1325563"/>
-          </a:xfrm>
-        </p:spPr>
-        <p:txBody>
-          <a:bodyPr>
-            <a:normAutofit/>
-          </a:bodyPr>
-          <a:lstStyle/>
-          <a:p>
-            <a:r>
-              <a:rPr lang="en-US" sz="6000" dirty="0"/>
-              <a:t>Admin Notes</a:t>
-            </a:r>
-          </a:p>
-        </p:txBody>
-      </p:sp>
-      <p:sp>
-        <p:nvSpPr>
-          <p:cNvPr id="3" name="Content Placeholder 2">
-            <a:extLst>
-              <a:ext uri="{FF2B5EF4-FFF2-40B4-BE49-F238E27FC236}">
-                <a16:creationId xmlns:a16="http://schemas.microsoft.com/office/drawing/2014/main" id="{BEC1F758-E39A-4B4E-BBCD-6BEA902E48D4}"/>
-              </a:ext>
-            </a:extLst>
-          </p:cNvPr>
-          <p:cNvSpPr>
-            <a:spLocks noGrp="1"/>
-          </p:cNvSpPr>
-          <p:nvPr>
-            <p:ph idx="1"/>
-          </p:nvPr>
-        </p:nvSpPr>
-        <p:spPr>
-          <a:xfrm>
-            <a:off x="762000" y="2279018"/>
-            <a:ext cx="5314543" cy="3375920"/>
-          </a:xfrm>
-        </p:spPr>
-        <p:txBody>
-          <a:bodyPr anchor="t">
-            <a:normAutofit/>
-          </a:bodyPr>
-          <a:lstStyle/>
-          <a:p>
-            <a:r>
-              <a:rPr lang="en-US" sz="3200" dirty="0"/>
-              <a:t>Sam Burger becomes CIC 2</a:t>
-            </a:r>
-            <a:r>
-              <a:rPr lang="en-US" sz="3200" baseline="30000" dirty="0"/>
-              <a:t>nd</a:t>
-            </a:r>
-            <a:r>
-              <a:rPr lang="en-US" sz="3200" dirty="0"/>
-              <a:t> semester</a:t>
-            </a:r>
-          </a:p>
-          <a:p>
-            <a:r>
-              <a:rPr lang="en-US" sz="3200" dirty="0"/>
-              <a:t>Nzia &amp; Daniel are ACICs</a:t>
-            </a:r>
-          </a:p>
-          <a:p>
-            <a:r>
-              <a:rPr lang="en-US" sz="3200" dirty="0"/>
-              <a:t>We have a GitHub website</a:t>
-            </a:r>
-          </a:p>
-          <a:p>
-            <a:pPr lvl="1"/>
-            <a:r>
-              <a:rPr lang="en-US" sz="3200" dirty="0"/>
-              <a:t>Need to continue to add content and lessons</a:t>
-            </a:r>
-          </a:p>
-        </p:txBody>
-      </p:sp>
-      <p:sp>
-        <p:nvSpPr>
-          <p:cNvPr id="63" name="Freeform: Shape 33">
-            <a:extLst>
-              <a:ext uri="{FF2B5EF4-FFF2-40B4-BE49-F238E27FC236}">
-                <a16:creationId xmlns:a16="http://schemas.microsoft.com/office/drawing/2014/main" id="{CF62D2A7-8207-488C-9F46-316BA81A16C8}"/>
-              </a:ext>
-              <a:ext uri="{C183D7F6-B498-43B3-948B-1728B52AA6E4}">
-                <adec:decorative xmlns:adec="http://schemas.microsoft.com/office/drawing/2017/decorative" val="1"/>
-              </a:ext>
-            </a:extLst>
-          </p:cNvPr>
-          <p:cNvSpPr>
-            <a:spLocks noGrp="1" noRot="1" noChangeAspect="1" noMove="1" noResize="1" noEditPoints="1" noAdjustHandles="1" noChangeArrowheads="1" noChangeShapeType="1" noTextEdit="1"/>
-          </p:cNvSpPr>
-          <p:nvPr>
-            <p:extLst>
-              <p:ext uri="{386F3935-93C4-4BCD-93E2-E3B085C9AB24}">
-                <p16:designElem xmlns:p16="http://schemas.microsoft.com/office/powerpoint/2015/main" val="1"/>
-              </p:ext>
-            </p:extLst>
-          </p:nvPr>
-        </p:nvSpPr>
-        <p:spPr>
-          <a:xfrm flipH="1">
-            <a:off x="6582780" y="-2008"/>
-            <a:ext cx="5609220" cy="5840278"/>
-          </a:xfrm>
-          <a:custGeom>
-            <a:avLst/>
-            <a:gdLst>
-              <a:gd name="connsiteX0" fmla="*/ 0 w 5609220"/>
-              <a:gd name="connsiteY0" fmla="*/ 0 h 5840278"/>
-              <a:gd name="connsiteX1" fmla="*/ 4637091 w 5609220"/>
-              <a:gd name="connsiteY1" fmla="*/ 0 h 5840278"/>
-              <a:gd name="connsiteX2" fmla="*/ 4822569 w 5609220"/>
-              <a:gd name="connsiteY2" fmla="*/ 204077 h 5840278"/>
-              <a:gd name="connsiteX3" fmla="*/ 5609220 w 5609220"/>
-              <a:gd name="connsiteY3" fmla="*/ 2395363 h 5840278"/>
-              <a:gd name="connsiteX4" fmla="*/ 2164305 w 5609220"/>
-              <a:gd name="connsiteY4" fmla="*/ 5840278 h 5840278"/>
-              <a:gd name="connsiteX5" fmla="*/ 238220 w 5609220"/>
-              <a:gd name="connsiteY5" fmla="*/ 5251941 h 5840278"/>
-              <a:gd name="connsiteX6" fmla="*/ 0 w 5609220"/>
-              <a:gd name="connsiteY6" fmla="*/ 5073803 h 5840278"/>
-            </a:gdLst>
-            <a:ahLst/>
-            <a:cxnLst>
-              <a:cxn ang="0">
-                <a:pos x="connsiteX0" y="connsiteY0"/>
-              </a:cxn>
-              <a:cxn ang="0">
-                <a:pos x="connsiteX1" y="connsiteY1"/>
-              </a:cxn>
-              <a:cxn ang="0">
-                <a:pos x="connsiteX2" y="connsiteY2"/>
-              </a:cxn>
-              <a:cxn ang="0">
-                <a:pos x="connsiteX3" y="connsiteY3"/>
-              </a:cxn>
-              <a:cxn ang="0">
-                <a:pos x="connsiteX4" y="connsiteY4"/>
-              </a:cxn>
-              <a:cxn ang="0">
-                <a:pos x="connsiteX5" y="connsiteY5"/>
-              </a:cxn>
-              <a:cxn ang="0">
-                <a:pos x="connsiteX6" y="connsiteY6"/>
-              </a:cxn>
-            </a:cxnLst>
-            <a:rect l="l" t="t" r="r" b="b"/>
-            <a:pathLst>
-              <a:path w="5609220" h="5840278">
-                <a:moveTo>
-                  <a:pt x="0" y="0"/>
-                </a:moveTo>
-                <a:lnTo>
-                  <a:pt x="4637091" y="0"/>
-                </a:lnTo>
-                <a:lnTo>
-                  <a:pt x="4822569" y="204077"/>
-                </a:lnTo>
-                <a:cubicBezTo>
-                  <a:pt x="5314007" y="799562"/>
-                  <a:pt x="5609220" y="1562987"/>
-                  <a:pt x="5609220" y="2395363"/>
-                </a:cubicBezTo>
-                <a:cubicBezTo>
-                  <a:pt x="5609220" y="4297937"/>
-                  <a:pt x="4066879" y="5840278"/>
-                  <a:pt x="2164305" y="5840278"/>
-                </a:cubicBezTo>
-                <a:cubicBezTo>
-                  <a:pt x="1450840" y="5840278"/>
-                  <a:pt x="788032" y="5623387"/>
-                  <a:pt x="238220" y="5251941"/>
-                </a:cubicBezTo>
-                <a:lnTo>
-                  <a:pt x="0" y="5073803"/>
-                </a:lnTo>
-                <a:close/>
-              </a:path>
-            </a:pathLst>
-          </a:custGeom>
-          <a:solidFill>
-            <a:srgbClr val="FFFFFF">
-              <a:alpha val="80000"/>
-            </a:srgbClr>
-          </a:solidFill>
-          <a:ln>
-            <a:noFill/>
-          </a:ln>
-        </p:spPr>
-        <p:style>
-          <a:lnRef idx="2">
-            <a:schemeClr val="accent1">
-              <a:shade val="50000"/>
-            </a:schemeClr>
-          </a:lnRef>
-          <a:fillRef idx="1">
-            <a:schemeClr val="accent1"/>
-          </a:fillRef>
-          <a:effectRef idx="0">
-            <a:schemeClr val="accent1"/>
-          </a:effectRef>
-          <a:fontRef idx="minor">
-            <a:schemeClr val="lt1"/>
-          </a:fontRef>
-        </p:style>
-        <p:txBody>
-          <a:bodyPr rtlCol="0" anchor="ctr"/>
-          <a:lstStyle/>
-          <a:p>
-            <a:pPr marL="0" marR="0" lvl="0" indent="0" algn="ctr" defTabSz="914400" rtl="0" eaLnBrk="1" fontAlgn="auto" latinLnBrk="0" hangingPunct="1">
-              <a:lnSpc>
-                <a:spcPct val="100000"/>
-              </a:lnSpc>
-              <a:spcBef>
-                <a:spcPts val="0"/>
-              </a:spcBef>
-              <a:spcAft>
-                <a:spcPts val="0"/>
-              </a:spcAft>
-              <a:buClrTx/>
-              <a:buSzTx/>
-              <a:buFontTx/>
-              <a:buNone/>
-              <a:tabLst/>
-              <a:defRPr/>
-            </a:pPr>
-            <a:endParaRPr kumimoji="0" lang="en-US" sz="1800" b="0" i="0" u="none" strike="noStrike" kern="1200" cap="none" spc="0" normalizeH="0" baseline="0" noProof="0">
-              <a:ln>
-                <a:noFill/>
-              </a:ln>
-              <a:solidFill>
-                <a:prstClr val="white"/>
-              </a:solidFill>
-              <a:effectLst/>
-              <a:uLnTx/>
-              <a:uFillTx/>
-              <a:latin typeface="Calibri" panose="020F0502020204030204"/>
-              <a:ea typeface="+mn-ea"/>
-              <a:cs typeface="+mn-cs"/>
-            </a:endParaRPr>
-          </a:p>
-        </p:txBody>
-      </p:sp>
-      <p:sp>
-        <p:nvSpPr>
-          <p:cNvPr id="64" name="Freeform: Shape 35">
-            <a:extLst>
-              <a:ext uri="{FF2B5EF4-FFF2-40B4-BE49-F238E27FC236}">
-                <a16:creationId xmlns:a16="http://schemas.microsoft.com/office/drawing/2014/main" id="{52AC6D7F-F068-4E11-BB06-F601D89BB980}"/>
-              </a:ext>
-              <a:ext uri="{C183D7F6-B498-43B3-948B-1728B52AA6E4}">
-                <adec:decorative xmlns:adec="http://schemas.microsoft.com/office/drawing/2017/decorative" val="1"/>
-              </a:ext>
-            </a:extLst>
-          </p:cNvPr>
-          <p:cNvSpPr>
-            <a:spLocks noGrp="1" noRot="1" noChangeAspect="1" noMove="1" noResize="1" noEditPoints="1" noAdjustHandles="1" noChangeArrowheads="1" noChangeShapeType="1" noTextEdit="1"/>
-          </p:cNvSpPr>
-          <p:nvPr>
-            <p:extLst>
-              <p:ext uri="{386F3935-93C4-4BCD-93E2-E3B085C9AB24}">
-                <p16:designElem xmlns:p16="http://schemas.microsoft.com/office/powerpoint/2015/main" val="1"/>
-              </p:ext>
-            </p:extLst>
-          </p:nvPr>
-        </p:nvSpPr>
-        <p:spPr>
-          <a:xfrm>
-            <a:off x="6750141" y="-2"/>
-            <a:ext cx="5441859" cy="5654940"/>
-          </a:xfrm>
-          <a:custGeom>
-            <a:avLst/>
-            <a:gdLst>
-              <a:gd name="connsiteX0" fmla="*/ 1041368 w 5441859"/>
-              <a:gd name="connsiteY0" fmla="*/ 0 h 5654940"/>
-              <a:gd name="connsiteX1" fmla="*/ 5441859 w 5441859"/>
-              <a:gd name="connsiteY1" fmla="*/ 0 h 5654940"/>
-              <a:gd name="connsiteX2" fmla="*/ 5441859 w 5441859"/>
-              <a:gd name="connsiteY2" fmla="*/ 4820612 h 5654940"/>
-              <a:gd name="connsiteX3" fmla="*/ 5285166 w 5441859"/>
-              <a:gd name="connsiteY3" fmla="*/ 4957981 h 5654940"/>
-              <a:gd name="connsiteX4" fmla="*/ 3267719 w 5441859"/>
-              <a:gd name="connsiteY4" fmla="*/ 5654940 h 5654940"/>
-              <a:gd name="connsiteX5" fmla="*/ 0 w 5441859"/>
-              <a:gd name="connsiteY5" fmla="*/ 2387221 h 5654940"/>
-              <a:gd name="connsiteX6" fmla="*/ 957093 w 5441859"/>
-              <a:gd name="connsiteY6" fmla="*/ 76595 h 5654940"/>
-            </a:gdLst>
-            <a:ahLst/>
-            <a:cxnLst>
-              <a:cxn ang="0">
-                <a:pos x="connsiteX0" y="connsiteY0"/>
-              </a:cxn>
-              <a:cxn ang="0">
-                <a:pos x="connsiteX1" y="connsiteY1"/>
-              </a:cxn>
-              <a:cxn ang="0">
-                <a:pos x="connsiteX2" y="connsiteY2"/>
-              </a:cxn>
-              <a:cxn ang="0">
-                <a:pos x="connsiteX3" y="connsiteY3"/>
-              </a:cxn>
-              <a:cxn ang="0">
-                <a:pos x="connsiteX4" y="connsiteY4"/>
-              </a:cxn>
-              <a:cxn ang="0">
-                <a:pos x="connsiteX5" y="connsiteY5"/>
-              </a:cxn>
-              <a:cxn ang="0">
-                <a:pos x="connsiteX6" y="connsiteY6"/>
-              </a:cxn>
-            </a:cxnLst>
-            <a:rect l="l" t="t" r="r" b="b"/>
-            <a:pathLst>
-              <a:path w="5441859" h="5654940">
-                <a:moveTo>
-                  <a:pt x="1041368" y="0"/>
-                </a:moveTo>
-                <a:lnTo>
-                  <a:pt x="5441859" y="0"/>
-                </a:lnTo>
-                <a:lnTo>
-                  <a:pt x="5441859" y="4820612"/>
-                </a:lnTo>
-                <a:lnTo>
-                  <a:pt x="5285166" y="4957981"/>
-                </a:lnTo>
-                <a:cubicBezTo>
-                  <a:pt x="4729628" y="5394557"/>
-                  <a:pt x="4029081" y="5654940"/>
-                  <a:pt x="3267719" y="5654940"/>
-                </a:cubicBezTo>
-                <a:cubicBezTo>
-                  <a:pt x="1463008" y="5654940"/>
-                  <a:pt x="0" y="4191932"/>
-                  <a:pt x="0" y="2387221"/>
-                </a:cubicBezTo>
-                <a:cubicBezTo>
-                  <a:pt x="0" y="1484866"/>
-                  <a:pt x="365752" y="667936"/>
-                  <a:pt x="957093" y="76595"/>
-                </a:cubicBezTo>
-                <a:close/>
-              </a:path>
-            </a:pathLst>
-          </a:custGeom>
-          <a:solidFill>
-            <a:schemeClr val="tx1"/>
-          </a:solidFill>
-          <a:ln>
-            <a:noFill/>
-          </a:ln>
-        </p:spPr>
-        <p:style>
-          <a:lnRef idx="2">
-            <a:schemeClr val="accent1">
-              <a:shade val="50000"/>
-            </a:schemeClr>
-          </a:lnRef>
-          <a:fillRef idx="1">
-            <a:schemeClr val="accent1"/>
-          </a:fillRef>
-          <a:effectRef idx="0">
-            <a:schemeClr val="accent1"/>
-          </a:effectRef>
-          <a:fontRef idx="minor">
-            <a:schemeClr val="lt1"/>
-          </a:fontRef>
-        </p:style>
-        <p:txBody>
-          <a:bodyPr rtlCol="0" anchor="ctr"/>
-          <a:lstStyle/>
-          <a:p>
-            <a:pPr marL="0" marR="0" lvl="0" indent="0" algn="ctr" defTabSz="914400" rtl="0" eaLnBrk="1" fontAlgn="auto" latinLnBrk="0" hangingPunct="1">
-              <a:lnSpc>
-                <a:spcPct val="100000"/>
-              </a:lnSpc>
-              <a:spcBef>
-                <a:spcPts val="0"/>
-              </a:spcBef>
-              <a:spcAft>
-                <a:spcPts val="0"/>
-              </a:spcAft>
-              <a:buClrTx/>
-              <a:buSzTx/>
-              <a:buFontTx/>
-              <a:buNone/>
-              <a:tabLst/>
-              <a:defRPr/>
-            </a:pPr>
-            <a:endParaRPr kumimoji="0" lang="en-US" sz="1800" b="0" i="0" u="none" strike="noStrike" kern="1200" cap="none" spc="0" normalizeH="0" baseline="0" noProof="0">
-              <a:ln>
-                <a:noFill/>
-              </a:ln>
-              <a:solidFill>
-                <a:prstClr val="white"/>
-              </a:solidFill>
-              <a:effectLst/>
-              <a:uLnTx/>
-              <a:uFillTx/>
-              <a:latin typeface="Calibri" panose="020F0502020204030204"/>
-              <a:ea typeface="+mn-ea"/>
-              <a:cs typeface="+mn-cs"/>
-            </a:endParaRPr>
-          </a:p>
-        </p:txBody>
-      </p:sp>
-    </p:spTree>
-    <p:extLst>
-      <p:ext uri="{BB962C8B-B14F-4D97-AF65-F5344CB8AC3E}">
-        <p14:creationId xmlns:p14="http://schemas.microsoft.com/office/powerpoint/2010/main" val="2468741114"/>
-      </p:ext>
-    </p:extLst>
-  </p:cSld>
-  <p:clrMapOvr>
-    <a:overrideClrMapping bg1="dk1" tx1="lt1" bg2="dk2" tx2="lt2" accent1="accent1" accent2="accent2" accent3="accent3" accent4="accent4" accent5="accent5" accent6="accent6" hlink="hlink" folHlink="folHlink"/>
-  </p:clrMapOvr>
-</p:sld>
-</file>
-
-<file path=ppt/slides/slide4.xml><?xml version="1.0" encoding="utf-8"?>
-<p:sld xmlns:a="http://schemas.openxmlformats.org/drawingml/2006/main" xmlns:r="http://schemas.openxmlformats.org/officeDocument/2006/relationships" xmlns:p="http://schemas.openxmlformats.org/presentationml/2006/main">
-  <p:cSld>
-    <p:bg>
-      <p:bgPr>
-        <a:solidFill>
-          <a:schemeClr val="bg1">
-            <a:tint val="95000"/>
-            <a:satMod val="170000"/>
-          </a:schemeClr>
-        </a:solidFill>
-        <a:effectLst/>
-      </p:bgPr>
-    </p:bg>
-    <p:spTree>
-      <p:nvGrpSpPr>
-        <p:cNvPr id="1" name=""/>
-        <p:cNvGrpSpPr/>
-        <p:nvPr/>
-      </p:nvGrpSpPr>
-      <p:grpSpPr>
-        <a:xfrm>
-          <a:off x="0" y="0"/>
-          <a:ext cx="0" cy="0"/>
-          <a:chOff x="0" y="0"/>
-          <a:chExt cx="0" cy="0"/>
-        </a:xfrm>
-      </p:grpSpPr>
-      <p:sp>
-        <p:nvSpPr>
-          <p:cNvPr id="2" name="Title 1">
-            <a:extLst>
-              <a:ext uri="{FF2B5EF4-FFF2-40B4-BE49-F238E27FC236}">
-                <a16:creationId xmlns:a16="http://schemas.microsoft.com/office/drawing/2014/main" id="{04D8EB1F-9B93-434E-B1E5-F0E926C73099}"/>
-              </a:ext>
-            </a:extLst>
-          </p:cNvPr>
-          <p:cNvSpPr>
-            <a:spLocks noGrp="1"/>
-          </p:cNvSpPr>
-          <p:nvPr>
-            <p:ph type="title"/>
-          </p:nvPr>
-        </p:nvSpPr>
-        <p:spPr>
-          <a:xfrm>
             <a:off x="804673" y="1445494"/>
             <a:ext cx="3616856" cy="4376572"/>
           </a:xfrm>
@@ -5446,19 +7160,15 @@
           <a:lstStyle/>
           <a:p>
             <a:r>
-              <a:rPr lang="en-US" sz="4800" dirty="0"/>
-              <a:t>Irregular Warfare Group</a:t>
-            </a:r>
-            <a:br>
-              <a:rPr lang="en-US" sz="4800" dirty="0"/>
-            </a:br>
-            <a:endParaRPr lang="en-US" sz="4800" dirty="0"/>
-          </a:p>
-        </p:txBody>
-      </p:sp>
-      <p:sp>
-        <p:nvSpPr>
-          <p:cNvPr id="15" name="Freeform: Shape 14">
+              <a:rPr lang="en-US" sz="4800"/>
+              <a:t>Lessons</a:t>
+            </a:r>
+          </a:p>
+        </p:txBody>
+      </p:sp>
+      <p:sp>
+        <p:nvSpPr>
+          <p:cNvPr id="8" name="Freeform: Shape 7">
             <a:extLst>
               <a:ext uri="{FF2B5EF4-FFF2-40B4-BE49-F238E27FC236}">
                 <a16:creationId xmlns:a16="http://schemas.microsoft.com/office/drawing/2014/main" id="{DFF2AC85-FAA0-4844-813F-83C04D7382E2}"/>
@@ -5584,7 +7294,7 @@
       </p:sp>
       <p:sp>
         <p:nvSpPr>
-          <p:cNvPr id="17" name="Freeform: Shape 16">
+          <p:cNvPr id="10" name="Freeform: Shape 9">
             <a:extLst>
               <a:ext uri="{FF2B5EF4-FFF2-40B4-BE49-F238E27FC236}">
                 <a16:creationId xmlns:a16="http://schemas.microsoft.com/office/drawing/2014/main" id="{89CC0F1E-BAA2-47B1-8F83-7ECB9FD9E009}"/>
@@ -5713,7 +7423,7 @@
           <p:cNvPr id="3" name="Content Placeholder 2">
             <a:extLst>
               <a:ext uri="{FF2B5EF4-FFF2-40B4-BE49-F238E27FC236}">
-                <a16:creationId xmlns:a16="http://schemas.microsoft.com/office/drawing/2014/main" id="{ED93B663-FC4A-4CE1-B9DF-6E7FFC459540}"/>
+                <a16:creationId xmlns:a16="http://schemas.microsoft.com/office/drawing/2014/main" id="{BEC1F758-E39A-4B4E-BBCD-6BEA902E48D4}"/>
               </a:ext>
             </a:extLst>
           </p:cNvPr>
@@ -5732,95 +7442,104 @@
         </p:spPr>
         <p:txBody>
           <a:bodyPr anchor="ctr">
-            <a:normAutofit/>
+            <a:normAutofit fontScale="92500" lnSpcReduction="10000"/>
           </a:bodyPr>
           <a:lstStyle/>
           <a:p>
-            <a:pPr lvl="1"/>
-            <a:r>
-              <a:rPr lang="en-US" sz="2200" dirty="0">
+            <a:r>
+              <a:rPr lang="en-US" sz="3200" dirty="0">
                 <a:solidFill>
                   <a:schemeClr val="bg1"/>
                 </a:solidFill>
               </a:rPr>
-              <a:t>Lockpicking</a:t>
-            </a:r>
-          </a:p>
-          <a:p>
-            <a:pPr lvl="2"/>
-            <a:r>
-              <a:rPr lang="en-US" sz="1800" dirty="0">
+              <a:t>Website</a:t>
+            </a:r>
+          </a:p>
+          <a:p>
+            <a:pPr lvl="1"/>
+            <a:r>
+              <a:rPr lang="en-US" sz="3200" dirty="0">
                 <a:solidFill>
                   <a:schemeClr val="bg1"/>
                 </a:solidFill>
               </a:rPr>
-              <a:t>Deviant – $15,000</a:t>
+              <a:t>Lessons</a:t>
             </a:r>
           </a:p>
           <a:p>
             <a:pPr lvl="1"/>
             <a:r>
-              <a:rPr lang="en-US" sz="2200" dirty="0">
+              <a:rPr lang="en-US" sz="3200" dirty="0">
                 <a:solidFill>
                   <a:schemeClr val="bg1"/>
                 </a:solidFill>
               </a:rPr>
-              <a:t>Irregular Warfare Group</a:t>
-            </a:r>
-          </a:p>
-          <a:p>
-            <a:pPr lvl="2"/>
-            <a:r>
-              <a:rPr lang="en-US" sz="2200" dirty="0">
+              <a:t>Photos about SIGSAC</a:t>
+            </a:r>
+          </a:p>
+          <a:p>
+            <a:pPr lvl="1"/>
+            <a:r>
+              <a:rPr lang="en-US" sz="3200" dirty="0">
                 <a:solidFill>
                   <a:schemeClr val="bg1"/>
                 </a:solidFill>
               </a:rPr>
-              <a:t>Have sufficient lock picking knowledge</a:t>
-            </a:r>
-          </a:p>
-          <a:p>
-            <a:pPr lvl="2"/>
-            <a:r>
-              <a:rPr lang="en-US" sz="2200" dirty="0">
+              <a:t>Videos about SIGSAC</a:t>
+            </a:r>
+          </a:p>
+          <a:p>
+            <a:pPr lvl="1"/>
+            <a:r>
+              <a:rPr lang="en-US" sz="3200" dirty="0">
                 <a:solidFill>
                   <a:schemeClr val="bg1"/>
                 </a:solidFill>
               </a:rPr>
-              <a:t>Save $3,000 for another guest speaker/event</a:t>
-            </a:r>
-          </a:p>
-          <a:p>
-            <a:pPr lvl="2"/>
-            <a:r>
-              <a:rPr lang="en-US" sz="2200" dirty="0">
+              <a:t>Logo</a:t>
+            </a:r>
+          </a:p>
+          <a:p>
+            <a:r>
+              <a:rPr lang="en-US" sz="3200" dirty="0">
                 <a:solidFill>
                   <a:schemeClr val="bg1"/>
                 </a:solidFill>
               </a:rPr>
-              <a:t>Only need to spend money for tools</a:t>
-            </a:r>
-          </a:p>
-          <a:p>
-            <a:pPr lvl="2"/>
-            <a:r>
-              <a:rPr lang="en-US" sz="2200" dirty="0">
+              <a:t>Meeting</a:t>
+            </a:r>
+          </a:p>
+          <a:p>
+            <a:pPr lvl="1"/>
+            <a:r>
+              <a:rPr lang="en-US" sz="3200" dirty="0">
                 <a:solidFill>
                   <a:schemeClr val="bg1"/>
                 </a:solidFill>
               </a:rPr>
-              <a:t>Club synergy is good</a:t>
-            </a:r>
-          </a:p>
-          <a:p>
-            <a:pPr lvl="2"/>
-            <a:r>
-              <a:rPr lang="en-US" sz="2200" dirty="0">
+              <a:t>Presentation – 10 minutes</a:t>
+            </a:r>
+          </a:p>
+          <a:p>
+            <a:pPr lvl="1"/>
+            <a:r>
+              <a:rPr lang="en-US" sz="3200" dirty="0">
                 <a:solidFill>
                   <a:schemeClr val="bg1"/>
                 </a:solidFill>
               </a:rPr>
-              <a:t>Cyber aspect</a:t>
+              <a:t>Exercise – 35 minutes</a:t>
+            </a:r>
+          </a:p>
+          <a:p>
+            <a:pPr lvl="1"/>
+            <a:r>
+              <a:rPr lang="en-US" sz="3200" dirty="0">
+                <a:solidFill>
+                  <a:schemeClr val="bg1"/>
+                </a:solidFill>
+              </a:rPr>
+              <a:t>Practicable Application – 15 minutes</a:t>
             </a:r>
           </a:p>
         </p:txBody>
@@ -5828,1836 +7547,12 @@
     </p:spTree>
     <p:extLst>
       <p:ext uri="{BB962C8B-B14F-4D97-AF65-F5344CB8AC3E}">
-        <p14:creationId xmlns:p14="http://schemas.microsoft.com/office/powerpoint/2010/main" val="2314118407"/>
+        <p14:creationId xmlns:p14="http://schemas.microsoft.com/office/powerpoint/2010/main" val="3428270124"/>
       </p:ext>
     </p:extLst>
   </p:cSld>
   <p:clrMapOvr>
     <a:overrideClrMapping bg1="dk1" tx1="lt1" bg2="dk2" tx2="lt2" accent1="accent1" accent2="accent2" accent3="accent3" accent4="accent4" accent5="accent5" accent6="accent6" hlink="hlink" folHlink="folHlink"/>
-  </p:clrMapOvr>
-</p:sld>
-</file>
-
-<file path=ppt/slides/slide5.xml><?xml version="1.0" encoding="utf-8"?>
-<p:sld xmlns:a="http://schemas.openxmlformats.org/drawingml/2006/main" xmlns:r="http://schemas.openxmlformats.org/officeDocument/2006/relationships" xmlns:p="http://schemas.openxmlformats.org/presentationml/2006/main">
-  <p:cSld>
-    <p:bg>
-      <p:bgPr>
-        <a:solidFill>
-          <a:schemeClr val="bg1">
-            <a:tint val="95000"/>
-            <a:satMod val="170000"/>
-          </a:schemeClr>
-        </a:solidFill>
-        <a:effectLst/>
-      </p:bgPr>
-    </p:bg>
-    <p:spTree>
-      <p:nvGrpSpPr>
-        <p:cNvPr id="1" name=""/>
-        <p:cNvGrpSpPr/>
-        <p:nvPr/>
-      </p:nvGrpSpPr>
-      <p:grpSpPr>
-        <a:xfrm>
-          <a:off x="0" y="0"/>
-          <a:ext cx="0" cy="0"/>
-          <a:chOff x="0" y="0"/>
-          <a:chExt cx="0" cy="0"/>
-        </a:xfrm>
-      </p:grpSpPr>
-      <p:sp>
-        <p:nvSpPr>
-          <p:cNvPr id="2" name="Title 1">
-            <a:extLst>
-              <a:ext uri="{FF2B5EF4-FFF2-40B4-BE49-F238E27FC236}">
-                <a16:creationId xmlns:a16="http://schemas.microsoft.com/office/drawing/2014/main" id="{4FD2E22D-15C9-4F4F-A1B9-88B27DAA0387}"/>
-              </a:ext>
-            </a:extLst>
-          </p:cNvPr>
-          <p:cNvSpPr>
-            <a:spLocks noGrp="1"/>
-          </p:cNvSpPr>
-          <p:nvPr>
-            <p:ph type="title"/>
-          </p:nvPr>
-        </p:nvSpPr>
-        <p:spPr>
-          <a:xfrm>
-            <a:off x="804673" y="1445494"/>
-            <a:ext cx="3616856" cy="4376572"/>
-          </a:xfrm>
-        </p:spPr>
-        <p:txBody>
-          <a:bodyPr anchor="ctr">
-            <a:normAutofit/>
-          </a:bodyPr>
-          <a:lstStyle/>
-          <a:p>
-            <a:r>
-              <a:rPr lang="en-US" sz="4800"/>
-              <a:t>Old laptops</a:t>
-            </a:r>
-          </a:p>
-        </p:txBody>
-      </p:sp>
-      <p:sp>
-        <p:nvSpPr>
-          <p:cNvPr id="8" name="Freeform: Shape 7">
-            <a:extLst>
-              <a:ext uri="{FF2B5EF4-FFF2-40B4-BE49-F238E27FC236}">
-                <a16:creationId xmlns:a16="http://schemas.microsoft.com/office/drawing/2014/main" id="{DFF2AC85-FAA0-4844-813F-83C04D7382E2}"/>
-              </a:ext>
-              <a:ext uri="{C183D7F6-B498-43B3-948B-1728B52AA6E4}">
-                <adec:decorative xmlns:adec="http://schemas.microsoft.com/office/drawing/2017/decorative" val="1"/>
-              </a:ext>
-            </a:extLst>
-          </p:cNvPr>
-          <p:cNvSpPr>
-            <a:spLocks noGrp="1" noRot="1" noChangeAspect="1" noMove="1" noResize="1" noEditPoints="1" noAdjustHandles="1" noChangeArrowheads="1" noChangeShapeType="1" noTextEdit="1"/>
-          </p:cNvSpPr>
-          <p:nvPr>
-            <p:extLst>
-              <p:ext uri="{386F3935-93C4-4BCD-93E2-E3B085C9AB24}">
-                <p16:designElem xmlns:p16="http://schemas.microsoft.com/office/powerpoint/2015/main" val="1"/>
-              </p:ext>
-            </p:extLst>
-          </p:nvPr>
-        </p:nvSpPr>
-        <p:spPr>
-          <a:xfrm>
-            <a:off x="4907636" y="0"/>
-            <a:ext cx="7281316" cy="6858000"/>
-          </a:xfrm>
-          <a:custGeom>
-            <a:avLst/>
-            <a:gdLst>
-              <a:gd name="connsiteX0" fmla="*/ 361354 w 7281316"/>
-              <a:gd name="connsiteY0" fmla="*/ 0 h 6858000"/>
-              <a:gd name="connsiteX1" fmla="*/ 7281316 w 7281316"/>
-              <a:gd name="connsiteY1" fmla="*/ 0 h 6858000"/>
-              <a:gd name="connsiteX2" fmla="*/ 7281316 w 7281316"/>
-              <a:gd name="connsiteY2" fmla="*/ 6858000 h 6858000"/>
-              <a:gd name="connsiteX3" fmla="*/ 696735 w 7281316"/>
-              <a:gd name="connsiteY3" fmla="*/ 6858000 h 6858000"/>
-              <a:gd name="connsiteX4" fmla="*/ 690849 w 7281316"/>
-              <a:gd name="connsiteY4" fmla="*/ 6842426 h 6858000"/>
-              <a:gd name="connsiteX5" fmla="*/ 335637 w 7281316"/>
-              <a:gd name="connsiteY5" fmla="*/ 94722 h 6858000"/>
-            </a:gdLst>
-            <a:ahLst/>
-            <a:cxnLst>
-              <a:cxn ang="0">
-                <a:pos x="connsiteX0" y="connsiteY0"/>
-              </a:cxn>
-              <a:cxn ang="0">
-                <a:pos x="connsiteX1" y="connsiteY1"/>
-              </a:cxn>
-              <a:cxn ang="0">
-                <a:pos x="connsiteX2" y="connsiteY2"/>
-              </a:cxn>
-              <a:cxn ang="0">
-                <a:pos x="connsiteX3" y="connsiteY3"/>
-              </a:cxn>
-              <a:cxn ang="0">
-                <a:pos x="connsiteX4" y="connsiteY4"/>
-              </a:cxn>
-              <a:cxn ang="0">
-                <a:pos x="connsiteX5" y="connsiteY5"/>
-              </a:cxn>
-            </a:cxnLst>
-            <a:rect l="l" t="t" r="r" b="b"/>
-            <a:pathLst>
-              <a:path w="7281316" h="6858000">
-                <a:moveTo>
-                  <a:pt x="361354" y="0"/>
-                </a:moveTo>
-                <a:lnTo>
-                  <a:pt x="7281316" y="0"/>
-                </a:lnTo>
-                <a:lnTo>
-                  <a:pt x="7281316" y="6858000"/>
-                </a:lnTo>
-                <a:lnTo>
-                  <a:pt x="696735" y="6858000"/>
-                </a:lnTo>
-                <a:lnTo>
-                  <a:pt x="690849" y="6842426"/>
-                </a:lnTo>
-                <a:cubicBezTo>
-                  <a:pt x="-65870" y="4704140"/>
-                  <a:pt x="-226206" y="2374054"/>
-                  <a:pt x="335637" y="94722"/>
-                </a:cubicBezTo>
-                <a:close/>
-              </a:path>
-            </a:pathLst>
-          </a:custGeom>
-          <a:solidFill>
-            <a:schemeClr val="tx1">
-              <a:alpha val="80000"/>
-            </a:schemeClr>
-          </a:solidFill>
-          <a:ln>
-            <a:noFill/>
-          </a:ln>
-        </p:spPr>
-        <p:style>
-          <a:lnRef idx="2">
-            <a:schemeClr val="accent1">
-              <a:shade val="50000"/>
-            </a:schemeClr>
-          </a:lnRef>
-          <a:fillRef idx="1">
-            <a:schemeClr val="accent1"/>
-          </a:fillRef>
-          <a:effectRef idx="0">
-            <a:schemeClr val="accent1"/>
-          </a:effectRef>
-          <a:fontRef idx="minor">
-            <a:schemeClr val="lt1"/>
-          </a:fontRef>
-        </p:style>
-        <p:txBody>
-          <a:bodyPr rtlCol="0" anchor="ctr"/>
-          <a:lstStyle/>
-          <a:p>
-            <a:pPr algn="ctr"/>
-            <a:endParaRPr lang="en-US"/>
-          </a:p>
-        </p:txBody>
-      </p:sp>
-      <p:sp>
-        <p:nvSpPr>
-          <p:cNvPr id="10" name="Freeform: Shape 9">
-            <a:extLst>
-              <a:ext uri="{FF2B5EF4-FFF2-40B4-BE49-F238E27FC236}">
-                <a16:creationId xmlns:a16="http://schemas.microsoft.com/office/drawing/2014/main" id="{89CC0F1E-BAA2-47B1-8F83-7ECB9FD9E009}"/>
-              </a:ext>
-              <a:ext uri="{C183D7F6-B498-43B3-948B-1728B52AA6E4}">
-                <adec:decorative xmlns:adec="http://schemas.microsoft.com/office/drawing/2017/decorative" val="1"/>
-              </a:ext>
-            </a:extLst>
-          </p:cNvPr>
-          <p:cNvSpPr>
-            <a:spLocks noGrp="1" noRot="1" noChangeAspect="1" noMove="1" noResize="1" noEditPoints="1" noAdjustHandles="1" noChangeArrowheads="1" noChangeShapeType="1" noTextEdit="1"/>
-          </p:cNvSpPr>
-          <p:nvPr>
-            <p:extLst>
-              <p:ext uri="{386F3935-93C4-4BCD-93E2-E3B085C9AB24}">
-                <p16:designElem xmlns:p16="http://schemas.microsoft.com/office/powerpoint/2015/main" val="1"/>
-              </p:ext>
-            </p:extLst>
-          </p:nvPr>
-        </p:nvSpPr>
-        <p:spPr>
-          <a:xfrm>
-            <a:off x="5189558" y="0"/>
-            <a:ext cx="6999394" cy="6858000"/>
-          </a:xfrm>
-          <a:custGeom>
-            <a:avLst/>
-            <a:gdLst>
-              <a:gd name="connsiteX0" fmla="*/ 6999394 w 6999394"/>
-              <a:gd name="connsiteY0" fmla="*/ 0 h 6858000"/>
-              <a:gd name="connsiteX1" fmla="*/ 6999394 w 6999394"/>
-              <a:gd name="connsiteY1" fmla="*/ 6858000 h 6858000"/>
-              <a:gd name="connsiteX2" fmla="*/ 717029 w 6999394"/>
-              <a:gd name="connsiteY2" fmla="*/ 6858000 h 6858000"/>
-              <a:gd name="connsiteX3" fmla="*/ 623642 w 6999394"/>
-              <a:gd name="connsiteY3" fmla="*/ 6599363 h 6858000"/>
-              <a:gd name="connsiteX4" fmla="*/ 319533 w 6999394"/>
-              <a:gd name="connsiteY4" fmla="*/ 193787 h 6858000"/>
-              <a:gd name="connsiteX5" fmla="*/ 371685 w 6999394"/>
-              <a:gd name="connsiteY5" fmla="*/ 1 h 6858000"/>
-            </a:gdLst>
-            <a:ahLst/>
-            <a:cxnLst>
-              <a:cxn ang="0">
-                <a:pos x="connsiteX0" y="connsiteY0"/>
-              </a:cxn>
-              <a:cxn ang="0">
-                <a:pos x="connsiteX1" y="connsiteY1"/>
-              </a:cxn>
-              <a:cxn ang="0">
-                <a:pos x="connsiteX2" y="connsiteY2"/>
-              </a:cxn>
-              <a:cxn ang="0">
-                <a:pos x="connsiteX3" y="connsiteY3"/>
-              </a:cxn>
-              <a:cxn ang="0">
-                <a:pos x="connsiteX4" y="connsiteY4"/>
-              </a:cxn>
-              <a:cxn ang="0">
-                <a:pos x="connsiteX5" y="connsiteY5"/>
-              </a:cxn>
-            </a:cxnLst>
-            <a:rect l="l" t="t" r="r" b="b"/>
-            <a:pathLst>
-              <a:path w="6999394" h="6858000">
-                <a:moveTo>
-                  <a:pt x="6999394" y="0"/>
-                </a:moveTo>
-                <a:lnTo>
-                  <a:pt x="6999394" y="6858000"/>
-                </a:lnTo>
-                <a:lnTo>
-                  <a:pt x="717029" y="6858000"/>
-                </a:lnTo>
-                <a:lnTo>
-                  <a:pt x="623642" y="6599363"/>
-                </a:lnTo>
-                <a:cubicBezTo>
-                  <a:pt x="-67685" y="4563346"/>
-                  <a:pt x="-206622" y="2355719"/>
-                  <a:pt x="319533" y="193787"/>
-                </a:cubicBezTo>
-                <a:lnTo>
-                  <a:pt x="371685" y="1"/>
-                </a:lnTo>
-                <a:close/>
-              </a:path>
-            </a:pathLst>
-          </a:custGeom>
-          <a:solidFill>
-            <a:schemeClr val="tx1">
-              <a:alpha val="80000"/>
-            </a:schemeClr>
-          </a:solidFill>
-          <a:ln>
-            <a:noFill/>
-          </a:ln>
-        </p:spPr>
-        <p:style>
-          <a:lnRef idx="2">
-            <a:schemeClr val="accent1">
-              <a:shade val="50000"/>
-            </a:schemeClr>
-          </a:lnRef>
-          <a:fillRef idx="1">
-            <a:schemeClr val="accent1"/>
-          </a:fillRef>
-          <a:effectRef idx="0">
-            <a:schemeClr val="accent1"/>
-          </a:effectRef>
-          <a:fontRef idx="minor">
-            <a:schemeClr val="lt1"/>
-          </a:fontRef>
-        </p:style>
-        <p:txBody>
-          <a:bodyPr rtlCol="0" anchor="ctr"/>
-          <a:lstStyle/>
-          <a:p>
-            <a:pPr algn="ctr"/>
-            <a:endParaRPr lang="en-US"/>
-          </a:p>
-        </p:txBody>
-      </p:sp>
-      <p:sp>
-        <p:nvSpPr>
-          <p:cNvPr id="3" name="Content Placeholder 2">
-            <a:extLst>
-              <a:ext uri="{FF2B5EF4-FFF2-40B4-BE49-F238E27FC236}">
-                <a16:creationId xmlns:a16="http://schemas.microsoft.com/office/drawing/2014/main" id="{E2FE888C-BFCC-498B-87B7-22583A1C52B5}"/>
-              </a:ext>
-            </a:extLst>
-          </p:cNvPr>
-          <p:cNvSpPr>
-            <a:spLocks noGrp="1"/>
-          </p:cNvSpPr>
-          <p:nvPr>
-            <p:ph idx="1"/>
-          </p:nvPr>
-        </p:nvSpPr>
-        <p:spPr>
-          <a:xfrm>
-            <a:off x="6096000" y="1399032"/>
-            <a:ext cx="5501834" cy="4471416"/>
-          </a:xfrm>
-        </p:spPr>
-        <p:txBody>
-          <a:bodyPr anchor="ctr">
-            <a:normAutofit/>
-          </a:bodyPr>
-          <a:lstStyle/>
-          <a:p>
-            <a:pPr lvl="1"/>
-            <a:r>
-              <a:rPr lang="en-US" sz="3200" dirty="0">
-                <a:solidFill>
-                  <a:schemeClr val="bg1"/>
-                </a:solidFill>
-              </a:rPr>
-              <a:t>Convert into Kali stations</a:t>
-            </a:r>
-          </a:p>
-          <a:p>
-            <a:pPr lvl="1"/>
-            <a:r>
-              <a:rPr lang="en-US" sz="3200" dirty="0">
-                <a:solidFill>
-                  <a:schemeClr val="bg1"/>
-                </a:solidFill>
-              </a:rPr>
-              <a:t>Disassemble &amp; reassemble with EE club</a:t>
-            </a:r>
-          </a:p>
-          <a:p>
-            <a:pPr lvl="1"/>
-            <a:r>
-              <a:rPr lang="en-US" sz="3200" dirty="0">
-                <a:solidFill>
-                  <a:schemeClr val="bg1"/>
-                </a:solidFill>
-              </a:rPr>
-              <a:t>Learn how to DBAN a computer</a:t>
-            </a:r>
-          </a:p>
-          <a:p>
-            <a:pPr lvl="1"/>
-            <a:r>
-              <a:rPr lang="en-US" sz="3200" dirty="0">
-                <a:solidFill>
-                  <a:schemeClr val="bg1"/>
-                </a:solidFill>
-              </a:rPr>
-              <a:t>Learn to dual boot a computer</a:t>
-            </a:r>
-          </a:p>
-        </p:txBody>
-      </p:sp>
-    </p:spTree>
-    <p:extLst>
-      <p:ext uri="{BB962C8B-B14F-4D97-AF65-F5344CB8AC3E}">
-        <p14:creationId xmlns:p14="http://schemas.microsoft.com/office/powerpoint/2010/main" val="3921905612"/>
-      </p:ext>
-    </p:extLst>
-  </p:cSld>
-  <p:clrMapOvr>
-    <a:overrideClrMapping bg1="dk1" tx1="lt1" bg2="dk2" tx2="lt2" accent1="accent1" accent2="accent2" accent3="accent3" accent4="accent4" accent5="accent5" accent6="accent6" hlink="hlink" folHlink="folHlink"/>
-  </p:clrMapOvr>
-</p:sld>
-</file>
-
-<file path=ppt/slides/slide6.xml><?xml version="1.0" encoding="utf-8"?>
-<p:sld xmlns:a="http://schemas.openxmlformats.org/drawingml/2006/main" xmlns:r="http://schemas.openxmlformats.org/officeDocument/2006/relationships" xmlns:p="http://schemas.openxmlformats.org/presentationml/2006/main">
-  <p:cSld>
-    <p:bg>
-      <p:bgPr>
-        <a:solidFill>
-          <a:schemeClr val="bg1">
-            <a:tint val="95000"/>
-            <a:satMod val="170000"/>
-          </a:schemeClr>
-        </a:solidFill>
-        <a:effectLst/>
-      </p:bgPr>
-    </p:bg>
-    <p:spTree>
-      <p:nvGrpSpPr>
-        <p:cNvPr id="1" name=""/>
-        <p:cNvGrpSpPr/>
-        <p:nvPr/>
-      </p:nvGrpSpPr>
-      <p:grpSpPr>
-        <a:xfrm>
-          <a:off x="0" y="0"/>
-          <a:ext cx="0" cy="0"/>
-          <a:chOff x="0" y="0"/>
-          <a:chExt cx="0" cy="0"/>
-        </a:xfrm>
-      </p:grpSpPr>
-      <p:sp>
-        <p:nvSpPr>
-          <p:cNvPr id="2" name="Title 1">
-            <a:extLst>
-              <a:ext uri="{FF2B5EF4-FFF2-40B4-BE49-F238E27FC236}">
-                <a16:creationId xmlns:a16="http://schemas.microsoft.com/office/drawing/2014/main" id="{587B5F0A-72EF-4C00-816F-ADED6099B1CB}"/>
-              </a:ext>
-            </a:extLst>
-          </p:cNvPr>
-          <p:cNvSpPr>
-            <a:spLocks noGrp="1"/>
-          </p:cNvSpPr>
-          <p:nvPr>
-            <p:ph type="title"/>
-          </p:nvPr>
-        </p:nvSpPr>
-        <p:spPr>
-          <a:xfrm>
-            <a:off x="804673" y="1445494"/>
-            <a:ext cx="3616856" cy="4376572"/>
-          </a:xfrm>
-        </p:spPr>
-        <p:txBody>
-          <a:bodyPr anchor="ctr">
-            <a:normAutofit/>
-          </a:bodyPr>
-          <a:lstStyle/>
-          <a:p>
-            <a:r>
-              <a:rPr lang="en-US" sz="4800"/>
-              <a:t>EECSNet VMs</a:t>
-            </a:r>
-          </a:p>
-        </p:txBody>
-      </p:sp>
-      <p:sp>
-        <p:nvSpPr>
-          <p:cNvPr id="8" name="Freeform: Shape 7">
-            <a:extLst>
-              <a:ext uri="{FF2B5EF4-FFF2-40B4-BE49-F238E27FC236}">
-                <a16:creationId xmlns:a16="http://schemas.microsoft.com/office/drawing/2014/main" id="{DFF2AC85-FAA0-4844-813F-83C04D7382E2}"/>
-              </a:ext>
-              <a:ext uri="{C183D7F6-B498-43B3-948B-1728B52AA6E4}">
-                <adec:decorative xmlns:adec="http://schemas.microsoft.com/office/drawing/2017/decorative" val="1"/>
-              </a:ext>
-            </a:extLst>
-          </p:cNvPr>
-          <p:cNvSpPr>
-            <a:spLocks noGrp="1" noRot="1" noChangeAspect="1" noMove="1" noResize="1" noEditPoints="1" noAdjustHandles="1" noChangeArrowheads="1" noChangeShapeType="1" noTextEdit="1"/>
-          </p:cNvSpPr>
-          <p:nvPr>
-            <p:extLst>
-              <p:ext uri="{386F3935-93C4-4BCD-93E2-E3B085C9AB24}">
-                <p16:designElem xmlns:p16="http://schemas.microsoft.com/office/powerpoint/2015/main" val="1"/>
-              </p:ext>
-            </p:extLst>
-          </p:nvPr>
-        </p:nvSpPr>
-        <p:spPr>
-          <a:xfrm>
-            <a:off x="4907636" y="0"/>
-            <a:ext cx="7281316" cy="6858000"/>
-          </a:xfrm>
-          <a:custGeom>
-            <a:avLst/>
-            <a:gdLst>
-              <a:gd name="connsiteX0" fmla="*/ 361354 w 7281316"/>
-              <a:gd name="connsiteY0" fmla="*/ 0 h 6858000"/>
-              <a:gd name="connsiteX1" fmla="*/ 7281316 w 7281316"/>
-              <a:gd name="connsiteY1" fmla="*/ 0 h 6858000"/>
-              <a:gd name="connsiteX2" fmla="*/ 7281316 w 7281316"/>
-              <a:gd name="connsiteY2" fmla="*/ 6858000 h 6858000"/>
-              <a:gd name="connsiteX3" fmla="*/ 696735 w 7281316"/>
-              <a:gd name="connsiteY3" fmla="*/ 6858000 h 6858000"/>
-              <a:gd name="connsiteX4" fmla="*/ 690849 w 7281316"/>
-              <a:gd name="connsiteY4" fmla="*/ 6842426 h 6858000"/>
-              <a:gd name="connsiteX5" fmla="*/ 335637 w 7281316"/>
-              <a:gd name="connsiteY5" fmla="*/ 94722 h 6858000"/>
-            </a:gdLst>
-            <a:ahLst/>
-            <a:cxnLst>
-              <a:cxn ang="0">
-                <a:pos x="connsiteX0" y="connsiteY0"/>
-              </a:cxn>
-              <a:cxn ang="0">
-                <a:pos x="connsiteX1" y="connsiteY1"/>
-              </a:cxn>
-              <a:cxn ang="0">
-                <a:pos x="connsiteX2" y="connsiteY2"/>
-              </a:cxn>
-              <a:cxn ang="0">
-                <a:pos x="connsiteX3" y="connsiteY3"/>
-              </a:cxn>
-              <a:cxn ang="0">
-                <a:pos x="connsiteX4" y="connsiteY4"/>
-              </a:cxn>
-              <a:cxn ang="0">
-                <a:pos x="connsiteX5" y="connsiteY5"/>
-              </a:cxn>
-            </a:cxnLst>
-            <a:rect l="l" t="t" r="r" b="b"/>
-            <a:pathLst>
-              <a:path w="7281316" h="6858000">
-                <a:moveTo>
-                  <a:pt x="361354" y="0"/>
-                </a:moveTo>
-                <a:lnTo>
-                  <a:pt x="7281316" y="0"/>
-                </a:lnTo>
-                <a:lnTo>
-                  <a:pt x="7281316" y="6858000"/>
-                </a:lnTo>
-                <a:lnTo>
-                  <a:pt x="696735" y="6858000"/>
-                </a:lnTo>
-                <a:lnTo>
-                  <a:pt x="690849" y="6842426"/>
-                </a:lnTo>
-                <a:cubicBezTo>
-                  <a:pt x="-65870" y="4704140"/>
-                  <a:pt x="-226206" y="2374054"/>
-                  <a:pt x="335637" y="94722"/>
-                </a:cubicBezTo>
-                <a:close/>
-              </a:path>
-            </a:pathLst>
-          </a:custGeom>
-          <a:solidFill>
-            <a:schemeClr val="tx1">
-              <a:alpha val="80000"/>
-            </a:schemeClr>
-          </a:solidFill>
-          <a:ln>
-            <a:noFill/>
-          </a:ln>
-        </p:spPr>
-        <p:style>
-          <a:lnRef idx="2">
-            <a:schemeClr val="accent1">
-              <a:shade val="50000"/>
-            </a:schemeClr>
-          </a:lnRef>
-          <a:fillRef idx="1">
-            <a:schemeClr val="accent1"/>
-          </a:fillRef>
-          <a:effectRef idx="0">
-            <a:schemeClr val="accent1"/>
-          </a:effectRef>
-          <a:fontRef idx="minor">
-            <a:schemeClr val="lt1"/>
-          </a:fontRef>
-        </p:style>
-        <p:txBody>
-          <a:bodyPr rtlCol="0" anchor="ctr"/>
-          <a:lstStyle/>
-          <a:p>
-            <a:pPr algn="ctr"/>
-            <a:endParaRPr lang="en-US"/>
-          </a:p>
-        </p:txBody>
-      </p:sp>
-      <p:sp>
-        <p:nvSpPr>
-          <p:cNvPr id="10" name="Freeform: Shape 9">
-            <a:extLst>
-              <a:ext uri="{FF2B5EF4-FFF2-40B4-BE49-F238E27FC236}">
-                <a16:creationId xmlns:a16="http://schemas.microsoft.com/office/drawing/2014/main" id="{89CC0F1E-BAA2-47B1-8F83-7ECB9FD9E009}"/>
-              </a:ext>
-              <a:ext uri="{C183D7F6-B498-43B3-948B-1728B52AA6E4}">
-                <adec:decorative xmlns:adec="http://schemas.microsoft.com/office/drawing/2017/decorative" val="1"/>
-              </a:ext>
-            </a:extLst>
-          </p:cNvPr>
-          <p:cNvSpPr>
-            <a:spLocks noGrp="1" noRot="1" noChangeAspect="1" noMove="1" noResize="1" noEditPoints="1" noAdjustHandles="1" noChangeArrowheads="1" noChangeShapeType="1" noTextEdit="1"/>
-          </p:cNvSpPr>
-          <p:nvPr>
-            <p:extLst>
-              <p:ext uri="{386F3935-93C4-4BCD-93E2-E3B085C9AB24}">
-                <p16:designElem xmlns:p16="http://schemas.microsoft.com/office/powerpoint/2015/main" val="1"/>
-              </p:ext>
-            </p:extLst>
-          </p:nvPr>
-        </p:nvSpPr>
-        <p:spPr>
-          <a:xfrm>
-            <a:off x="5189558" y="0"/>
-            <a:ext cx="6999394" cy="6858000"/>
-          </a:xfrm>
-          <a:custGeom>
-            <a:avLst/>
-            <a:gdLst>
-              <a:gd name="connsiteX0" fmla="*/ 6999394 w 6999394"/>
-              <a:gd name="connsiteY0" fmla="*/ 0 h 6858000"/>
-              <a:gd name="connsiteX1" fmla="*/ 6999394 w 6999394"/>
-              <a:gd name="connsiteY1" fmla="*/ 6858000 h 6858000"/>
-              <a:gd name="connsiteX2" fmla="*/ 717029 w 6999394"/>
-              <a:gd name="connsiteY2" fmla="*/ 6858000 h 6858000"/>
-              <a:gd name="connsiteX3" fmla="*/ 623642 w 6999394"/>
-              <a:gd name="connsiteY3" fmla="*/ 6599363 h 6858000"/>
-              <a:gd name="connsiteX4" fmla="*/ 319533 w 6999394"/>
-              <a:gd name="connsiteY4" fmla="*/ 193787 h 6858000"/>
-              <a:gd name="connsiteX5" fmla="*/ 371685 w 6999394"/>
-              <a:gd name="connsiteY5" fmla="*/ 1 h 6858000"/>
-            </a:gdLst>
-            <a:ahLst/>
-            <a:cxnLst>
-              <a:cxn ang="0">
-                <a:pos x="connsiteX0" y="connsiteY0"/>
-              </a:cxn>
-              <a:cxn ang="0">
-                <a:pos x="connsiteX1" y="connsiteY1"/>
-              </a:cxn>
-              <a:cxn ang="0">
-                <a:pos x="connsiteX2" y="connsiteY2"/>
-              </a:cxn>
-              <a:cxn ang="0">
-                <a:pos x="connsiteX3" y="connsiteY3"/>
-              </a:cxn>
-              <a:cxn ang="0">
-                <a:pos x="connsiteX4" y="connsiteY4"/>
-              </a:cxn>
-              <a:cxn ang="0">
-                <a:pos x="connsiteX5" y="connsiteY5"/>
-              </a:cxn>
-            </a:cxnLst>
-            <a:rect l="l" t="t" r="r" b="b"/>
-            <a:pathLst>
-              <a:path w="6999394" h="6858000">
-                <a:moveTo>
-                  <a:pt x="6999394" y="0"/>
-                </a:moveTo>
-                <a:lnTo>
-                  <a:pt x="6999394" y="6858000"/>
-                </a:lnTo>
-                <a:lnTo>
-                  <a:pt x="717029" y="6858000"/>
-                </a:lnTo>
-                <a:lnTo>
-                  <a:pt x="623642" y="6599363"/>
-                </a:lnTo>
-                <a:cubicBezTo>
-                  <a:pt x="-67685" y="4563346"/>
-                  <a:pt x="-206622" y="2355719"/>
-                  <a:pt x="319533" y="193787"/>
-                </a:cubicBezTo>
-                <a:lnTo>
-                  <a:pt x="371685" y="1"/>
-                </a:lnTo>
-                <a:close/>
-              </a:path>
-            </a:pathLst>
-          </a:custGeom>
-          <a:solidFill>
-            <a:schemeClr val="tx1">
-              <a:alpha val="80000"/>
-            </a:schemeClr>
-          </a:solidFill>
-          <a:ln>
-            <a:noFill/>
-          </a:ln>
-        </p:spPr>
-        <p:style>
-          <a:lnRef idx="2">
-            <a:schemeClr val="accent1">
-              <a:shade val="50000"/>
-            </a:schemeClr>
-          </a:lnRef>
-          <a:fillRef idx="1">
-            <a:schemeClr val="accent1"/>
-          </a:fillRef>
-          <a:effectRef idx="0">
-            <a:schemeClr val="accent1"/>
-          </a:effectRef>
-          <a:fontRef idx="minor">
-            <a:schemeClr val="lt1"/>
-          </a:fontRef>
-        </p:style>
-        <p:txBody>
-          <a:bodyPr rtlCol="0" anchor="ctr"/>
-          <a:lstStyle/>
-          <a:p>
-            <a:pPr algn="ctr"/>
-            <a:endParaRPr lang="en-US"/>
-          </a:p>
-        </p:txBody>
-      </p:sp>
-      <p:sp>
-        <p:nvSpPr>
-          <p:cNvPr id="3" name="Content Placeholder 2">
-            <a:extLst>
-              <a:ext uri="{FF2B5EF4-FFF2-40B4-BE49-F238E27FC236}">
-                <a16:creationId xmlns:a16="http://schemas.microsoft.com/office/drawing/2014/main" id="{462054DD-5F94-4223-AD2C-8140BDC82938}"/>
-              </a:ext>
-            </a:extLst>
-          </p:cNvPr>
-          <p:cNvSpPr>
-            <a:spLocks noGrp="1"/>
-          </p:cNvSpPr>
-          <p:nvPr>
-            <p:ph idx="1"/>
-          </p:nvPr>
-        </p:nvSpPr>
-        <p:spPr>
-          <a:xfrm>
-            <a:off x="6096000" y="1399032"/>
-            <a:ext cx="5501834" cy="4471416"/>
-          </a:xfrm>
-        </p:spPr>
-        <p:txBody>
-          <a:bodyPr anchor="ctr">
-            <a:normAutofit/>
-          </a:bodyPr>
-          <a:lstStyle/>
-          <a:p>
-            <a:r>
-              <a:rPr lang="en-US" sz="3200" dirty="0">
-                <a:solidFill>
-                  <a:schemeClr val="bg1"/>
-                </a:solidFill>
-              </a:rPr>
-              <a:t>Get Nzia a box</a:t>
-            </a:r>
-          </a:p>
-          <a:p>
-            <a:pPr lvl="1"/>
-            <a:r>
-              <a:rPr lang="en-US" sz="3200" dirty="0">
-                <a:solidFill>
-                  <a:schemeClr val="bg1"/>
-                </a:solidFill>
-              </a:rPr>
-              <a:t>Create a simple hackable box</a:t>
-            </a:r>
-          </a:p>
-          <a:p>
-            <a:r>
-              <a:rPr lang="en-US" sz="3200" dirty="0">
-                <a:solidFill>
-                  <a:schemeClr val="bg1"/>
-                </a:solidFill>
-              </a:rPr>
-              <a:t>Create a West Point SIGSAC website with club members</a:t>
-            </a:r>
-          </a:p>
-        </p:txBody>
-      </p:sp>
-    </p:spTree>
-    <p:extLst>
-      <p:ext uri="{BB962C8B-B14F-4D97-AF65-F5344CB8AC3E}">
-        <p14:creationId xmlns:p14="http://schemas.microsoft.com/office/powerpoint/2010/main" val="1992074579"/>
-      </p:ext>
-    </p:extLst>
-  </p:cSld>
-  <p:clrMapOvr>
-    <a:overrideClrMapping bg1="dk1" tx1="lt1" bg2="dk2" tx2="lt2" accent1="accent1" accent2="accent2" accent3="accent3" accent4="accent4" accent5="accent5" accent6="accent6" hlink="hlink" folHlink="folHlink"/>
-  </p:clrMapOvr>
-</p:sld>
-</file>
-
-<file path=ppt/slides/slide7.xml><?xml version="1.0" encoding="utf-8"?>
-<p:sld xmlns:a="http://schemas.openxmlformats.org/drawingml/2006/main" xmlns:r="http://schemas.openxmlformats.org/officeDocument/2006/relationships" xmlns:p="http://schemas.openxmlformats.org/presentationml/2006/main">
-  <p:cSld>
-    <p:bg>
-      <p:bgPr>
-        <a:solidFill>
-          <a:schemeClr val="bg1">
-            <a:tint val="95000"/>
-            <a:satMod val="170000"/>
-          </a:schemeClr>
-        </a:solidFill>
-        <a:effectLst/>
-      </p:bgPr>
-    </p:bg>
-    <p:spTree>
-      <p:nvGrpSpPr>
-        <p:cNvPr id="1" name=""/>
-        <p:cNvGrpSpPr/>
-        <p:nvPr/>
-      </p:nvGrpSpPr>
-      <p:grpSpPr>
-        <a:xfrm>
-          <a:off x="0" y="0"/>
-          <a:ext cx="0" cy="0"/>
-          <a:chOff x="0" y="0"/>
-          <a:chExt cx="0" cy="0"/>
-        </a:xfrm>
-      </p:grpSpPr>
-      <p:sp>
-        <p:nvSpPr>
-          <p:cNvPr id="2" name="Title 1">
-            <a:extLst>
-              <a:ext uri="{FF2B5EF4-FFF2-40B4-BE49-F238E27FC236}">
-                <a16:creationId xmlns:a16="http://schemas.microsoft.com/office/drawing/2014/main" id="{82196C4D-9C9F-454A-ABAA-9BF551987319}"/>
-              </a:ext>
-            </a:extLst>
-          </p:cNvPr>
-          <p:cNvSpPr>
-            <a:spLocks noGrp="1"/>
-          </p:cNvSpPr>
-          <p:nvPr>
-            <p:ph type="title"/>
-          </p:nvPr>
-        </p:nvSpPr>
-        <p:spPr>
-          <a:xfrm>
-            <a:off x="804673" y="1445494"/>
-            <a:ext cx="3616856" cy="4376572"/>
-          </a:xfrm>
-        </p:spPr>
-        <p:txBody>
-          <a:bodyPr anchor="ctr">
-            <a:normAutofit/>
-          </a:bodyPr>
-          <a:lstStyle/>
-          <a:p>
-            <a:r>
-              <a:rPr lang="en-US" sz="4800"/>
-              <a:t>Fix-it Session</a:t>
-            </a:r>
-            <a:br>
-              <a:rPr lang="en-US" sz="4800"/>
-            </a:br>
-            <a:endParaRPr lang="en-US" sz="4800"/>
-          </a:p>
-        </p:txBody>
-      </p:sp>
-      <p:sp>
-        <p:nvSpPr>
-          <p:cNvPr id="8" name="Freeform: Shape 7">
-            <a:extLst>
-              <a:ext uri="{FF2B5EF4-FFF2-40B4-BE49-F238E27FC236}">
-                <a16:creationId xmlns:a16="http://schemas.microsoft.com/office/drawing/2014/main" id="{DFF2AC85-FAA0-4844-813F-83C04D7382E2}"/>
-              </a:ext>
-              <a:ext uri="{C183D7F6-B498-43B3-948B-1728B52AA6E4}">
-                <adec:decorative xmlns:adec="http://schemas.microsoft.com/office/drawing/2017/decorative" val="1"/>
-              </a:ext>
-            </a:extLst>
-          </p:cNvPr>
-          <p:cNvSpPr>
-            <a:spLocks noGrp="1" noRot="1" noChangeAspect="1" noMove="1" noResize="1" noEditPoints="1" noAdjustHandles="1" noChangeArrowheads="1" noChangeShapeType="1" noTextEdit="1"/>
-          </p:cNvSpPr>
-          <p:nvPr>
-            <p:extLst>
-              <p:ext uri="{386F3935-93C4-4BCD-93E2-E3B085C9AB24}">
-                <p16:designElem xmlns:p16="http://schemas.microsoft.com/office/powerpoint/2015/main" val="1"/>
-              </p:ext>
-            </p:extLst>
-          </p:nvPr>
-        </p:nvSpPr>
-        <p:spPr>
-          <a:xfrm>
-            <a:off x="4907636" y="0"/>
-            <a:ext cx="7281316" cy="6858000"/>
-          </a:xfrm>
-          <a:custGeom>
-            <a:avLst/>
-            <a:gdLst>
-              <a:gd name="connsiteX0" fmla="*/ 361354 w 7281316"/>
-              <a:gd name="connsiteY0" fmla="*/ 0 h 6858000"/>
-              <a:gd name="connsiteX1" fmla="*/ 7281316 w 7281316"/>
-              <a:gd name="connsiteY1" fmla="*/ 0 h 6858000"/>
-              <a:gd name="connsiteX2" fmla="*/ 7281316 w 7281316"/>
-              <a:gd name="connsiteY2" fmla="*/ 6858000 h 6858000"/>
-              <a:gd name="connsiteX3" fmla="*/ 696735 w 7281316"/>
-              <a:gd name="connsiteY3" fmla="*/ 6858000 h 6858000"/>
-              <a:gd name="connsiteX4" fmla="*/ 690849 w 7281316"/>
-              <a:gd name="connsiteY4" fmla="*/ 6842426 h 6858000"/>
-              <a:gd name="connsiteX5" fmla="*/ 335637 w 7281316"/>
-              <a:gd name="connsiteY5" fmla="*/ 94722 h 6858000"/>
-            </a:gdLst>
-            <a:ahLst/>
-            <a:cxnLst>
-              <a:cxn ang="0">
-                <a:pos x="connsiteX0" y="connsiteY0"/>
-              </a:cxn>
-              <a:cxn ang="0">
-                <a:pos x="connsiteX1" y="connsiteY1"/>
-              </a:cxn>
-              <a:cxn ang="0">
-                <a:pos x="connsiteX2" y="connsiteY2"/>
-              </a:cxn>
-              <a:cxn ang="0">
-                <a:pos x="connsiteX3" y="connsiteY3"/>
-              </a:cxn>
-              <a:cxn ang="0">
-                <a:pos x="connsiteX4" y="connsiteY4"/>
-              </a:cxn>
-              <a:cxn ang="0">
-                <a:pos x="connsiteX5" y="connsiteY5"/>
-              </a:cxn>
-            </a:cxnLst>
-            <a:rect l="l" t="t" r="r" b="b"/>
-            <a:pathLst>
-              <a:path w="7281316" h="6858000">
-                <a:moveTo>
-                  <a:pt x="361354" y="0"/>
-                </a:moveTo>
-                <a:lnTo>
-                  <a:pt x="7281316" y="0"/>
-                </a:lnTo>
-                <a:lnTo>
-                  <a:pt x="7281316" y="6858000"/>
-                </a:lnTo>
-                <a:lnTo>
-                  <a:pt x="696735" y="6858000"/>
-                </a:lnTo>
-                <a:lnTo>
-                  <a:pt x="690849" y="6842426"/>
-                </a:lnTo>
-                <a:cubicBezTo>
-                  <a:pt x="-65870" y="4704140"/>
-                  <a:pt x="-226206" y="2374054"/>
-                  <a:pt x="335637" y="94722"/>
-                </a:cubicBezTo>
-                <a:close/>
-              </a:path>
-            </a:pathLst>
-          </a:custGeom>
-          <a:solidFill>
-            <a:schemeClr val="tx1">
-              <a:alpha val="80000"/>
-            </a:schemeClr>
-          </a:solidFill>
-          <a:ln>
-            <a:noFill/>
-          </a:ln>
-        </p:spPr>
-        <p:style>
-          <a:lnRef idx="2">
-            <a:schemeClr val="accent1">
-              <a:shade val="50000"/>
-            </a:schemeClr>
-          </a:lnRef>
-          <a:fillRef idx="1">
-            <a:schemeClr val="accent1"/>
-          </a:fillRef>
-          <a:effectRef idx="0">
-            <a:schemeClr val="accent1"/>
-          </a:effectRef>
-          <a:fontRef idx="minor">
-            <a:schemeClr val="lt1"/>
-          </a:fontRef>
-        </p:style>
-        <p:txBody>
-          <a:bodyPr rtlCol="0" anchor="ctr"/>
-          <a:lstStyle/>
-          <a:p>
-            <a:pPr algn="ctr"/>
-            <a:endParaRPr lang="en-US"/>
-          </a:p>
-        </p:txBody>
-      </p:sp>
-      <p:sp>
-        <p:nvSpPr>
-          <p:cNvPr id="10" name="Freeform: Shape 9">
-            <a:extLst>
-              <a:ext uri="{FF2B5EF4-FFF2-40B4-BE49-F238E27FC236}">
-                <a16:creationId xmlns:a16="http://schemas.microsoft.com/office/drawing/2014/main" id="{89CC0F1E-BAA2-47B1-8F83-7ECB9FD9E009}"/>
-              </a:ext>
-              <a:ext uri="{C183D7F6-B498-43B3-948B-1728B52AA6E4}">
-                <adec:decorative xmlns:adec="http://schemas.microsoft.com/office/drawing/2017/decorative" val="1"/>
-              </a:ext>
-            </a:extLst>
-          </p:cNvPr>
-          <p:cNvSpPr>
-            <a:spLocks noGrp="1" noRot="1" noChangeAspect="1" noMove="1" noResize="1" noEditPoints="1" noAdjustHandles="1" noChangeArrowheads="1" noChangeShapeType="1" noTextEdit="1"/>
-          </p:cNvSpPr>
-          <p:nvPr>
-            <p:extLst>
-              <p:ext uri="{386F3935-93C4-4BCD-93E2-E3B085C9AB24}">
-                <p16:designElem xmlns:p16="http://schemas.microsoft.com/office/powerpoint/2015/main" val="1"/>
-              </p:ext>
-            </p:extLst>
-          </p:nvPr>
-        </p:nvSpPr>
-        <p:spPr>
-          <a:xfrm>
-            <a:off x="5189558" y="0"/>
-            <a:ext cx="6999394" cy="6858000"/>
-          </a:xfrm>
-          <a:custGeom>
-            <a:avLst/>
-            <a:gdLst>
-              <a:gd name="connsiteX0" fmla="*/ 6999394 w 6999394"/>
-              <a:gd name="connsiteY0" fmla="*/ 0 h 6858000"/>
-              <a:gd name="connsiteX1" fmla="*/ 6999394 w 6999394"/>
-              <a:gd name="connsiteY1" fmla="*/ 6858000 h 6858000"/>
-              <a:gd name="connsiteX2" fmla="*/ 717029 w 6999394"/>
-              <a:gd name="connsiteY2" fmla="*/ 6858000 h 6858000"/>
-              <a:gd name="connsiteX3" fmla="*/ 623642 w 6999394"/>
-              <a:gd name="connsiteY3" fmla="*/ 6599363 h 6858000"/>
-              <a:gd name="connsiteX4" fmla="*/ 319533 w 6999394"/>
-              <a:gd name="connsiteY4" fmla="*/ 193787 h 6858000"/>
-              <a:gd name="connsiteX5" fmla="*/ 371685 w 6999394"/>
-              <a:gd name="connsiteY5" fmla="*/ 1 h 6858000"/>
-            </a:gdLst>
-            <a:ahLst/>
-            <a:cxnLst>
-              <a:cxn ang="0">
-                <a:pos x="connsiteX0" y="connsiteY0"/>
-              </a:cxn>
-              <a:cxn ang="0">
-                <a:pos x="connsiteX1" y="connsiteY1"/>
-              </a:cxn>
-              <a:cxn ang="0">
-                <a:pos x="connsiteX2" y="connsiteY2"/>
-              </a:cxn>
-              <a:cxn ang="0">
-                <a:pos x="connsiteX3" y="connsiteY3"/>
-              </a:cxn>
-              <a:cxn ang="0">
-                <a:pos x="connsiteX4" y="connsiteY4"/>
-              </a:cxn>
-              <a:cxn ang="0">
-                <a:pos x="connsiteX5" y="connsiteY5"/>
-              </a:cxn>
-            </a:cxnLst>
-            <a:rect l="l" t="t" r="r" b="b"/>
-            <a:pathLst>
-              <a:path w="6999394" h="6858000">
-                <a:moveTo>
-                  <a:pt x="6999394" y="0"/>
-                </a:moveTo>
-                <a:lnTo>
-                  <a:pt x="6999394" y="6858000"/>
-                </a:lnTo>
-                <a:lnTo>
-                  <a:pt x="717029" y="6858000"/>
-                </a:lnTo>
-                <a:lnTo>
-                  <a:pt x="623642" y="6599363"/>
-                </a:lnTo>
-                <a:cubicBezTo>
-                  <a:pt x="-67685" y="4563346"/>
-                  <a:pt x="-206622" y="2355719"/>
-                  <a:pt x="319533" y="193787"/>
-                </a:cubicBezTo>
-                <a:lnTo>
-                  <a:pt x="371685" y="1"/>
-                </a:lnTo>
-                <a:close/>
-              </a:path>
-            </a:pathLst>
-          </a:custGeom>
-          <a:solidFill>
-            <a:schemeClr val="tx1">
-              <a:alpha val="80000"/>
-            </a:schemeClr>
-          </a:solidFill>
-          <a:ln>
-            <a:noFill/>
-          </a:ln>
-        </p:spPr>
-        <p:style>
-          <a:lnRef idx="2">
-            <a:schemeClr val="accent1">
-              <a:shade val="50000"/>
-            </a:schemeClr>
-          </a:lnRef>
-          <a:fillRef idx="1">
-            <a:schemeClr val="accent1"/>
-          </a:fillRef>
-          <a:effectRef idx="0">
-            <a:schemeClr val="accent1"/>
-          </a:effectRef>
-          <a:fontRef idx="minor">
-            <a:schemeClr val="lt1"/>
-          </a:fontRef>
-        </p:style>
-        <p:txBody>
-          <a:bodyPr rtlCol="0" anchor="ctr"/>
-          <a:lstStyle/>
-          <a:p>
-            <a:pPr algn="ctr"/>
-            <a:endParaRPr lang="en-US"/>
-          </a:p>
-        </p:txBody>
-      </p:sp>
-      <p:sp>
-        <p:nvSpPr>
-          <p:cNvPr id="3" name="Content Placeholder 2">
-            <a:extLst>
-              <a:ext uri="{FF2B5EF4-FFF2-40B4-BE49-F238E27FC236}">
-                <a16:creationId xmlns:a16="http://schemas.microsoft.com/office/drawing/2014/main" id="{69EB4654-3B0A-4634-974E-51085DC94CEF}"/>
-              </a:ext>
-            </a:extLst>
-          </p:cNvPr>
-          <p:cNvSpPr>
-            <a:spLocks noGrp="1"/>
-          </p:cNvSpPr>
-          <p:nvPr>
-            <p:ph idx="1"/>
-          </p:nvPr>
-        </p:nvSpPr>
-        <p:spPr>
-          <a:xfrm>
-            <a:off x="6096000" y="1399032"/>
-            <a:ext cx="5501834" cy="4471416"/>
-          </a:xfrm>
-        </p:spPr>
-        <p:txBody>
-          <a:bodyPr anchor="ctr">
-            <a:normAutofit fontScale="92500"/>
-          </a:bodyPr>
-          <a:lstStyle/>
-          <a:p>
-            <a:pPr lvl="1"/>
-            <a:r>
-              <a:rPr lang="en-US" sz="3200" dirty="0">
-                <a:solidFill>
-                  <a:schemeClr val="bg1"/>
-                </a:solidFill>
-              </a:rPr>
-              <a:t>Get old phones they don’t want</a:t>
-            </a:r>
-          </a:p>
-          <a:p>
-            <a:pPr lvl="2"/>
-            <a:r>
-              <a:rPr lang="en-US" sz="3200" dirty="0">
-                <a:solidFill>
-                  <a:schemeClr val="bg1"/>
-                </a:solidFill>
-              </a:rPr>
-              <a:t>Mobile Repair stores</a:t>
-            </a:r>
-          </a:p>
-          <a:p>
-            <a:pPr lvl="2"/>
-            <a:r>
-              <a:rPr lang="en-US" sz="3200" dirty="0">
-                <a:solidFill>
-                  <a:schemeClr val="bg1"/>
-                </a:solidFill>
-              </a:rPr>
-              <a:t>Reach out on </a:t>
-            </a:r>
-            <a:r>
-              <a:rPr lang="en-US" sz="3200" dirty="0" err="1">
-                <a:solidFill>
-                  <a:schemeClr val="bg1"/>
-                </a:solidFill>
-              </a:rPr>
-              <a:t>Jodel</a:t>
-            </a:r>
-            <a:endParaRPr lang="en-US" sz="3200" dirty="0">
-              <a:solidFill>
-                <a:schemeClr val="bg1"/>
-              </a:solidFill>
-            </a:endParaRPr>
-          </a:p>
-          <a:p>
-            <a:pPr lvl="2"/>
-            <a:r>
-              <a:rPr lang="en-US" sz="3200" dirty="0">
-                <a:solidFill>
-                  <a:schemeClr val="bg1"/>
-                </a:solidFill>
-              </a:rPr>
-              <a:t>Ask for old devices on post that no one uses anymore</a:t>
-            </a:r>
-          </a:p>
-          <a:p>
-            <a:pPr lvl="1"/>
-            <a:r>
-              <a:rPr lang="en-US" sz="3200" dirty="0">
-                <a:solidFill>
-                  <a:schemeClr val="bg1"/>
-                </a:solidFill>
-              </a:rPr>
-              <a:t>Daniel and I figure the details</a:t>
-            </a:r>
-          </a:p>
-          <a:p>
-            <a:pPr lvl="1"/>
-            <a:r>
-              <a:rPr lang="en-US" sz="3200" dirty="0">
-                <a:solidFill>
-                  <a:schemeClr val="bg1"/>
-                </a:solidFill>
-              </a:rPr>
-              <a:t>Phones</a:t>
-            </a:r>
-          </a:p>
-          <a:p>
-            <a:pPr lvl="1"/>
-            <a:r>
-              <a:rPr lang="en-US" sz="3200" dirty="0">
-                <a:solidFill>
-                  <a:schemeClr val="bg1"/>
-                </a:solidFill>
-              </a:rPr>
-              <a:t>Electrical Engineering Club</a:t>
-            </a:r>
-          </a:p>
-        </p:txBody>
-      </p:sp>
-    </p:spTree>
-    <p:extLst>
-      <p:ext uri="{BB962C8B-B14F-4D97-AF65-F5344CB8AC3E}">
-        <p14:creationId xmlns:p14="http://schemas.microsoft.com/office/powerpoint/2010/main" val="83710853"/>
-      </p:ext>
-    </p:extLst>
-  </p:cSld>
-  <p:clrMapOvr>
-    <a:overrideClrMapping bg1="dk1" tx1="lt1" bg2="dk2" tx2="lt2" accent1="accent1" accent2="accent2" accent3="accent3" accent4="accent4" accent5="accent5" accent6="accent6" hlink="hlink" folHlink="folHlink"/>
-  </p:clrMapOvr>
-</p:sld>
-</file>
-
-<file path=ppt/slides/slide8.xml><?xml version="1.0" encoding="utf-8"?>
-<p:sld xmlns:a="http://schemas.openxmlformats.org/drawingml/2006/main" xmlns:r="http://schemas.openxmlformats.org/officeDocument/2006/relationships" xmlns:p="http://schemas.openxmlformats.org/presentationml/2006/main">
-  <p:cSld>
-    <p:bg>
-      <p:bgPr>
-        <a:solidFill>
-          <a:schemeClr val="bg1">
-            <a:tint val="95000"/>
-            <a:satMod val="170000"/>
-          </a:schemeClr>
-        </a:solidFill>
-        <a:effectLst/>
-      </p:bgPr>
-    </p:bg>
-    <p:spTree>
-      <p:nvGrpSpPr>
-        <p:cNvPr id="1" name=""/>
-        <p:cNvGrpSpPr/>
-        <p:nvPr/>
-      </p:nvGrpSpPr>
-      <p:grpSpPr>
-        <a:xfrm>
-          <a:off x="0" y="0"/>
-          <a:ext cx="0" cy="0"/>
-          <a:chOff x="0" y="0"/>
-          <a:chExt cx="0" cy="0"/>
-        </a:xfrm>
-      </p:grpSpPr>
-      <p:sp>
-        <p:nvSpPr>
-          <p:cNvPr id="2" name="Title 1">
-            <a:extLst>
-              <a:ext uri="{FF2B5EF4-FFF2-40B4-BE49-F238E27FC236}">
-                <a16:creationId xmlns:a16="http://schemas.microsoft.com/office/drawing/2014/main" id="{BB582D12-D34D-4280-8FCC-50CBDCB0B591}"/>
-              </a:ext>
-            </a:extLst>
-          </p:cNvPr>
-          <p:cNvSpPr>
-            <a:spLocks noGrp="1"/>
-          </p:cNvSpPr>
-          <p:nvPr>
-            <p:ph type="title"/>
-          </p:nvPr>
-        </p:nvSpPr>
-        <p:spPr>
-          <a:xfrm>
-            <a:off x="804673" y="1445494"/>
-            <a:ext cx="3616856" cy="4376572"/>
-          </a:xfrm>
-        </p:spPr>
-        <p:txBody>
-          <a:bodyPr anchor="ctr">
-            <a:normAutofit/>
-          </a:bodyPr>
-          <a:lstStyle/>
-          <a:p>
-            <a:r>
-              <a:rPr lang="en-US" sz="4800"/>
-              <a:t>Others</a:t>
-            </a:r>
-          </a:p>
-        </p:txBody>
-      </p:sp>
-      <p:sp>
-        <p:nvSpPr>
-          <p:cNvPr id="8" name="Freeform: Shape 7">
-            <a:extLst>
-              <a:ext uri="{FF2B5EF4-FFF2-40B4-BE49-F238E27FC236}">
-                <a16:creationId xmlns:a16="http://schemas.microsoft.com/office/drawing/2014/main" id="{DFF2AC85-FAA0-4844-813F-83C04D7382E2}"/>
-              </a:ext>
-              <a:ext uri="{C183D7F6-B498-43B3-948B-1728B52AA6E4}">
-                <adec:decorative xmlns:adec="http://schemas.microsoft.com/office/drawing/2017/decorative" val="1"/>
-              </a:ext>
-            </a:extLst>
-          </p:cNvPr>
-          <p:cNvSpPr>
-            <a:spLocks noGrp="1" noRot="1" noChangeAspect="1" noMove="1" noResize="1" noEditPoints="1" noAdjustHandles="1" noChangeArrowheads="1" noChangeShapeType="1" noTextEdit="1"/>
-          </p:cNvSpPr>
-          <p:nvPr>
-            <p:extLst>
-              <p:ext uri="{386F3935-93C4-4BCD-93E2-E3B085C9AB24}">
-                <p16:designElem xmlns:p16="http://schemas.microsoft.com/office/powerpoint/2015/main" val="1"/>
-              </p:ext>
-            </p:extLst>
-          </p:nvPr>
-        </p:nvSpPr>
-        <p:spPr>
-          <a:xfrm>
-            <a:off x="4907636" y="0"/>
-            <a:ext cx="7281316" cy="6858000"/>
-          </a:xfrm>
-          <a:custGeom>
-            <a:avLst/>
-            <a:gdLst>
-              <a:gd name="connsiteX0" fmla="*/ 361354 w 7281316"/>
-              <a:gd name="connsiteY0" fmla="*/ 0 h 6858000"/>
-              <a:gd name="connsiteX1" fmla="*/ 7281316 w 7281316"/>
-              <a:gd name="connsiteY1" fmla="*/ 0 h 6858000"/>
-              <a:gd name="connsiteX2" fmla="*/ 7281316 w 7281316"/>
-              <a:gd name="connsiteY2" fmla="*/ 6858000 h 6858000"/>
-              <a:gd name="connsiteX3" fmla="*/ 696735 w 7281316"/>
-              <a:gd name="connsiteY3" fmla="*/ 6858000 h 6858000"/>
-              <a:gd name="connsiteX4" fmla="*/ 690849 w 7281316"/>
-              <a:gd name="connsiteY4" fmla="*/ 6842426 h 6858000"/>
-              <a:gd name="connsiteX5" fmla="*/ 335637 w 7281316"/>
-              <a:gd name="connsiteY5" fmla="*/ 94722 h 6858000"/>
-            </a:gdLst>
-            <a:ahLst/>
-            <a:cxnLst>
-              <a:cxn ang="0">
-                <a:pos x="connsiteX0" y="connsiteY0"/>
-              </a:cxn>
-              <a:cxn ang="0">
-                <a:pos x="connsiteX1" y="connsiteY1"/>
-              </a:cxn>
-              <a:cxn ang="0">
-                <a:pos x="connsiteX2" y="connsiteY2"/>
-              </a:cxn>
-              <a:cxn ang="0">
-                <a:pos x="connsiteX3" y="connsiteY3"/>
-              </a:cxn>
-              <a:cxn ang="0">
-                <a:pos x="connsiteX4" y="connsiteY4"/>
-              </a:cxn>
-              <a:cxn ang="0">
-                <a:pos x="connsiteX5" y="connsiteY5"/>
-              </a:cxn>
-            </a:cxnLst>
-            <a:rect l="l" t="t" r="r" b="b"/>
-            <a:pathLst>
-              <a:path w="7281316" h="6858000">
-                <a:moveTo>
-                  <a:pt x="361354" y="0"/>
-                </a:moveTo>
-                <a:lnTo>
-                  <a:pt x="7281316" y="0"/>
-                </a:lnTo>
-                <a:lnTo>
-                  <a:pt x="7281316" y="6858000"/>
-                </a:lnTo>
-                <a:lnTo>
-                  <a:pt x="696735" y="6858000"/>
-                </a:lnTo>
-                <a:lnTo>
-                  <a:pt x="690849" y="6842426"/>
-                </a:lnTo>
-                <a:cubicBezTo>
-                  <a:pt x="-65870" y="4704140"/>
-                  <a:pt x="-226206" y="2374054"/>
-                  <a:pt x="335637" y="94722"/>
-                </a:cubicBezTo>
-                <a:close/>
-              </a:path>
-            </a:pathLst>
-          </a:custGeom>
-          <a:solidFill>
-            <a:schemeClr val="tx1">
-              <a:alpha val="80000"/>
-            </a:schemeClr>
-          </a:solidFill>
-          <a:ln>
-            <a:noFill/>
-          </a:ln>
-        </p:spPr>
-        <p:style>
-          <a:lnRef idx="2">
-            <a:schemeClr val="accent1">
-              <a:shade val="50000"/>
-            </a:schemeClr>
-          </a:lnRef>
-          <a:fillRef idx="1">
-            <a:schemeClr val="accent1"/>
-          </a:fillRef>
-          <a:effectRef idx="0">
-            <a:schemeClr val="accent1"/>
-          </a:effectRef>
-          <a:fontRef idx="minor">
-            <a:schemeClr val="lt1"/>
-          </a:fontRef>
-        </p:style>
-        <p:txBody>
-          <a:bodyPr rtlCol="0" anchor="ctr"/>
-          <a:lstStyle/>
-          <a:p>
-            <a:pPr algn="ctr"/>
-            <a:endParaRPr lang="en-US"/>
-          </a:p>
-        </p:txBody>
-      </p:sp>
-      <p:sp>
-        <p:nvSpPr>
-          <p:cNvPr id="10" name="Freeform: Shape 9">
-            <a:extLst>
-              <a:ext uri="{FF2B5EF4-FFF2-40B4-BE49-F238E27FC236}">
-                <a16:creationId xmlns:a16="http://schemas.microsoft.com/office/drawing/2014/main" id="{89CC0F1E-BAA2-47B1-8F83-7ECB9FD9E009}"/>
-              </a:ext>
-              <a:ext uri="{C183D7F6-B498-43B3-948B-1728B52AA6E4}">
-                <adec:decorative xmlns:adec="http://schemas.microsoft.com/office/drawing/2017/decorative" val="1"/>
-              </a:ext>
-            </a:extLst>
-          </p:cNvPr>
-          <p:cNvSpPr>
-            <a:spLocks noGrp="1" noRot="1" noChangeAspect="1" noMove="1" noResize="1" noEditPoints="1" noAdjustHandles="1" noChangeArrowheads="1" noChangeShapeType="1" noTextEdit="1"/>
-          </p:cNvSpPr>
-          <p:nvPr>
-            <p:extLst>
-              <p:ext uri="{386F3935-93C4-4BCD-93E2-E3B085C9AB24}">
-                <p16:designElem xmlns:p16="http://schemas.microsoft.com/office/powerpoint/2015/main" val="1"/>
-              </p:ext>
-            </p:extLst>
-          </p:nvPr>
-        </p:nvSpPr>
-        <p:spPr>
-          <a:xfrm>
-            <a:off x="5189558" y="0"/>
-            <a:ext cx="6999394" cy="6858000"/>
-          </a:xfrm>
-          <a:custGeom>
-            <a:avLst/>
-            <a:gdLst>
-              <a:gd name="connsiteX0" fmla="*/ 6999394 w 6999394"/>
-              <a:gd name="connsiteY0" fmla="*/ 0 h 6858000"/>
-              <a:gd name="connsiteX1" fmla="*/ 6999394 w 6999394"/>
-              <a:gd name="connsiteY1" fmla="*/ 6858000 h 6858000"/>
-              <a:gd name="connsiteX2" fmla="*/ 717029 w 6999394"/>
-              <a:gd name="connsiteY2" fmla="*/ 6858000 h 6858000"/>
-              <a:gd name="connsiteX3" fmla="*/ 623642 w 6999394"/>
-              <a:gd name="connsiteY3" fmla="*/ 6599363 h 6858000"/>
-              <a:gd name="connsiteX4" fmla="*/ 319533 w 6999394"/>
-              <a:gd name="connsiteY4" fmla="*/ 193787 h 6858000"/>
-              <a:gd name="connsiteX5" fmla="*/ 371685 w 6999394"/>
-              <a:gd name="connsiteY5" fmla="*/ 1 h 6858000"/>
-            </a:gdLst>
-            <a:ahLst/>
-            <a:cxnLst>
-              <a:cxn ang="0">
-                <a:pos x="connsiteX0" y="connsiteY0"/>
-              </a:cxn>
-              <a:cxn ang="0">
-                <a:pos x="connsiteX1" y="connsiteY1"/>
-              </a:cxn>
-              <a:cxn ang="0">
-                <a:pos x="connsiteX2" y="connsiteY2"/>
-              </a:cxn>
-              <a:cxn ang="0">
-                <a:pos x="connsiteX3" y="connsiteY3"/>
-              </a:cxn>
-              <a:cxn ang="0">
-                <a:pos x="connsiteX4" y="connsiteY4"/>
-              </a:cxn>
-              <a:cxn ang="0">
-                <a:pos x="connsiteX5" y="connsiteY5"/>
-              </a:cxn>
-            </a:cxnLst>
-            <a:rect l="l" t="t" r="r" b="b"/>
-            <a:pathLst>
-              <a:path w="6999394" h="6858000">
-                <a:moveTo>
-                  <a:pt x="6999394" y="0"/>
-                </a:moveTo>
-                <a:lnTo>
-                  <a:pt x="6999394" y="6858000"/>
-                </a:lnTo>
-                <a:lnTo>
-                  <a:pt x="717029" y="6858000"/>
-                </a:lnTo>
-                <a:lnTo>
-                  <a:pt x="623642" y="6599363"/>
-                </a:lnTo>
-                <a:cubicBezTo>
-                  <a:pt x="-67685" y="4563346"/>
-                  <a:pt x="-206622" y="2355719"/>
-                  <a:pt x="319533" y="193787"/>
-                </a:cubicBezTo>
-                <a:lnTo>
-                  <a:pt x="371685" y="1"/>
-                </a:lnTo>
-                <a:close/>
-              </a:path>
-            </a:pathLst>
-          </a:custGeom>
-          <a:solidFill>
-            <a:schemeClr val="tx1">
-              <a:alpha val="80000"/>
-            </a:schemeClr>
-          </a:solidFill>
-          <a:ln>
-            <a:noFill/>
-          </a:ln>
-        </p:spPr>
-        <p:style>
-          <a:lnRef idx="2">
-            <a:schemeClr val="accent1">
-              <a:shade val="50000"/>
-            </a:schemeClr>
-          </a:lnRef>
-          <a:fillRef idx="1">
-            <a:schemeClr val="accent1"/>
-          </a:fillRef>
-          <a:effectRef idx="0">
-            <a:schemeClr val="accent1"/>
-          </a:effectRef>
-          <a:fontRef idx="minor">
-            <a:schemeClr val="lt1"/>
-          </a:fontRef>
-        </p:style>
-        <p:txBody>
-          <a:bodyPr rtlCol="0" anchor="ctr"/>
-          <a:lstStyle/>
-          <a:p>
-            <a:pPr algn="ctr"/>
-            <a:endParaRPr lang="en-US"/>
-          </a:p>
-        </p:txBody>
-      </p:sp>
-      <p:sp>
-        <p:nvSpPr>
-          <p:cNvPr id="3" name="Content Placeholder 2">
-            <a:extLst>
-              <a:ext uri="{FF2B5EF4-FFF2-40B4-BE49-F238E27FC236}">
-                <a16:creationId xmlns:a16="http://schemas.microsoft.com/office/drawing/2014/main" id="{7C3365C4-476B-4800-8233-D5716C3013D0}"/>
-              </a:ext>
-            </a:extLst>
-          </p:cNvPr>
-          <p:cNvSpPr>
-            <a:spLocks noGrp="1"/>
-          </p:cNvSpPr>
-          <p:nvPr>
-            <p:ph idx="1"/>
-          </p:nvPr>
-        </p:nvSpPr>
-        <p:spPr>
-          <a:xfrm>
-            <a:off x="6096000" y="1399032"/>
-            <a:ext cx="5501834" cy="4471416"/>
-          </a:xfrm>
-        </p:spPr>
-        <p:txBody>
-          <a:bodyPr anchor="ctr">
-            <a:normAutofit/>
-          </a:bodyPr>
-          <a:lstStyle/>
-          <a:p>
-            <a:r>
-              <a:rPr lang="en-US" sz="3200" dirty="0">
-                <a:solidFill>
-                  <a:schemeClr val="bg1"/>
-                </a:solidFill>
-              </a:rPr>
-              <a:t>SIG </a:t>
-            </a:r>
-            <a:r>
-              <a:rPr lang="en-US" sz="3200" dirty="0" err="1">
-                <a:solidFill>
-                  <a:schemeClr val="bg1"/>
-                </a:solidFill>
-              </a:rPr>
-              <a:t>Systers</a:t>
-            </a:r>
-            <a:endParaRPr lang="en-US" sz="3200" dirty="0">
-              <a:solidFill>
-                <a:schemeClr val="bg1"/>
-              </a:solidFill>
-            </a:endParaRPr>
-          </a:p>
-          <a:p>
-            <a:pPr lvl="1"/>
-            <a:r>
-              <a:rPr lang="en-US" sz="3200" dirty="0">
-                <a:solidFill>
-                  <a:schemeClr val="bg1"/>
-                </a:solidFill>
-              </a:rPr>
-              <a:t>Work together for joint events</a:t>
-            </a:r>
-          </a:p>
-          <a:p>
-            <a:r>
-              <a:rPr lang="en-US" sz="3200" dirty="0">
-                <a:solidFill>
-                  <a:schemeClr val="bg1"/>
-                </a:solidFill>
-              </a:rPr>
-              <a:t>ACM SIGSAC Chapter</a:t>
-            </a:r>
-          </a:p>
-          <a:p>
-            <a:pPr lvl="1"/>
-            <a:r>
-              <a:rPr lang="en-US" sz="3200" dirty="0">
-                <a:solidFill>
-                  <a:schemeClr val="bg1"/>
-                </a:solidFill>
-              </a:rPr>
-              <a:t>Become a student member</a:t>
-            </a:r>
-          </a:p>
-        </p:txBody>
-      </p:sp>
-    </p:spTree>
-    <p:extLst>
-      <p:ext uri="{BB962C8B-B14F-4D97-AF65-F5344CB8AC3E}">
-        <p14:creationId xmlns:p14="http://schemas.microsoft.com/office/powerpoint/2010/main" val="3150621855"/>
-      </p:ext>
-    </p:extLst>
-  </p:cSld>
-  <p:clrMapOvr>
-    <a:overrideClrMapping bg1="dk1" tx1="lt1" bg2="dk2" tx2="lt2" accent1="accent1" accent2="accent2" accent3="accent3" accent4="accent4" accent5="accent5" accent6="accent6" hlink="hlink" folHlink="folHlink"/>
-  </p:clrMapOvr>
-</p:sld>
-</file>
-
-<file path=ppt/slides/slide9.xml><?xml version="1.0" encoding="utf-8"?>
-<p:sld xmlns:a="http://schemas.openxmlformats.org/drawingml/2006/main" xmlns:r="http://schemas.openxmlformats.org/officeDocument/2006/relationships" xmlns:p="http://schemas.openxmlformats.org/presentationml/2006/main">
-  <p:cSld>
-    <p:spTree>
-      <p:nvGrpSpPr>
-        <p:cNvPr id="1" name=""/>
-        <p:cNvGrpSpPr/>
-        <p:nvPr/>
-      </p:nvGrpSpPr>
-      <p:grpSpPr>
-        <a:xfrm>
-          <a:off x="0" y="0"/>
-          <a:ext cx="0" cy="0"/>
-          <a:chOff x="0" y="0"/>
-          <a:chExt cx="0" cy="0"/>
-        </a:xfrm>
-      </p:grpSpPr>
-      <p:sp>
-        <p:nvSpPr>
-          <p:cNvPr id="2" name="Title 1">
-            <a:extLst>
-              <a:ext uri="{FF2B5EF4-FFF2-40B4-BE49-F238E27FC236}">
-                <a16:creationId xmlns:a16="http://schemas.microsoft.com/office/drawing/2014/main" id="{CF8DB1FE-2691-4A95-A506-8B3C16A24813}"/>
-              </a:ext>
-            </a:extLst>
-          </p:cNvPr>
-          <p:cNvSpPr>
-            <a:spLocks noGrp="1"/>
-          </p:cNvSpPr>
-          <p:nvPr>
-            <p:ph type="title"/>
-          </p:nvPr>
-        </p:nvSpPr>
-        <p:spPr/>
-        <p:txBody>
-          <a:bodyPr/>
-          <a:lstStyle/>
-          <a:p>
-            <a:r>
-              <a:rPr lang="en-US" dirty="0"/>
-              <a:t>Additional Ideas</a:t>
-            </a:r>
-          </a:p>
-        </p:txBody>
-      </p:sp>
-      <p:sp>
-        <p:nvSpPr>
-          <p:cNvPr id="3" name="Content Placeholder 2">
-            <a:extLst>
-              <a:ext uri="{FF2B5EF4-FFF2-40B4-BE49-F238E27FC236}">
-                <a16:creationId xmlns:a16="http://schemas.microsoft.com/office/drawing/2014/main" id="{9BAAAB6C-F3BB-458C-9700-3D33F0E48C2B}"/>
-              </a:ext>
-            </a:extLst>
-          </p:cNvPr>
-          <p:cNvSpPr>
-            <a:spLocks noGrp="1"/>
-          </p:cNvSpPr>
-          <p:nvPr>
-            <p:ph idx="1"/>
-          </p:nvPr>
-        </p:nvSpPr>
-        <p:spPr>
-          <a:xfrm>
-            <a:off x="838200" y="1825625"/>
-            <a:ext cx="10515600" cy="4351338"/>
-          </a:xfrm>
-        </p:spPr>
-        <p:txBody>
-          <a:bodyPr>
-            <a:normAutofit fontScale="85000" lnSpcReduction="20000"/>
-          </a:bodyPr>
-          <a:lstStyle/>
-          <a:p>
-            <a:r>
-              <a:rPr lang="en-US" dirty="0"/>
-              <a:t>Jen Easterly – Vice-president for cyber security in the fusion center(Head security for JP Morgan)</a:t>
-            </a:r>
-          </a:p>
-          <a:p>
-            <a:pPr lvl="1"/>
-            <a:r>
-              <a:rPr lang="en-US" dirty="0"/>
-              <a:t>Interview</a:t>
-            </a:r>
-          </a:p>
-          <a:p>
-            <a:pPr lvl="1"/>
-            <a:r>
-              <a:rPr lang="en-US" dirty="0"/>
-              <a:t>Going to Manhattan on Trip section</a:t>
-            </a:r>
-          </a:p>
-          <a:p>
-            <a:r>
-              <a:rPr lang="en-US" dirty="0"/>
-              <a:t>Grace Hopper conference</a:t>
-            </a:r>
-          </a:p>
-          <a:p>
-            <a:pPr lvl="1"/>
-            <a:r>
-              <a:rPr lang="en-US" dirty="0"/>
-              <a:t>SIGSAC could help advertise?</a:t>
-            </a:r>
-          </a:p>
-          <a:p>
-            <a:r>
-              <a:rPr lang="en-US" dirty="0"/>
-              <a:t>GEN Nakasone (head of NSA)</a:t>
-            </a:r>
-          </a:p>
-          <a:p>
-            <a:pPr lvl="1"/>
-            <a:r>
-              <a:rPr lang="en-US" dirty="0"/>
-              <a:t>Interview</a:t>
-            </a:r>
-          </a:p>
-          <a:p>
-            <a:pPr lvl="1"/>
-            <a:r>
-              <a:rPr lang="en-US" dirty="0"/>
-              <a:t>Supposed to do the Castle Lecture</a:t>
-            </a:r>
-          </a:p>
-          <a:p>
-            <a:pPr lvl="2"/>
-            <a:r>
-              <a:rPr lang="en-US" dirty="0"/>
-              <a:t>Line up the schedule</a:t>
-            </a:r>
-          </a:p>
-          <a:p>
-            <a:r>
-              <a:rPr lang="en-US" dirty="0"/>
-              <a:t>Matt Dunlop</a:t>
-            </a:r>
-          </a:p>
-          <a:p>
-            <a:pPr lvl="1"/>
-            <a:r>
-              <a:rPr lang="en-US" dirty="0"/>
-              <a:t>Former EECS</a:t>
-            </a:r>
-          </a:p>
-          <a:p>
-            <a:pPr lvl="1"/>
-            <a:r>
-              <a:rPr lang="en-US" dirty="0"/>
-              <a:t>CISO for </a:t>
-            </a:r>
-            <a:r>
-              <a:rPr lang="en-US" dirty="0" err="1"/>
-              <a:t>Underarmor</a:t>
-            </a:r>
-            <a:endParaRPr lang="en-US" dirty="0"/>
-          </a:p>
-        </p:txBody>
-      </p:sp>
-    </p:spTree>
-    <p:extLst>
-      <p:ext uri="{BB962C8B-B14F-4D97-AF65-F5344CB8AC3E}">
-        <p14:creationId xmlns:p14="http://schemas.microsoft.com/office/powerpoint/2010/main" val="1665759720"/>
-      </p:ext>
-    </p:extLst>
-  </p:cSld>
-  <p:clrMapOvr>
-    <a:masterClrMapping/>
   </p:clrMapOvr>
 </p:sld>
 </file>
@@ -7957,16 +7852,302 @@
 </a:theme>
 </file>
 
-<file path=customXml/item1.xml><?xml version="1.0" encoding="utf-8"?>
-<?mso-contentType ?>
-<FormTemplates xmlns="http://schemas.microsoft.com/sharepoint/v3/contenttype/forms">
-  <Display>DocumentLibraryForm</Display>
-  <Edit>DocumentLibraryForm</Edit>
-  <New>DocumentLibraryForm</New>
-</FormTemplates>
+<file path=ppt/theme/theme2.xml><?xml version="1.0" encoding="utf-8"?>
+<a:theme xmlns:a="http://schemas.openxmlformats.org/drawingml/2006/main" name="Office Theme">
+  <a:themeElements>
+    <a:clrScheme name="Office">
+      <a:dk1>
+        <a:sysClr val="windowText" lastClr="000000"/>
+      </a:dk1>
+      <a:lt1>
+        <a:sysClr val="window" lastClr="FFFFFF"/>
+      </a:lt1>
+      <a:dk2>
+        <a:srgbClr val="44546A"/>
+      </a:dk2>
+      <a:lt2>
+        <a:srgbClr val="E7E6E6"/>
+      </a:lt2>
+      <a:accent1>
+        <a:srgbClr val="4472C4"/>
+      </a:accent1>
+      <a:accent2>
+        <a:srgbClr val="ED7D31"/>
+      </a:accent2>
+      <a:accent3>
+        <a:srgbClr val="A5A5A5"/>
+      </a:accent3>
+      <a:accent4>
+        <a:srgbClr val="FFC000"/>
+      </a:accent4>
+      <a:accent5>
+        <a:srgbClr val="5B9BD5"/>
+      </a:accent5>
+      <a:accent6>
+        <a:srgbClr val="70AD47"/>
+      </a:accent6>
+      <a:hlink>
+        <a:srgbClr val="0563C1"/>
+      </a:hlink>
+      <a:folHlink>
+        <a:srgbClr val="954F72"/>
+      </a:folHlink>
+    </a:clrScheme>
+    <a:fontScheme name="Office">
+      <a:majorFont>
+        <a:latin typeface="Calibri Light" panose="020F0302020204030204"/>
+        <a:ea typeface=""/>
+        <a:cs typeface=""/>
+        <a:font script="Jpan" typeface="游ゴシック Light"/>
+        <a:font script="Hang" typeface="맑은 고딕"/>
+        <a:font script="Hans" typeface="等线 Light"/>
+        <a:font script="Hant" typeface="新細明體"/>
+        <a:font script="Arab" typeface="Times New Roman"/>
+        <a:font script="Hebr" typeface="Times New Roman"/>
+        <a:font script="Thai" typeface="Angsana New"/>
+        <a:font script="Ethi" typeface="Nyala"/>
+        <a:font script="Beng" typeface="Vrinda"/>
+        <a:font script="Gujr" typeface="Shruti"/>
+        <a:font script="Khmr" typeface="MoolBoran"/>
+        <a:font script="Knda" typeface="Tunga"/>
+        <a:font script="Guru" typeface="Raavi"/>
+        <a:font script="Cans" typeface="Euphemia"/>
+        <a:font script="Cher" typeface="Plantagenet Cherokee"/>
+        <a:font script="Yiii" typeface="Microsoft Yi Baiti"/>
+        <a:font script="Tibt" typeface="Microsoft Himalaya"/>
+        <a:font script="Thaa" typeface="MV Boli"/>
+        <a:font script="Deva" typeface="Mangal"/>
+        <a:font script="Telu" typeface="Gautami"/>
+        <a:font script="Taml" typeface="Latha"/>
+        <a:font script="Syrc" typeface="Estrangelo Edessa"/>
+        <a:font script="Orya" typeface="Kalinga"/>
+        <a:font script="Mlym" typeface="Kartika"/>
+        <a:font script="Laoo" typeface="DokChampa"/>
+        <a:font script="Sinh" typeface="Iskoola Pota"/>
+        <a:font script="Mong" typeface="Mongolian Baiti"/>
+        <a:font script="Viet" typeface="Times New Roman"/>
+        <a:font script="Uigh" typeface="Microsoft Uighur"/>
+        <a:font script="Geor" typeface="Sylfaen"/>
+        <a:font script="Armn" typeface="Arial"/>
+        <a:font script="Bugi" typeface="Leelawadee UI"/>
+        <a:font script="Bopo" typeface="Microsoft JhengHei"/>
+        <a:font script="Java" typeface="Javanese Text"/>
+        <a:font script="Lisu" typeface="Segoe UI"/>
+        <a:font script="Mymr" typeface="Myanmar Text"/>
+        <a:font script="Nkoo" typeface="Ebrima"/>
+        <a:font script="Olck" typeface="Nirmala UI"/>
+        <a:font script="Osma" typeface="Ebrima"/>
+        <a:font script="Phag" typeface="Phagspa"/>
+        <a:font script="Syrn" typeface="Estrangelo Edessa"/>
+        <a:font script="Syrj" typeface="Estrangelo Edessa"/>
+        <a:font script="Syre" typeface="Estrangelo Edessa"/>
+        <a:font script="Sora" typeface="Nirmala UI"/>
+        <a:font script="Tale" typeface="Microsoft Tai Le"/>
+        <a:font script="Talu" typeface="Microsoft New Tai Lue"/>
+        <a:font script="Tfng" typeface="Ebrima"/>
+      </a:majorFont>
+      <a:minorFont>
+        <a:latin typeface="Calibri" panose="020F0502020204030204"/>
+        <a:ea typeface=""/>
+        <a:cs typeface=""/>
+        <a:font script="Jpan" typeface="游ゴシック"/>
+        <a:font script="Hang" typeface="맑은 고딕"/>
+        <a:font script="Hans" typeface="等线"/>
+        <a:font script="Hant" typeface="新細明體"/>
+        <a:font script="Arab" typeface="Arial"/>
+        <a:font script="Hebr" typeface="Arial"/>
+        <a:font script="Thai" typeface="Cordia New"/>
+        <a:font script="Ethi" typeface="Nyala"/>
+        <a:font script="Beng" typeface="Vrinda"/>
+        <a:font script="Gujr" typeface="Shruti"/>
+        <a:font script="Khmr" typeface="DaunPenh"/>
+        <a:font script="Knda" typeface="Tunga"/>
+        <a:font script="Guru" typeface="Raavi"/>
+        <a:font script="Cans" typeface="Euphemia"/>
+        <a:font script="Cher" typeface="Plantagenet Cherokee"/>
+        <a:font script="Yiii" typeface="Microsoft Yi Baiti"/>
+        <a:font script="Tibt" typeface="Microsoft Himalaya"/>
+        <a:font script="Thaa" typeface="MV Boli"/>
+        <a:font script="Deva" typeface="Mangal"/>
+        <a:font script="Telu" typeface="Gautami"/>
+        <a:font script="Taml" typeface="Latha"/>
+        <a:font script="Syrc" typeface="Estrangelo Edessa"/>
+        <a:font script="Orya" typeface="Kalinga"/>
+        <a:font script="Mlym" typeface="Kartika"/>
+        <a:font script="Laoo" typeface="DokChampa"/>
+        <a:font script="Sinh" typeface="Iskoola Pota"/>
+        <a:font script="Mong" typeface="Mongolian Baiti"/>
+        <a:font script="Viet" typeface="Arial"/>
+        <a:font script="Uigh" typeface="Microsoft Uighur"/>
+        <a:font script="Geor" typeface="Sylfaen"/>
+        <a:font script="Armn" typeface="Arial"/>
+        <a:font script="Bugi" typeface="Leelawadee UI"/>
+        <a:font script="Bopo" typeface="Microsoft JhengHei"/>
+        <a:font script="Java" typeface="Javanese Text"/>
+        <a:font script="Lisu" typeface="Segoe UI"/>
+        <a:font script="Mymr" typeface="Myanmar Text"/>
+        <a:font script="Nkoo" typeface="Ebrima"/>
+        <a:font script="Olck" typeface="Nirmala UI"/>
+        <a:font script="Osma" typeface="Ebrima"/>
+        <a:font script="Phag" typeface="Phagspa"/>
+        <a:font script="Syrn" typeface="Estrangelo Edessa"/>
+        <a:font script="Syrj" typeface="Estrangelo Edessa"/>
+        <a:font script="Syre" typeface="Estrangelo Edessa"/>
+        <a:font script="Sora" typeface="Nirmala UI"/>
+        <a:font script="Tale" typeface="Microsoft Tai Le"/>
+        <a:font script="Talu" typeface="Microsoft New Tai Lue"/>
+        <a:font script="Tfng" typeface="Ebrima"/>
+      </a:minorFont>
+    </a:fontScheme>
+    <a:fmtScheme name="Office">
+      <a:fillStyleLst>
+        <a:solidFill>
+          <a:schemeClr val="phClr"/>
+        </a:solidFill>
+        <a:gradFill rotWithShape="1">
+          <a:gsLst>
+            <a:gs pos="0">
+              <a:schemeClr val="phClr">
+                <a:lumMod val="110000"/>
+                <a:satMod val="105000"/>
+                <a:tint val="67000"/>
+              </a:schemeClr>
+            </a:gs>
+            <a:gs pos="50000">
+              <a:schemeClr val="phClr">
+                <a:lumMod val="105000"/>
+                <a:satMod val="103000"/>
+                <a:tint val="73000"/>
+              </a:schemeClr>
+            </a:gs>
+            <a:gs pos="100000">
+              <a:schemeClr val="phClr">
+                <a:lumMod val="105000"/>
+                <a:satMod val="109000"/>
+                <a:tint val="81000"/>
+              </a:schemeClr>
+            </a:gs>
+          </a:gsLst>
+          <a:lin ang="5400000" scaled="0"/>
+        </a:gradFill>
+        <a:gradFill rotWithShape="1">
+          <a:gsLst>
+            <a:gs pos="0">
+              <a:schemeClr val="phClr">
+                <a:satMod val="103000"/>
+                <a:lumMod val="102000"/>
+                <a:tint val="94000"/>
+              </a:schemeClr>
+            </a:gs>
+            <a:gs pos="50000">
+              <a:schemeClr val="phClr">
+                <a:satMod val="110000"/>
+                <a:lumMod val="100000"/>
+                <a:shade val="100000"/>
+              </a:schemeClr>
+            </a:gs>
+            <a:gs pos="100000">
+              <a:schemeClr val="phClr">
+                <a:lumMod val="99000"/>
+                <a:satMod val="120000"/>
+                <a:shade val="78000"/>
+              </a:schemeClr>
+            </a:gs>
+          </a:gsLst>
+          <a:lin ang="5400000" scaled="0"/>
+        </a:gradFill>
+      </a:fillStyleLst>
+      <a:lnStyleLst>
+        <a:ln w="6350" cap="flat" cmpd="sng" algn="ctr">
+          <a:solidFill>
+            <a:schemeClr val="phClr"/>
+          </a:solidFill>
+          <a:prstDash val="solid"/>
+          <a:miter lim="800000"/>
+        </a:ln>
+        <a:ln w="12700" cap="flat" cmpd="sng" algn="ctr">
+          <a:solidFill>
+            <a:schemeClr val="phClr"/>
+          </a:solidFill>
+          <a:prstDash val="solid"/>
+          <a:miter lim="800000"/>
+        </a:ln>
+        <a:ln w="19050" cap="flat" cmpd="sng" algn="ctr">
+          <a:solidFill>
+            <a:schemeClr val="phClr"/>
+          </a:solidFill>
+          <a:prstDash val="solid"/>
+          <a:miter lim="800000"/>
+        </a:ln>
+      </a:lnStyleLst>
+      <a:effectStyleLst>
+        <a:effectStyle>
+          <a:effectLst/>
+        </a:effectStyle>
+        <a:effectStyle>
+          <a:effectLst/>
+        </a:effectStyle>
+        <a:effectStyle>
+          <a:effectLst>
+            <a:outerShdw blurRad="57150" dist="19050" dir="5400000" algn="ctr" rotWithShape="0">
+              <a:srgbClr val="000000">
+                <a:alpha val="63000"/>
+              </a:srgbClr>
+            </a:outerShdw>
+          </a:effectLst>
+        </a:effectStyle>
+      </a:effectStyleLst>
+      <a:bgFillStyleLst>
+        <a:solidFill>
+          <a:schemeClr val="phClr"/>
+        </a:solidFill>
+        <a:solidFill>
+          <a:schemeClr val="phClr">
+            <a:tint val="95000"/>
+            <a:satMod val="170000"/>
+          </a:schemeClr>
+        </a:solidFill>
+        <a:gradFill rotWithShape="1">
+          <a:gsLst>
+            <a:gs pos="0">
+              <a:schemeClr val="phClr">
+                <a:tint val="93000"/>
+                <a:satMod val="150000"/>
+                <a:shade val="98000"/>
+                <a:lumMod val="102000"/>
+              </a:schemeClr>
+            </a:gs>
+            <a:gs pos="50000">
+              <a:schemeClr val="phClr">
+                <a:tint val="98000"/>
+                <a:satMod val="130000"/>
+                <a:shade val="90000"/>
+                <a:lumMod val="103000"/>
+              </a:schemeClr>
+            </a:gs>
+            <a:gs pos="100000">
+              <a:schemeClr val="phClr">
+                <a:shade val="63000"/>
+                <a:satMod val="120000"/>
+              </a:schemeClr>
+            </a:gs>
+          </a:gsLst>
+          <a:lin ang="5400000" scaled="0"/>
+        </a:gradFill>
+      </a:bgFillStyleLst>
+    </a:fmtScheme>
+  </a:themeElements>
+  <a:objectDefaults/>
+  <a:extraClrSchemeLst/>
+  <a:extLst>
+    <a:ext uri="{05A4C25C-085E-4340-85A3-A5531E510DB2}">
+      <thm15:themeFamily xmlns:thm15="http://schemas.microsoft.com/office/thememl/2012/main" name="Office Theme" id="{62F939B6-93AF-4DB8-9C6B-D6C7DFDC589F}" vid="{4A3C46E8-61CC-4603-A589-7422A47A8E4A}"/>
+    </a:ext>
+  </a:extLst>
+</a:theme>
 </file>
 
-<file path=customXml/item2.xml><?xml version="1.0" encoding="utf-8"?>
+<file path=customXml/item1.xml><?xml version="1.0" encoding="utf-8"?>
 <ct:contentTypeSchema xmlns:ct="http://schemas.microsoft.com/office/2006/metadata/contentType" xmlns:ma="http://schemas.microsoft.com/office/2006/metadata/properties/metaAttributes" ct:_="" ma:_="" ma:contentTypeName="Document" ma:contentTypeID="0x0101004F0D3AC58085F04F8E96853F08A30F2B" ma:contentTypeVersion="13" ma:contentTypeDescription="Create a new document." ma:contentTypeScope="" ma:versionID="a0827451f0d91b5bcace5940412ca534">
   <xsd:schema xmlns:xsd="http://www.w3.org/2001/XMLSchema" xmlns:xs="http://www.w3.org/2001/XMLSchema" xmlns:p="http://schemas.microsoft.com/office/2006/metadata/properties" xmlns:ns3="b223b62c-a937-4bca-ad8a-f65eba266e5f" xmlns:ns4="cb4d3b21-ccbf-4786-ba37-110921545913" targetNamespace="http://schemas.microsoft.com/office/2006/metadata/properties" ma:root="true" ma:fieldsID="51bd1e280165e7c627ef164f3c9e0eb3" ns3:_="" ns4:_="">
     <xsd:import namespace="b223b62c-a937-4bca-ad8a-f65eba266e5f"/>
@@ -8189,21 +8370,22 @@
 </ct:contentTypeSchema>
 </file>
 
-<file path=customXml/item3.xml><?xml version="1.0" encoding="utf-8"?>
+<file path=customXml/item2.xml><?xml version="1.0" encoding="utf-8"?>
 <p:properties xmlns:p="http://schemas.microsoft.com/office/2006/metadata/properties" xmlns:xsi="http://www.w3.org/2001/XMLSchema-instance" xmlns:pc="http://schemas.microsoft.com/office/infopath/2007/PartnerControls">
   <documentManagement/>
 </p:properties>
 </file>
 
-<file path=customXml/itemProps1.xml><?xml version="1.0" encoding="utf-8"?>
-<ds:datastoreItem xmlns:ds="http://schemas.openxmlformats.org/officeDocument/2006/customXml" ds:itemID="{58272E05-1918-4B65-96FE-66CCAB828AB9}">
-  <ds:schemaRefs>
-    <ds:schemaRef ds:uri="http://schemas.microsoft.com/sharepoint/v3/contenttype/forms"/>
-  </ds:schemaRefs>
-</ds:datastoreItem>
+<file path=customXml/item3.xml><?xml version="1.0" encoding="utf-8"?>
+<?mso-contentType ?>
+<FormTemplates xmlns="http://schemas.microsoft.com/sharepoint/v3/contenttype/forms">
+  <Display>DocumentLibraryForm</Display>
+  <Edit>DocumentLibraryForm</Edit>
+  <New>DocumentLibraryForm</New>
+</FormTemplates>
 </file>
 
-<file path=customXml/itemProps2.xml><?xml version="1.0" encoding="utf-8"?>
+<file path=customXml/itemProps1.xml><?xml version="1.0" encoding="utf-8"?>
 <ds:datastoreItem xmlns:ds="http://schemas.openxmlformats.org/officeDocument/2006/customXml" ds:itemID="{6D16F514-4A3B-42C6-9A47-289586AEB505}">
   <ds:schemaRefs>
     <ds:schemaRef ds:uri="http://schemas.microsoft.com/office/2006/metadata/contentType"/>
@@ -8222,7 +8404,7 @@
 </ds:datastoreItem>
 </file>
 
-<file path=customXml/itemProps3.xml><?xml version="1.0" encoding="utf-8"?>
+<file path=customXml/itemProps2.xml><?xml version="1.0" encoding="utf-8"?>
 <ds:datastoreItem xmlns:ds="http://schemas.openxmlformats.org/officeDocument/2006/customXml" ds:itemID="{4F269129-05FE-4CA5-92E4-E0B615AADC14}">
   <ds:schemaRefs>
     <ds:schemaRef ds:uri="http://purl.org/dc/terms/"/>
@@ -8237,4 +8419,12 @@
     <ds:schemaRef ds:uri="http://schemas.microsoft.com/office/2006/metadata/properties"/>
   </ds:schemaRefs>
 </ds:datastoreItem>
+</file>
+
+<file path=customXml/itemProps3.xml><?xml version="1.0" encoding="utf-8"?>
+<ds:datastoreItem xmlns:ds="http://schemas.openxmlformats.org/officeDocument/2006/customXml" ds:itemID="{58272E05-1918-4B65-96FE-66CCAB828AB9}">
+  <ds:schemaRefs>
+    <ds:schemaRef ds:uri="http://schemas.microsoft.com/sharepoint/v3/contenttype/forms"/>
+  </ds:schemaRefs>
+</ds:datastoreItem>
 </file>